--- a/jsp_ppt/10-2장. Jsp - MVC를 이용한 게시판 관리.pptx
+++ b/jsp_ppt/10-2장. Jsp - MVC를 이용한 게시판 관리.pptx
@@ -5,38 +5,47 @@
     <p:sldMasterId id="2147483648" r:id="rId1"/>
   </p:sldMasterIdLst>
   <p:notesMasterIdLst>
-    <p:notesMasterId r:id="rId31"/>
+    <p:notesMasterId r:id="rId40"/>
   </p:notesMasterIdLst>
   <p:sldIdLst>
     <p:sldId id="256" r:id="rId2"/>
     <p:sldId id="370" r:id="rId3"/>
     <p:sldId id="385" r:id="rId4"/>
     <p:sldId id="371" r:id="rId5"/>
-    <p:sldId id="373" r:id="rId6"/>
-    <p:sldId id="427" r:id="rId7"/>
-    <p:sldId id="426" r:id="rId8"/>
-    <p:sldId id="374" r:id="rId9"/>
-    <p:sldId id="375" r:id="rId10"/>
-    <p:sldId id="376" r:id="rId11"/>
-    <p:sldId id="407" r:id="rId12"/>
-    <p:sldId id="408" r:id="rId13"/>
-    <p:sldId id="409" r:id="rId14"/>
-    <p:sldId id="410" r:id="rId15"/>
-    <p:sldId id="411" r:id="rId16"/>
-    <p:sldId id="412" r:id="rId17"/>
-    <p:sldId id="413" r:id="rId18"/>
-    <p:sldId id="414" r:id="rId19"/>
-    <p:sldId id="415" r:id="rId20"/>
-    <p:sldId id="424" r:id="rId21"/>
-    <p:sldId id="425" r:id="rId22"/>
-    <p:sldId id="418" r:id="rId23"/>
-    <p:sldId id="416" r:id="rId24"/>
-    <p:sldId id="417" r:id="rId25"/>
-    <p:sldId id="421" r:id="rId26"/>
-    <p:sldId id="419" r:id="rId27"/>
-    <p:sldId id="420" r:id="rId28"/>
-    <p:sldId id="422" r:id="rId29"/>
-    <p:sldId id="423" r:id="rId30"/>
+    <p:sldId id="434" r:id="rId6"/>
+    <p:sldId id="373" r:id="rId7"/>
+    <p:sldId id="427" r:id="rId8"/>
+    <p:sldId id="426" r:id="rId9"/>
+    <p:sldId id="374" r:id="rId10"/>
+    <p:sldId id="375" r:id="rId11"/>
+    <p:sldId id="376" r:id="rId12"/>
+    <p:sldId id="407" r:id="rId13"/>
+    <p:sldId id="408" r:id="rId14"/>
+    <p:sldId id="409" r:id="rId15"/>
+    <p:sldId id="410" r:id="rId16"/>
+    <p:sldId id="411" r:id="rId17"/>
+    <p:sldId id="412" r:id="rId18"/>
+    <p:sldId id="413" r:id="rId19"/>
+    <p:sldId id="414" r:id="rId20"/>
+    <p:sldId id="415" r:id="rId21"/>
+    <p:sldId id="424" r:id="rId22"/>
+    <p:sldId id="425" r:id="rId23"/>
+    <p:sldId id="418" r:id="rId24"/>
+    <p:sldId id="416" r:id="rId25"/>
+    <p:sldId id="417" r:id="rId26"/>
+    <p:sldId id="421" r:id="rId27"/>
+    <p:sldId id="419" r:id="rId28"/>
+    <p:sldId id="420" r:id="rId29"/>
+    <p:sldId id="422" r:id="rId30"/>
+    <p:sldId id="423" r:id="rId31"/>
+    <p:sldId id="428" r:id="rId32"/>
+    <p:sldId id="436" r:id="rId33"/>
+    <p:sldId id="429" r:id="rId34"/>
+    <p:sldId id="430" r:id="rId35"/>
+    <p:sldId id="431" r:id="rId36"/>
+    <p:sldId id="432" r:id="rId37"/>
+    <p:sldId id="433" r:id="rId38"/>
+    <p:sldId id="435" r:id="rId39"/>
   </p:sldIdLst>
   <p:sldSz cx="9906000" cy="6858000" type="A4"/>
   <p:notesSz cx="6858000" cy="9144000"/>
@@ -236,7 +245,7 @@
           <a:p>
             <a:fld id="{7665CDAC-D627-4E87-877A-1B781DD4CADC}" type="datetimeFigureOut">
               <a:rPr lang="ko-KR" altLang="en-US" smtClean="0"/>
-              <a:t>2023-06-11</a:t>
+              <a:t>2023-06-14</a:t>
             </a:fld>
             <a:endParaRPr lang="ko-KR" altLang="en-US"/>
           </a:p>
@@ -774,7 +783,7 @@
           <a:p>
             <a:fld id="{F4AC81B4-D91A-4578-85B3-829E63FCFE17}" type="datetime1">
               <a:rPr lang="ko-KR" altLang="en-US" smtClean="0"/>
-              <a:t>2023-06-11</a:t>
+              <a:t>2023-06-14</a:t>
             </a:fld>
             <a:endParaRPr lang="ko-KR" altLang="en-US"/>
           </a:p>
@@ -1149,7 +1158,7 @@
           <a:p>
             <a:fld id="{F5B77542-37E5-48F2-BAE7-80CC6B0EB6A3}" type="datetime1">
               <a:rPr lang="ko-KR" altLang="en-US" smtClean="0"/>
-              <a:t>2023-06-11</a:t>
+              <a:t>2023-06-14</a:t>
             </a:fld>
             <a:endParaRPr lang="ko-KR" altLang="en-US"/>
           </a:p>
@@ -1329,7 +1338,7 @@
           <a:p>
             <a:fld id="{227CF174-B5AC-4A98-B673-0BE8126D3F27}" type="datetime1">
               <a:rPr lang="ko-KR" altLang="en-US" smtClean="0"/>
-              <a:t>2023-06-11</a:t>
+              <a:t>2023-06-14</a:t>
             </a:fld>
             <a:endParaRPr lang="ko-KR" altLang="en-US"/>
           </a:p>
@@ -1503,7 +1512,7 @@
           <a:p>
             <a:fld id="{E20FDEC8-1339-42E8-9704-2977280C2FD3}" type="datetime1">
               <a:rPr lang="ko-KR" altLang="en-US" smtClean="0"/>
-              <a:t>2023-06-11</a:t>
+              <a:t>2023-06-14</a:t>
             </a:fld>
             <a:endParaRPr lang="ko-KR" altLang="en-US"/>
           </a:p>
@@ -1749,7 +1758,7 @@
           <a:p>
             <a:fld id="{4D18DC76-A282-4817-B790-197F054E1215}" type="datetime1">
               <a:rPr lang="ko-KR" altLang="en-US" smtClean="0"/>
-              <a:t>2023-06-11</a:t>
+              <a:t>2023-06-14</a:t>
             </a:fld>
             <a:endParaRPr lang="ko-KR" altLang="en-US"/>
           </a:p>
@@ -2037,7 +2046,7 @@
           <a:p>
             <a:fld id="{6680AA6C-13D8-43E4-90F0-E6C88A2B9F16}" type="datetime1">
               <a:rPr lang="ko-KR" altLang="en-US" smtClean="0"/>
-              <a:t>2023-06-11</a:t>
+              <a:t>2023-06-14</a:t>
             </a:fld>
             <a:endParaRPr lang="ko-KR" altLang="en-US"/>
           </a:p>
@@ -2459,7 +2468,7 @@
           <a:p>
             <a:fld id="{3EF5B03B-20CC-436E-8601-C933C6C1F4A6}" type="datetime1">
               <a:rPr lang="ko-KR" altLang="en-US" smtClean="0"/>
-              <a:t>2023-06-11</a:t>
+              <a:t>2023-06-14</a:t>
             </a:fld>
             <a:endParaRPr lang="ko-KR" altLang="en-US"/>
           </a:p>
@@ -2577,7 +2586,7 @@
           <a:p>
             <a:fld id="{87B5A15D-8B08-482F-AB47-E416EC355EB6}" type="datetime1">
               <a:rPr lang="ko-KR" altLang="en-US" smtClean="0"/>
-              <a:t>2023-06-11</a:t>
+              <a:t>2023-06-14</a:t>
             </a:fld>
             <a:endParaRPr lang="ko-KR" altLang="en-US"/>
           </a:p>
@@ -2672,7 +2681,7 @@
           <a:p>
             <a:fld id="{A877D7F8-7B64-44F8-A411-CBD22F28CBFF}" type="datetime1">
               <a:rPr lang="ko-KR" altLang="en-US" smtClean="0"/>
-              <a:t>2023-06-11</a:t>
+              <a:t>2023-06-14</a:t>
             </a:fld>
             <a:endParaRPr lang="ko-KR" altLang="en-US"/>
           </a:p>
@@ -2949,7 +2958,7 @@
           <a:p>
             <a:fld id="{E12DBD9B-2BB6-4D1F-BCB4-1E48829C93C3}" type="datetime1">
               <a:rPr lang="ko-KR" altLang="en-US" smtClean="0"/>
-              <a:t>2023-06-11</a:t>
+              <a:t>2023-06-14</a:t>
             </a:fld>
             <a:endParaRPr lang="ko-KR" altLang="en-US"/>
           </a:p>
@@ -3202,7 +3211,7 @@
           <a:p>
             <a:fld id="{17564C48-0CD7-40EB-BE64-BBF4DB8C56AF}" type="datetime1">
               <a:rPr lang="ko-KR" altLang="en-US" smtClean="0"/>
-              <a:t>2023-06-11</a:t>
+              <a:t>2023-06-14</a:t>
             </a:fld>
             <a:endParaRPr lang="ko-KR" altLang="en-US"/>
           </a:p>
@@ -3382,7 +3391,7 @@
           <a:p>
             <a:fld id="{C116BCB4-B68B-4638-8167-F4BDC0A30DA1}" type="datetime1">
               <a:rPr lang="ko-KR" altLang="en-US" smtClean="0"/>
-              <a:t>2023-06-11</a:t>
+              <a:t>2023-06-14</a:t>
             </a:fld>
             <a:endParaRPr lang="ko-KR" altLang="en-US"/>
           </a:p>
@@ -4232,7 +4241,7 @@
         <p:spPr>
           <a:xfrm>
             <a:off x="152400" y="44624"/>
-            <a:ext cx="6456783" cy="854968"/>
+            <a:ext cx="6240759" cy="854968"/>
           </a:xfrm>
           <a:prstGeom prst="rect">
             <a:avLst/>
@@ -4280,14 +4289,7 @@
                 <a:latin typeface="휴먼엑스포" panose="02030504000101010101" pitchFamily="18" charset="-127"/>
                 <a:ea typeface="휴먼엑스포" panose="02030504000101010101" pitchFamily="18" charset="-127"/>
               </a:rPr>
-              <a:t>게시판 </a:t>
-            </a:r>
-            <a:r>
-              <a:rPr lang="ko-KR" altLang="en-US" b="1" dirty="0" smtClean="0">
-                <a:latin typeface="휴먼엑스포" panose="02030504000101010101" pitchFamily="18" charset="-127"/>
-                <a:ea typeface="휴먼엑스포" panose="02030504000101010101" pitchFamily="18" charset="-127"/>
-              </a:rPr>
-              <a:t>관리</a:t>
+              <a:t>게시판 관리</a:t>
             </a:r>
             <a:endParaRPr lang="ko-KR" altLang="en-US" dirty="0"/>
           </a:p>
@@ -4295,7 +4297,7 @@
       </p:sp>
       <p:pic>
         <p:nvPicPr>
-          <p:cNvPr id="3" name="그림 2"/>
+          <p:cNvPr id="2" name="그림 1"/>
           <p:cNvPicPr>
             <a:picLocks noChangeAspect="1"/>
           </p:cNvPicPr>
@@ -4315,8 +4317,8 @@
         </p:blipFill>
         <p:spPr>
           <a:xfrm>
-            <a:off x="1188394" y="1535266"/>
-            <a:ext cx="7529212" cy="3787468"/>
+            <a:off x="582551" y="1024681"/>
+            <a:ext cx="8740897" cy="4808637"/>
           </a:xfrm>
           <a:prstGeom prst="rect">
             <a:avLst/>
@@ -4333,7 +4335,7 @@
     </p:spTree>
     <p:extLst>
       <p:ext uri="{BB962C8B-B14F-4D97-AF65-F5344CB8AC3E}">
-        <p14:creationId xmlns:p14="http://schemas.microsoft.com/office/powerpoint/2010/main" val="1968450270"/>
+        <p14:creationId xmlns:p14="http://schemas.microsoft.com/office/powerpoint/2010/main" val="3638344914"/>
       </p:ext>
     </p:extLst>
   </p:cSld>
@@ -4485,7 +4487,7 @@
       </p:sp>
       <p:pic>
         <p:nvPicPr>
-          <p:cNvPr id="2" name="그림 1"/>
+          <p:cNvPr id="3" name="그림 2"/>
           <p:cNvPicPr>
             <a:picLocks noChangeAspect="1"/>
           </p:cNvPicPr>
@@ -4505,8 +4507,8 @@
         </p:blipFill>
         <p:spPr>
           <a:xfrm>
-            <a:off x="1649443" y="1657196"/>
-            <a:ext cx="6607113" cy="3543607"/>
+            <a:off x="1188394" y="1535266"/>
+            <a:ext cx="7529212" cy="3787468"/>
           </a:xfrm>
           <a:prstGeom prst="rect">
             <a:avLst/>
@@ -4523,7 +4525,7 @@
     </p:spTree>
     <p:extLst>
       <p:ext uri="{BB962C8B-B14F-4D97-AF65-F5344CB8AC3E}">
-        <p14:creationId xmlns:p14="http://schemas.microsoft.com/office/powerpoint/2010/main" val="3231867336"/>
+        <p14:creationId xmlns:p14="http://schemas.microsoft.com/office/powerpoint/2010/main" val="1968450270"/>
       </p:ext>
     </p:extLst>
   </p:cSld>
@@ -4675,7 +4677,7 @@
       </p:sp>
       <p:pic>
         <p:nvPicPr>
-          <p:cNvPr id="3" name="그림 2"/>
+          <p:cNvPr id="2" name="그림 1"/>
           <p:cNvPicPr>
             <a:picLocks noChangeAspect="1"/>
           </p:cNvPicPr>
@@ -4695,8 +4697,8 @@
         </p:blipFill>
         <p:spPr>
           <a:xfrm>
-            <a:off x="1208584" y="962472"/>
-            <a:ext cx="7437765" cy="5220152"/>
+            <a:off x="1649443" y="1657196"/>
+            <a:ext cx="6607113" cy="3543607"/>
           </a:xfrm>
           <a:prstGeom prst="rect">
             <a:avLst/>
@@ -4713,7 +4715,7 @@
     </p:spTree>
     <p:extLst>
       <p:ext uri="{BB962C8B-B14F-4D97-AF65-F5344CB8AC3E}">
-        <p14:creationId xmlns:p14="http://schemas.microsoft.com/office/powerpoint/2010/main" val="959557724"/>
+        <p14:creationId xmlns:p14="http://schemas.microsoft.com/office/powerpoint/2010/main" val="3231867336"/>
       </p:ext>
     </p:extLst>
   </p:cSld>
@@ -4793,76 +4795,6 @@
       </p:sp>
       <p:sp>
         <p:nvSpPr>
-          <p:cNvPr id="3" name="TextBox 2"/>
-          <p:cNvSpPr txBox="1"/>
-          <p:nvPr/>
-        </p:nvSpPr>
-        <p:spPr>
-          <a:xfrm>
-            <a:off x="632521" y="1156682"/>
-            <a:ext cx="9001000" cy="400110"/>
-          </a:xfrm>
-          <a:prstGeom prst="rect">
-            <a:avLst/>
-          </a:prstGeom>
-          <a:noFill/>
-        </p:spPr>
-        <p:txBody>
-          <a:bodyPr wrap="square" rtlCol="0">
-            <a:spAutoFit/>
-          </a:bodyPr>
-          <a:lstStyle/>
-          <a:p>
-            <a:r>
-              <a:rPr lang="ko-KR" altLang="en-US" sz="2000" b="1" dirty="0"/>
-              <a:t> </a:t>
-            </a:r>
-            <a:r>
-              <a:rPr lang="en-US" altLang="ko-KR" sz="2000" b="1" dirty="0" smtClean="0"/>
-              <a:t>- </a:t>
-            </a:r>
-            <a:r>
-              <a:rPr lang="ko-KR" altLang="en-US" sz="2000" b="1" dirty="0" smtClean="0"/>
-              <a:t> </a:t>
-            </a:r>
-            <a:r>
-              <a:rPr lang="en-US" altLang="ko-KR" sz="2000" b="1" dirty="0" smtClean="0"/>
-              <a:t>MainController.java -&gt;</a:t>
-            </a:r>
-            <a:r>
-              <a:rPr lang="ko-KR" altLang="en-US" sz="2000" b="1" dirty="0" err="1" smtClean="0"/>
-              <a:t>애너테이션</a:t>
-            </a:r>
-            <a:r>
-              <a:rPr lang="en-US" altLang="ko-KR" sz="2000" b="1" dirty="0" smtClean="0"/>
-              <a:t>(@)</a:t>
-            </a:r>
-            <a:r>
-              <a:rPr lang="ko-KR" altLang="en-US" sz="2000" b="1" dirty="0" smtClean="0"/>
-              <a:t>을 이용한 </a:t>
-            </a:r>
-            <a:r>
-              <a:rPr lang="ko-KR" altLang="en-US" sz="2000" b="1" dirty="0" err="1" smtClean="0"/>
-              <a:t>서블릿</a:t>
-            </a:r>
-            <a:r>
-              <a:rPr lang="ko-KR" altLang="en-US" sz="2000" b="1" dirty="0" smtClean="0"/>
-              <a:t> </a:t>
-            </a:r>
-            <a:r>
-              <a:rPr lang="ko-KR" altLang="en-US" sz="2000" b="1" dirty="0" err="1" smtClean="0"/>
-              <a:t>매핑</a:t>
-            </a:r>
-            <a:r>
-              <a:rPr lang="ko-KR" altLang="en-US" b="1" dirty="0" smtClean="0"/>
-              <a:t> </a:t>
-            </a:r>
-            <a:endParaRPr lang="en-US" altLang="ko-KR" b="1" dirty="0" smtClean="0"/>
-          </a:p>
-        </p:txBody>
-      </p:sp>
-      <p:sp>
-        <p:nvSpPr>
           <p:cNvPr id="11" name="제목 5"/>
           <p:cNvSpPr txBox="1">
             <a:spLocks/>
@@ -4872,7 +4804,7 @@
         <p:spPr>
           <a:xfrm>
             <a:off x="152400" y="44624"/>
-            <a:ext cx="6312767" cy="854968"/>
+            <a:ext cx="6456783" cy="854968"/>
           </a:xfrm>
           <a:prstGeom prst="rect">
             <a:avLst/>
@@ -4920,7 +4852,14 @@
                 <a:latin typeface="휴먼엑스포" panose="02030504000101010101" pitchFamily="18" charset="-127"/>
                 <a:ea typeface="휴먼엑스포" panose="02030504000101010101" pitchFamily="18" charset="-127"/>
               </a:rPr>
-              <a:t>게시판 관리</a:t>
+              <a:t>게시판 </a:t>
+            </a:r>
+            <a:r>
+              <a:rPr lang="ko-KR" altLang="en-US" b="1" dirty="0" smtClean="0">
+                <a:latin typeface="휴먼엑스포" panose="02030504000101010101" pitchFamily="18" charset="-127"/>
+                <a:ea typeface="휴먼엑스포" panose="02030504000101010101" pitchFamily="18" charset="-127"/>
+              </a:rPr>
+              <a:t>관리</a:t>
             </a:r>
             <a:endParaRPr lang="ko-KR" altLang="en-US" dirty="0"/>
           </a:p>
@@ -4928,7 +4867,7 @@
       </p:sp>
       <p:pic>
         <p:nvPicPr>
-          <p:cNvPr id="2" name="그림 1"/>
+          <p:cNvPr id="3" name="그림 2"/>
           <p:cNvPicPr>
             <a:picLocks noChangeAspect="1"/>
           </p:cNvPicPr>
@@ -4948,8 +4887,8 @@
         </p:blipFill>
         <p:spPr>
           <a:xfrm>
-            <a:off x="329075" y="1628800"/>
-            <a:ext cx="9273479" cy="4188251"/>
+            <a:off x="1208584" y="962472"/>
+            <a:ext cx="7437765" cy="5220152"/>
           </a:xfrm>
           <a:prstGeom prst="rect">
             <a:avLst/>
@@ -4966,7 +4905,7 @@
     </p:spTree>
     <p:extLst>
       <p:ext uri="{BB962C8B-B14F-4D97-AF65-F5344CB8AC3E}">
-        <p14:creationId xmlns:p14="http://schemas.microsoft.com/office/powerpoint/2010/main" val="4284231757"/>
+        <p14:creationId xmlns:p14="http://schemas.microsoft.com/office/powerpoint/2010/main" val="959557724"/>
       </p:ext>
     </p:extLst>
   </p:cSld>
@@ -5046,6 +4985,76 @@
       </p:sp>
       <p:sp>
         <p:nvSpPr>
+          <p:cNvPr id="3" name="TextBox 2"/>
+          <p:cNvSpPr txBox="1"/>
+          <p:nvPr/>
+        </p:nvSpPr>
+        <p:spPr>
+          <a:xfrm>
+            <a:off x="632521" y="1156682"/>
+            <a:ext cx="9001000" cy="400110"/>
+          </a:xfrm>
+          <a:prstGeom prst="rect">
+            <a:avLst/>
+          </a:prstGeom>
+          <a:noFill/>
+        </p:spPr>
+        <p:txBody>
+          <a:bodyPr wrap="square" rtlCol="0">
+            <a:spAutoFit/>
+          </a:bodyPr>
+          <a:lstStyle/>
+          <a:p>
+            <a:r>
+              <a:rPr lang="ko-KR" altLang="en-US" sz="2000" b="1" dirty="0"/>
+              <a:t> </a:t>
+            </a:r>
+            <a:r>
+              <a:rPr lang="en-US" altLang="ko-KR" sz="2000" b="1" dirty="0" smtClean="0"/>
+              <a:t>- </a:t>
+            </a:r>
+            <a:r>
+              <a:rPr lang="ko-KR" altLang="en-US" sz="2000" b="1" dirty="0" smtClean="0"/>
+              <a:t> </a:t>
+            </a:r>
+            <a:r>
+              <a:rPr lang="en-US" altLang="ko-KR" sz="2000" b="1" dirty="0" smtClean="0"/>
+              <a:t>MainController.java -&gt;</a:t>
+            </a:r>
+            <a:r>
+              <a:rPr lang="ko-KR" altLang="en-US" sz="2000" b="1" dirty="0" err="1" smtClean="0"/>
+              <a:t>애너테이션</a:t>
+            </a:r>
+            <a:r>
+              <a:rPr lang="en-US" altLang="ko-KR" sz="2000" b="1" dirty="0" smtClean="0"/>
+              <a:t>(@)</a:t>
+            </a:r>
+            <a:r>
+              <a:rPr lang="ko-KR" altLang="en-US" sz="2000" b="1" dirty="0" smtClean="0"/>
+              <a:t>을 이용한 </a:t>
+            </a:r>
+            <a:r>
+              <a:rPr lang="ko-KR" altLang="en-US" sz="2000" b="1" dirty="0" err="1" smtClean="0"/>
+              <a:t>서블릿</a:t>
+            </a:r>
+            <a:r>
+              <a:rPr lang="ko-KR" altLang="en-US" sz="2000" b="1" dirty="0" smtClean="0"/>
+              <a:t> </a:t>
+            </a:r>
+            <a:r>
+              <a:rPr lang="ko-KR" altLang="en-US" sz="2000" b="1" dirty="0" err="1" smtClean="0"/>
+              <a:t>매핑</a:t>
+            </a:r>
+            <a:r>
+              <a:rPr lang="ko-KR" altLang="en-US" b="1" dirty="0" smtClean="0"/>
+              <a:t> </a:t>
+            </a:r>
+            <a:endParaRPr lang="en-US" altLang="ko-KR" b="1" dirty="0" smtClean="0"/>
+          </a:p>
+        </p:txBody>
+      </p:sp>
+      <p:sp>
+        <p:nvSpPr>
           <p:cNvPr id="11" name="제목 5"/>
           <p:cNvSpPr txBox="1">
             <a:spLocks/>
@@ -5111,7 +5120,7 @@
       </p:sp>
       <p:pic>
         <p:nvPicPr>
-          <p:cNvPr id="4" name="그림 3"/>
+          <p:cNvPr id="2" name="그림 1"/>
           <p:cNvPicPr>
             <a:picLocks noChangeAspect="1"/>
           </p:cNvPicPr>
@@ -5131,8 +5140,8 @@
         </p:blipFill>
         <p:spPr>
           <a:xfrm>
-            <a:off x="1500841" y="1398094"/>
-            <a:ext cx="6904318" cy="4061812"/>
+            <a:off x="329075" y="1628800"/>
+            <a:ext cx="9273479" cy="4188251"/>
           </a:xfrm>
           <a:prstGeom prst="rect">
             <a:avLst/>
@@ -5149,7 +5158,7 @@
     </p:spTree>
     <p:extLst>
       <p:ext uri="{BB962C8B-B14F-4D97-AF65-F5344CB8AC3E}">
-        <p14:creationId xmlns:p14="http://schemas.microsoft.com/office/powerpoint/2010/main" val="151387450"/>
+        <p14:creationId xmlns:p14="http://schemas.microsoft.com/office/powerpoint/2010/main" val="4284231757"/>
       </p:ext>
     </p:extLst>
   </p:cSld>
@@ -5294,7 +5303,7 @@
       </p:sp>
       <p:pic>
         <p:nvPicPr>
-          <p:cNvPr id="2" name="그림 1"/>
+          <p:cNvPr id="4" name="그림 3"/>
           <p:cNvPicPr>
             <a:picLocks noChangeAspect="1"/>
           </p:cNvPicPr>
@@ -5314,8 +5323,8 @@
         </p:blipFill>
         <p:spPr>
           <a:xfrm>
-            <a:off x="1043601" y="1539076"/>
-            <a:ext cx="7818798" cy="3779848"/>
+            <a:off x="1500841" y="1398094"/>
+            <a:ext cx="6904318" cy="4061812"/>
           </a:xfrm>
           <a:prstGeom prst="rect">
             <a:avLst/>
@@ -5332,7 +5341,7 @@
     </p:spTree>
     <p:extLst>
       <p:ext uri="{BB962C8B-B14F-4D97-AF65-F5344CB8AC3E}">
-        <p14:creationId xmlns:p14="http://schemas.microsoft.com/office/powerpoint/2010/main" val="3236663486"/>
+        <p14:creationId xmlns:p14="http://schemas.microsoft.com/office/powerpoint/2010/main" val="151387450"/>
       </p:ext>
     </p:extLst>
   </p:cSld>
@@ -5477,7 +5486,7 @@
       </p:sp>
       <p:pic>
         <p:nvPicPr>
-          <p:cNvPr id="4" name="그림 3"/>
+          <p:cNvPr id="2" name="그림 1"/>
           <p:cNvPicPr>
             <a:picLocks noChangeAspect="1"/>
           </p:cNvPicPr>
@@ -5497,8 +5506,8 @@
         </p:blipFill>
         <p:spPr>
           <a:xfrm>
-            <a:off x="1280592" y="1052736"/>
-            <a:ext cx="7437765" cy="5166808"/>
+            <a:off x="1043601" y="1539076"/>
+            <a:ext cx="7818798" cy="3779848"/>
           </a:xfrm>
           <a:prstGeom prst="rect">
             <a:avLst/>
@@ -5515,7 +5524,7 @@
     </p:spTree>
     <p:extLst>
       <p:ext uri="{BB962C8B-B14F-4D97-AF65-F5344CB8AC3E}">
-        <p14:creationId xmlns:p14="http://schemas.microsoft.com/office/powerpoint/2010/main" val="757720341"/>
+        <p14:creationId xmlns:p14="http://schemas.microsoft.com/office/powerpoint/2010/main" val="3236663486"/>
       </p:ext>
     </p:extLst>
   </p:cSld>
@@ -5660,7 +5669,7 @@
       </p:sp>
       <p:pic>
         <p:nvPicPr>
-          <p:cNvPr id="8" name="그림 7"/>
+          <p:cNvPr id="4" name="그림 3"/>
           <p:cNvPicPr>
             <a:picLocks noChangeAspect="1"/>
           </p:cNvPicPr>
@@ -5680,8 +5689,8 @@
         </p:blipFill>
         <p:spPr>
           <a:xfrm>
-            <a:off x="1188394" y="1786747"/>
-            <a:ext cx="7529212" cy="3284505"/>
+            <a:off x="1280592" y="1052736"/>
+            <a:ext cx="7437765" cy="5166808"/>
           </a:xfrm>
           <a:prstGeom prst="rect">
             <a:avLst/>
@@ -5698,7 +5707,7 @@
     </p:spTree>
     <p:extLst>
       <p:ext uri="{BB962C8B-B14F-4D97-AF65-F5344CB8AC3E}">
-        <p14:creationId xmlns:p14="http://schemas.microsoft.com/office/powerpoint/2010/main" val="2567995745"/>
+        <p14:creationId xmlns:p14="http://schemas.microsoft.com/office/powerpoint/2010/main" val="757720341"/>
       </p:ext>
     </p:extLst>
   </p:cSld>
@@ -5843,7 +5852,7 @@
       </p:sp>
       <p:pic>
         <p:nvPicPr>
-          <p:cNvPr id="2" name="그림 1"/>
+          <p:cNvPr id="8" name="그림 7"/>
           <p:cNvPicPr>
             <a:picLocks noChangeAspect="1"/>
           </p:cNvPicPr>
@@ -5863,8 +5872,8 @@
         </p:blipFill>
         <p:spPr>
           <a:xfrm>
-            <a:off x="442275" y="1196752"/>
-            <a:ext cx="9273480" cy="4572538"/>
+            <a:off x="1188394" y="1786747"/>
+            <a:ext cx="7529212" cy="3284505"/>
           </a:xfrm>
           <a:prstGeom prst="rect">
             <a:avLst/>
@@ -5878,44 +5887,10 @@
           </a:ln>
         </p:spPr>
       </p:pic>
-      <p:sp>
-        <p:nvSpPr>
-          <p:cNvPr id="6" name="TextBox 5"/>
-          <p:cNvSpPr txBox="1"/>
-          <p:nvPr/>
-        </p:nvSpPr>
-        <p:spPr>
-          <a:xfrm>
-            <a:off x="7401272" y="1916832"/>
-            <a:ext cx="2124236" cy="400110"/>
-          </a:xfrm>
-          <a:prstGeom prst="rect">
-            <a:avLst/>
-          </a:prstGeom>
-          <a:noFill/>
-        </p:spPr>
-        <p:txBody>
-          <a:bodyPr wrap="square" rtlCol="0">
-            <a:spAutoFit/>
-          </a:bodyPr>
-          <a:lstStyle/>
-          <a:p>
-            <a:r>
-              <a:rPr lang="ko-KR" altLang="en-US" sz="2000" dirty="0"/>
-              <a:t> </a:t>
-            </a:r>
-            <a:r>
-              <a:rPr lang="en-US" altLang="ko-KR" sz="2000" dirty="0" err="1" smtClean="0"/>
-              <a:t>boardList.jsp</a:t>
-            </a:r>
-            <a:endParaRPr lang="en-US" altLang="ko-KR" dirty="0" smtClean="0"/>
-          </a:p>
-        </p:txBody>
-      </p:sp>
     </p:spTree>
     <p:extLst>
       <p:ext uri="{BB962C8B-B14F-4D97-AF65-F5344CB8AC3E}">
-        <p14:creationId xmlns:p14="http://schemas.microsoft.com/office/powerpoint/2010/main" val="680676920"/>
+        <p14:creationId xmlns:p14="http://schemas.microsoft.com/office/powerpoint/2010/main" val="2567995745"/>
       </p:ext>
     </p:extLst>
   </p:cSld>
@@ -6060,7 +6035,7 @@
       </p:sp>
       <p:pic>
         <p:nvPicPr>
-          <p:cNvPr id="3" name="그림 2"/>
+          <p:cNvPr id="2" name="그림 1"/>
           <p:cNvPicPr>
             <a:picLocks noChangeAspect="1"/>
           </p:cNvPicPr>
@@ -6080,8 +6055,8 @@
         </p:blipFill>
         <p:spPr>
           <a:xfrm>
-            <a:off x="776536" y="1052736"/>
-            <a:ext cx="8210511" cy="5046258"/>
+            <a:off x="442275" y="1196752"/>
+            <a:ext cx="9273480" cy="4572538"/>
           </a:xfrm>
           <a:prstGeom prst="rect">
             <a:avLst/>
@@ -6095,10 +6070,44 @@
           </a:ln>
         </p:spPr>
       </p:pic>
+      <p:sp>
+        <p:nvSpPr>
+          <p:cNvPr id="6" name="TextBox 5"/>
+          <p:cNvSpPr txBox="1"/>
+          <p:nvPr/>
+        </p:nvSpPr>
+        <p:spPr>
+          <a:xfrm>
+            <a:off x="7401272" y="1916832"/>
+            <a:ext cx="2124236" cy="400110"/>
+          </a:xfrm>
+          <a:prstGeom prst="rect">
+            <a:avLst/>
+          </a:prstGeom>
+          <a:noFill/>
+        </p:spPr>
+        <p:txBody>
+          <a:bodyPr wrap="square" rtlCol="0">
+            <a:spAutoFit/>
+          </a:bodyPr>
+          <a:lstStyle/>
+          <a:p>
+            <a:r>
+              <a:rPr lang="ko-KR" altLang="en-US" sz="2000" dirty="0"/>
+              <a:t> </a:t>
+            </a:r>
+            <a:r>
+              <a:rPr lang="en-US" altLang="ko-KR" sz="2000" dirty="0" err="1" smtClean="0"/>
+              <a:t>boardList.jsp</a:t>
+            </a:r>
+            <a:endParaRPr lang="en-US" altLang="ko-KR" dirty="0" smtClean="0"/>
+          </a:p>
+        </p:txBody>
+      </p:sp>
     </p:spTree>
     <p:extLst>
       <p:ext uri="{BB962C8B-B14F-4D97-AF65-F5344CB8AC3E}">
-        <p14:creationId xmlns:p14="http://schemas.microsoft.com/office/powerpoint/2010/main" val="1422711746"/>
+        <p14:creationId xmlns:p14="http://schemas.microsoft.com/office/powerpoint/2010/main" val="680676920"/>
       </p:ext>
     </p:extLst>
   </p:cSld>
@@ -6419,7 +6428,7 @@
       </p:sp>
       <p:pic>
         <p:nvPicPr>
-          <p:cNvPr id="2" name="그림 1"/>
+          <p:cNvPr id="3" name="그림 2"/>
           <p:cNvPicPr>
             <a:picLocks noChangeAspect="1"/>
           </p:cNvPicPr>
@@ -6439,8 +6448,8 @@
         </p:blipFill>
         <p:spPr>
           <a:xfrm>
-            <a:off x="539619" y="1196752"/>
-            <a:ext cx="9078791" cy="4436694"/>
+            <a:off x="776536" y="1052736"/>
+            <a:ext cx="8210511" cy="5046258"/>
           </a:xfrm>
           <a:prstGeom prst="rect">
             <a:avLst/>
@@ -6454,44 +6463,10 @@
           </a:ln>
         </p:spPr>
       </p:pic>
-      <p:sp>
-        <p:nvSpPr>
-          <p:cNvPr id="6" name="TextBox 5"/>
-          <p:cNvSpPr txBox="1"/>
-          <p:nvPr/>
-        </p:nvSpPr>
-        <p:spPr>
-          <a:xfrm>
-            <a:off x="7401272" y="1484784"/>
-            <a:ext cx="1800200" cy="400110"/>
-          </a:xfrm>
-          <a:prstGeom prst="rect">
-            <a:avLst/>
-          </a:prstGeom>
-          <a:noFill/>
-        </p:spPr>
-        <p:txBody>
-          <a:bodyPr wrap="square" rtlCol="0">
-            <a:spAutoFit/>
-          </a:bodyPr>
-          <a:lstStyle/>
-          <a:p>
-            <a:r>
-              <a:rPr lang="ko-KR" altLang="en-US" sz="2000" dirty="0"/>
-              <a:t> </a:t>
-            </a:r>
-            <a:r>
-              <a:rPr lang="en-US" altLang="ko-KR" sz="2000" dirty="0" smtClean="0"/>
-              <a:t>style.css</a:t>
-            </a:r>
-            <a:endParaRPr lang="en-US" altLang="ko-KR" dirty="0" smtClean="0"/>
-          </a:p>
-        </p:txBody>
-      </p:sp>
     </p:spTree>
     <p:extLst>
       <p:ext uri="{BB962C8B-B14F-4D97-AF65-F5344CB8AC3E}">
-        <p14:creationId xmlns:p14="http://schemas.microsoft.com/office/powerpoint/2010/main" val="350231259"/>
+        <p14:creationId xmlns:p14="http://schemas.microsoft.com/office/powerpoint/2010/main" val="1422711746"/>
       </p:ext>
     </p:extLst>
   </p:cSld>
@@ -6636,7 +6611,7 @@
       </p:sp>
       <p:pic>
         <p:nvPicPr>
-          <p:cNvPr id="3" name="그림 2"/>
+          <p:cNvPr id="2" name="그림 1"/>
           <p:cNvPicPr>
             <a:picLocks noChangeAspect="1"/>
           </p:cNvPicPr>
@@ -6656,8 +6631,8 @@
         </p:blipFill>
         <p:spPr>
           <a:xfrm>
-            <a:off x="403778" y="1484784"/>
-            <a:ext cx="9350474" cy="4123725"/>
+            <a:off x="539619" y="1196752"/>
+            <a:ext cx="9078791" cy="4436694"/>
           </a:xfrm>
           <a:prstGeom prst="rect">
             <a:avLst/>
@@ -6671,10 +6646,44 @@
           </a:ln>
         </p:spPr>
       </p:pic>
+      <p:sp>
+        <p:nvSpPr>
+          <p:cNvPr id="6" name="TextBox 5"/>
+          <p:cNvSpPr txBox="1"/>
+          <p:nvPr/>
+        </p:nvSpPr>
+        <p:spPr>
+          <a:xfrm>
+            <a:off x="7401272" y="1484784"/>
+            <a:ext cx="1800200" cy="400110"/>
+          </a:xfrm>
+          <a:prstGeom prst="rect">
+            <a:avLst/>
+          </a:prstGeom>
+          <a:noFill/>
+        </p:spPr>
+        <p:txBody>
+          <a:bodyPr wrap="square" rtlCol="0">
+            <a:spAutoFit/>
+          </a:bodyPr>
+          <a:lstStyle/>
+          <a:p>
+            <a:r>
+              <a:rPr lang="ko-KR" altLang="en-US" sz="2000" dirty="0"/>
+              <a:t> </a:t>
+            </a:r>
+            <a:r>
+              <a:rPr lang="en-US" altLang="ko-KR" sz="2000" dirty="0" smtClean="0"/>
+              <a:t>style.css</a:t>
+            </a:r>
+            <a:endParaRPr lang="en-US" altLang="ko-KR" dirty="0" smtClean="0"/>
+          </a:p>
+        </p:txBody>
+      </p:sp>
     </p:spTree>
     <p:extLst>
       <p:ext uri="{BB962C8B-B14F-4D97-AF65-F5344CB8AC3E}">
-        <p14:creationId xmlns:p14="http://schemas.microsoft.com/office/powerpoint/2010/main" val="3249944137"/>
+        <p14:creationId xmlns:p14="http://schemas.microsoft.com/office/powerpoint/2010/main" val="350231259"/>
       </p:ext>
     </p:extLst>
   </p:cSld>
@@ -6819,7 +6828,7 @@
       </p:sp>
       <p:pic>
         <p:nvPicPr>
-          <p:cNvPr id="2" name="그림 1"/>
+          <p:cNvPr id="3" name="그림 2"/>
           <p:cNvPicPr>
             <a:picLocks noChangeAspect="1"/>
           </p:cNvPicPr>
@@ -6839,8 +6848,8 @@
         </p:blipFill>
         <p:spPr>
           <a:xfrm>
-            <a:off x="2000672" y="962472"/>
-            <a:ext cx="5034006" cy="5186552"/>
+            <a:off x="403778" y="1484784"/>
+            <a:ext cx="9350474" cy="4123725"/>
           </a:xfrm>
           <a:prstGeom prst="rect">
             <a:avLst/>
@@ -6857,7 +6866,7 @@
     </p:spTree>
     <p:extLst>
       <p:ext uri="{BB962C8B-B14F-4D97-AF65-F5344CB8AC3E}">
-        <p14:creationId xmlns:p14="http://schemas.microsoft.com/office/powerpoint/2010/main" val="2233465603"/>
+        <p14:creationId xmlns:p14="http://schemas.microsoft.com/office/powerpoint/2010/main" val="3249944137"/>
       </p:ext>
     </p:extLst>
   </p:cSld>
@@ -7022,8 +7031,8 @@
         </p:blipFill>
         <p:spPr>
           <a:xfrm>
-            <a:off x="272480" y="1196752"/>
-            <a:ext cx="9387054" cy="4240028"/>
+            <a:off x="2000672" y="962472"/>
+            <a:ext cx="5034006" cy="5186552"/>
           </a:xfrm>
           <a:prstGeom prst="rect">
             <a:avLst/>
@@ -7037,44 +7046,10 @@
           </a:ln>
         </p:spPr>
       </p:pic>
-      <p:sp>
-        <p:nvSpPr>
-          <p:cNvPr id="6" name="TextBox 5"/>
-          <p:cNvSpPr txBox="1"/>
-          <p:nvPr/>
-        </p:nvSpPr>
-        <p:spPr>
-          <a:xfrm>
-            <a:off x="7401272" y="1916832"/>
-            <a:ext cx="2124236" cy="400110"/>
-          </a:xfrm>
-          <a:prstGeom prst="rect">
-            <a:avLst/>
-          </a:prstGeom>
-          <a:noFill/>
-        </p:spPr>
-        <p:txBody>
-          <a:bodyPr wrap="square" rtlCol="0">
-            <a:spAutoFit/>
-          </a:bodyPr>
-          <a:lstStyle/>
-          <a:p>
-            <a:r>
-              <a:rPr lang="ko-KR" altLang="en-US" sz="2000" dirty="0"/>
-              <a:t> </a:t>
-            </a:r>
-            <a:r>
-              <a:rPr lang="en-US" altLang="ko-KR" sz="2000" dirty="0" err="1" smtClean="0"/>
-              <a:t>boardForm.jsp</a:t>
-            </a:r>
-            <a:endParaRPr lang="en-US" altLang="ko-KR" dirty="0" smtClean="0"/>
-          </a:p>
-        </p:txBody>
-      </p:sp>
     </p:spTree>
     <p:extLst>
       <p:ext uri="{BB962C8B-B14F-4D97-AF65-F5344CB8AC3E}">
-        <p14:creationId xmlns:p14="http://schemas.microsoft.com/office/powerpoint/2010/main" val="4215633936"/>
+        <p14:creationId xmlns:p14="http://schemas.microsoft.com/office/powerpoint/2010/main" val="2233465603"/>
       </p:ext>
     </p:extLst>
   </p:cSld>
@@ -7219,7 +7194,7 @@
       </p:sp>
       <p:pic>
         <p:nvPicPr>
-          <p:cNvPr id="3" name="그림 2"/>
+          <p:cNvPr id="2" name="그림 1"/>
           <p:cNvPicPr>
             <a:picLocks noChangeAspect="1"/>
           </p:cNvPicPr>
@@ -7239,8 +7214,8 @@
         </p:blipFill>
         <p:spPr>
           <a:xfrm>
-            <a:off x="361552" y="1497162"/>
-            <a:ext cx="9182896" cy="3863675"/>
+            <a:off x="272480" y="1196752"/>
+            <a:ext cx="9387054" cy="4240028"/>
           </a:xfrm>
           <a:prstGeom prst="rect">
             <a:avLst/>
@@ -7254,10 +7229,44 @@
           </a:ln>
         </p:spPr>
       </p:pic>
+      <p:sp>
+        <p:nvSpPr>
+          <p:cNvPr id="6" name="TextBox 5"/>
+          <p:cNvSpPr txBox="1"/>
+          <p:nvPr/>
+        </p:nvSpPr>
+        <p:spPr>
+          <a:xfrm>
+            <a:off x="7401272" y="1916832"/>
+            <a:ext cx="2124236" cy="400110"/>
+          </a:xfrm>
+          <a:prstGeom prst="rect">
+            <a:avLst/>
+          </a:prstGeom>
+          <a:noFill/>
+        </p:spPr>
+        <p:txBody>
+          <a:bodyPr wrap="square" rtlCol="0">
+            <a:spAutoFit/>
+          </a:bodyPr>
+          <a:lstStyle/>
+          <a:p>
+            <a:r>
+              <a:rPr lang="ko-KR" altLang="en-US" sz="2000" dirty="0"/>
+              <a:t> </a:t>
+            </a:r>
+            <a:r>
+              <a:rPr lang="en-US" altLang="ko-KR" sz="2000" dirty="0" err="1" smtClean="0"/>
+              <a:t>boardForm.jsp</a:t>
+            </a:r>
+            <a:endParaRPr lang="en-US" altLang="ko-KR" dirty="0" smtClean="0"/>
+          </a:p>
+        </p:txBody>
+      </p:sp>
     </p:spTree>
     <p:extLst>
       <p:ext uri="{BB962C8B-B14F-4D97-AF65-F5344CB8AC3E}">
-        <p14:creationId xmlns:p14="http://schemas.microsoft.com/office/powerpoint/2010/main" val="1739116278"/>
+        <p14:creationId xmlns:p14="http://schemas.microsoft.com/office/powerpoint/2010/main" val="4215633936"/>
       </p:ext>
     </p:extLst>
   </p:cSld>
@@ -7402,7 +7411,7 @@
       </p:sp>
       <p:pic>
         <p:nvPicPr>
-          <p:cNvPr id="2" name="그림 1"/>
+          <p:cNvPr id="3" name="그림 2"/>
           <p:cNvPicPr>
             <a:picLocks noChangeAspect="1"/>
           </p:cNvPicPr>
@@ -7422,8 +7431,8 @@
         </p:blipFill>
         <p:spPr>
           <a:xfrm>
-            <a:off x="1928664" y="899592"/>
-            <a:ext cx="5171566" cy="5470748"/>
+            <a:off x="361552" y="1497162"/>
+            <a:ext cx="9182896" cy="3863675"/>
           </a:xfrm>
           <a:prstGeom prst="rect">
             <a:avLst/>
@@ -7440,7 +7449,7 @@
     </p:spTree>
     <p:extLst>
       <p:ext uri="{BB962C8B-B14F-4D97-AF65-F5344CB8AC3E}">
-        <p14:creationId xmlns:p14="http://schemas.microsoft.com/office/powerpoint/2010/main" val="1507220811"/>
+        <p14:creationId xmlns:p14="http://schemas.microsoft.com/office/powerpoint/2010/main" val="1739116278"/>
       </p:ext>
     </p:extLst>
   </p:cSld>
@@ -7605,8 +7614,8 @@
         </p:blipFill>
         <p:spPr>
           <a:xfrm>
-            <a:off x="485879" y="1340768"/>
-            <a:ext cx="9186271" cy="4150727"/>
+            <a:off x="1928664" y="899592"/>
+            <a:ext cx="5171566" cy="5470748"/>
           </a:xfrm>
           <a:prstGeom prst="rect">
             <a:avLst/>
@@ -7620,44 +7629,10 @@
           </a:ln>
         </p:spPr>
       </p:pic>
-      <p:sp>
-        <p:nvSpPr>
-          <p:cNvPr id="6" name="TextBox 5"/>
-          <p:cNvSpPr txBox="1"/>
-          <p:nvPr/>
-        </p:nvSpPr>
-        <p:spPr>
-          <a:xfrm>
-            <a:off x="7401272" y="1628800"/>
-            <a:ext cx="2124236" cy="400110"/>
-          </a:xfrm>
-          <a:prstGeom prst="rect">
-            <a:avLst/>
-          </a:prstGeom>
-          <a:noFill/>
-        </p:spPr>
-        <p:txBody>
-          <a:bodyPr wrap="square" rtlCol="0">
-            <a:spAutoFit/>
-          </a:bodyPr>
-          <a:lstStyle/>
-          <a:p>
-            <a:r>
-              <a:rPr lang="ko-KR" altLang="en-US" sz="2000" dirty="0"/>
-              <a:t> </a:t>
-            </a:r>
-            <a:r>
-              <a:rPr lang="en-US" altLang="ko-KR" sz="2000" dirty="0" err="1" smtClean="0"/>
-              <a:t>boardView.jsp</a:t>
-            </a:r>
-            <a:endParaRPr lang="en-US" altLang="ko-KR" dirty="0" smtClean="0"/>
-          </a:p>
-        </p:txBody>
-      </p:sp>
     </p:spTree>
     <p:extLst>
       <p:ext uri="{BB962C8B-B14F-4D97-AF65-F5344CB8AC3E}">
-        <p14:creationId xmlns:p14="http://schemas.microsoft.com/office/powerpoint/2010/main" val="268400518"/>
+        <p14:creationId xmlns:p14="http://schemas.microsoft.com/office/powerpoint/2010/main" val="1507220811"/>
       </p:ext>
     </p:extLst>
   </p:cSld>
@@ -7802,7 +7777,7 @@
       </p:sp>
       <p:pic>
         <p:nvPicPr>
-          <p:cNvPr id="3" name="그림 2"/>
+          <p:cNvPr id="2" name="그림 1"/>
           <p:cNvPicPr>
             <a:picLocks noChangeAspect="1"/>
           </p:cNvPicPr>
@@ -7822,8 +7797,8 @@
         </p:blipFill>
         <p:spPr>
           <a:xfrm>
-            <a:off x="152400" y="1628800"/>
-            <a:ext cx="9554171" cy="3456384"/>
+            <a:off x="485879" y="1340768"/>
+            <a:ext cx="9186271" cy="4150727"/>
           </a:xfrm>
           <a:prstGeom prst="rect">
             <a:avLst/>
@@ -7837,10 +7812,44 @@
           </a:ln>
         </p:spPr>
       </p:pic>
+      <p:sp>
+        <p:nvSpPr>
+          <p:cNvPr id="6" name="TextBox 5"/>
+          <p:cNvSpPr txBox="1"/>
+          <p:nvPr/>
+        </p:nvSpPr>
+        <p:spPr>
+          <a:xfrm>
+            <a:off x="7401272" y="1628800"/>
+            <a:ext cx="2124236" cy="400110"/>
+          </a:xfrm>
+          <a:prstGeom prst="rect">
+            <a:avLst/>
+          </a:prstGeom>
+          <a:noFill/>
+        </p:spPr>
+        <p:txBody>
+          <a:bodyPr wrap="square" rtlCol="0">
+            <a:spAutoFit/>
+          </a:bodyPr>
+          <a:lstStyle/>
+          <a:p>
+            <a:r>
+              <a:rPr lang="ko-KR" altLang="en-US" sz="2000" dirty="0"/>
+              <a:t> </a:t>
+            </a:r>
+            <a:r>
+              <a:rPr lang="en-US" altLang="ko-KR" sz="2000" dirty="0" err="1" smtClean="0"/>
+              <a:t>boardView.jsp</a:t>
+            </a:r>
+            <a:endParaRPr lang="en-US" altLang="ko-KR" dirty="0" smtClean="0"/>
+          </a:p>
+        </p:txBody>
+      </p:sp>
     </p:spTree>
     <p:extLst>
       <p:ext uri="{BB962C8B-B14F-4D97-AF65-F5344CB8AC3E}">
-        <p14:creationId xmlns:p14="http://schemas.microsoft.com/office/powerpoint/2010/main" val="3885146210"/>
+        <p14:creationId xmlns:p14="http://schemas.microsoft.com/office/powerpoint/2010/main" val="268400518"/>
       </p:ext>
     </p:extLst>
   </p:cSld>
@@ -7985,7 +7994,7 @@
       </p:sp>
       <p:pic>
         <p:nvPicPr>
-          <p:cNvPr id="2" name="그림 1"/>
+          <p:cNvPr id="3" name="그림 2"/>
           <p:cNvPicPr>
             <a:picLocks noChangeAspect="1"/>
           </p:cNvPicPr>
@@ -8005,8 +8014,8 @@
         </p:blipFill>
         <p:spPr>
           <a:xfrm>
-            <a:off x="2360712" y="962472"/>
-            <a:ext cx="4831520" cy="5190268"/>
+            <a:off x="152400" y="1628800"/>
+            <a:ext cx="9554171" cy="3456384"/>
           </a:xfrm>
           <a:prstGeom prst="rect">
             <a:avLst/>
@@ -8023,7 +8032,7 @@
     </p:spTree>
     <p:extLst>
       <p:ext uri="{BB962C8B-B14F-4D97-AF65-F5344CB8AC3E}">
-        <p14:creationId xmlns:p14="http://schemas.microsoft.com/office/powerpoint/2010/main" val="1533421225"/>
+        <p14:creationId xmlns:p14="http://schemas.microsoft.com/office/powerpoint/2010/main" val="3885146210"/>
       </p:ext>
     </p:extLst>
   </p:cSld>
@@ -8168,7 +8177,7 @@
       </p:sp>
       <p:pic>
         <p:nvPicPr>
-          <p:cNvPr id="3" name="그림 2"/>
+          <p:cNvPr id="2" name="그림 1"/>
           <p:cNvPicPr>
             <a:picLocks noChangeAspect="1"/>
           </p:cNvPicPr>
@@ -8188,8 +8197,8 @@
         </p:blipFill>
         <p:spPr>
           <a:xfrm>
-            <a:off x="586291" y="1196752"/>
-            <a:ext cx="8985448" cy="4794838"/>
+            <a:off x="2360712" y="962472"/>
+            <a:ext cx="4831520" cy="5190268"/>
           </a:xfrm>
           <a:prstGeom prst="rect">
             <a:avLst/>
@@ -8203,44 +8212,10 @@
           </a:ln>
         </p:spPr>
       </p:pic>
-      <p:sp>
-        <p:nvSpPr>
-          <p:cNvPr id="6" name="TextBox 5"/>
-          <p:cNvSpPr txBox="1"/>
-          <p:nvPr/>
-        </p:nvSpPr>
-        <p:spPr>
-          <a:xfrm>
-            <a:off x="7401272" y="1628800"/>
-            <a:ext cx="2124236" cy="400110"/>
-          </a:xfrm>
-          <a:prstGeom prst="rect">
-            <a:avLst/>
-          </a:prstGeom>
-          <a:noFill/>
-        </p:spPr>
-        <p:txBody>
-          <a:bodyPr wrap="square" rtlCol="0">
-            <a:spAutoFit/>
-          </a:bodyPr>
-          <a:lstStyle/>
-          <a:p>
-            <a:r>
-              <a:rPr lang="ko-KR" altLang="en-US" sz="2000" dirty="0"/>
-              <a:t> </a:t>
-            </a:r>
-            <a:r>
-              <a:rPr lang="en-US" altLang="ko-KR" sz="2000" dirty="0" err="1" smtClean="0"/>
-              <a:t>boardView.jsp</a:t>
-            </a:r>
-            <a:endParaRPr lang="en-US" altLang="ko-KR" dirty="0" smtClean="0"/>
-          </a:p>
-        </p:txBody>
-      </p:sp>
     </p:spTree>
     <p:extLst>
       <p:ext uri="{BB962C8B-B14F-4D97-AF65-F5344CB8AC3E}">
-        <p14:creationId xmlns:p14="http://schemas.microsoft.com/office/powerpoint/2010/main" val="215050432"/>
+        <p14:creationId xmlns:p14="http://schemas.microsoft.com/office/powerpoint/2010/main" val="1533421225"/>
       </p:ext>
     </p:extLst>
   </p:cSld>
@@ -8424,6 +8399,2095 @@
     <p:extLst>
       <p:ext uri="{BB962C8B-B14F-4D97-AF65-F5344CB8AC3E}">
         <p14:creationId xmlns:p14="http://schemas.microsoft.com/office/powerpoint/2010/main" val="3404999071"/>
+      </p:ext>
+    </p:extLst>
+  </p:cSld>
+  <p:clrMapOvr>
+    <a:masterClrMapping/>
+  </p:clrMapOvr>
+  <p:timing>
+    <p:tnLst>
+      <p:par>
+        <p:cTn id="1" dur="indefinite" restart="never" nodeType="tmRoot"/>
+      </p:par>
+    </p:tnLst>
+  </p:timing>
+</p:sld>
+</file>
+
+<file path=ppt/slides/slide30.xml><?xml version="1.0" encoding="utf-8"?>
+<p:sld xmlns:a="http://schemas.openxmlformats.org/drawingml/2006/main" xmlns:r="http://schemas.openxmlformats.org/officeDocument/2006/relationships" xmlns:p="http://schemas.openxmlformats.org/presentationml/2006/main">
+  <p:cSld>
+    <p:spTree>
+      <p:nvGrpSpPr>
+        <p:cNvPr id="1" name=""/>
+        <p:cNvGrpSpPr/>
+        <p:nvPr/>
+      </p:nvGrpSpPr>
+      <p:grpSpPr>
+        <a:xfrm>
+          <a:off x="0" y="0"/>
+          <a:ext cx="0" cy="0"/>
+          <a:chOff x="0" y="0"/>
+          <a:chExt cx="0" cy="0"/>
+        </a:xfrm>
+      </p:grpSpPr>
+      <p:sp>
+        <p:nvSpPr>
+          <p:cNvPr id="15" name="제목 5"/>
+          <p:cNvSpPr txBox="1">
+            <a:spLocks/>
+          </p:cNvSpPr>
+          <p:nvPr/>
+        </p:nvSpPr>
+        <p:spPr>
+          <a:xfrm>
+            <a:off x="1" y="-18256"/>
+            <a:ext cx="5079014" cy="854968"/>
+          </a:xfrm>
+          <a:prstGeom prst="rect">
+            <a:avLst/>
+          </a:prstGeom>
+        </p:spPr>
+        <p:txBody>
+          <a:bodyPr anchor="ctr" anchorCtr="0"/>
+          <a:lstStyle>
+            <a:lvl1pPr algn="l" defTabSz="914400" rtl="0" eaLnBrk="1" latinLnBrk="1" hangingPunct="1">
+              <a:spcBef>
+                <a:spcPct val="0"/>
+              </a:spcBef>
+              <a:buNone/>
+              <a:defRPr sz="3200" kern="1200">
+                <a:solidFill>
+                  <a:schemeClr val="bg1"/>
+                </a:solidFill>
+                <a:latin typeface="HY헤드라인M" panose="02030600000101010101" pitchFamily="18" charset="-127"/>
+                <a:ea typeface="HY헤드라인M" panose="02030600000101010101" pitchFamily="18" charset="-127"/>
+                <a:cs typeface="+mj-cs"/>
+              </a:defRPr>
+            </a:lvl1pPr>
+          </a:lstStyle>
+          <a:p>
+            <a:r>
+              <a:rPr lang="en-US" altLang="ko-KR" dirty="0" smtClean="0"/>
+              <a:t> </a:t>
+            </a:r>
+            <a:endParaRPr lang="ko-KR" altLang="en-US" dirty="0"/>
+          </a:p>
+        </p:txBody>
+      </p:sp>
+      <p:sp>
+        <p:nvSpPr>
+          <p:cNvPr id="11" name="제목 5"/>
+          <p:cNvSpPr txBox="1">
+            <a:spLocks/>
+          </p:cNvSpPr>
+          <p:nvPr/>
+        </p:nvSpPr>
+        <p:spPr>
+          <a:xfrm>
+            <a:off x="152400" y="44624"/>
+            <a:ext cx="6312767" cy="854968"/>
+          </a:xfrm>
+          <a:prstGeom prst="rect">
+            <a:avLst/>
+          </a:prstGeom>
+        </p:spPr>
+        <p:txBody>
+          <a:bodyPr anchor="ctr" anchorCtr="0"/>
+          <a:lstStyle>
+            <a:lvl1pPr algn="l" defTabSz="914400" rtl="0" eaLnBrk="1" latinLnBrk="1" hangingPunct="1">
+              <a:spcBef>
+                <a:spcPct val="0"/>
+              </a:spcBef>
+              <a:buNone/>
+              <a:defRPr sz="3200" kern="1200">
+                <a:solidFill>
+                  <a:schemeClr val="bg1"/>
+                </a:solidFill>
+                <a:latin typeface="HY헤드라인M" panose="02030600000101010101" pitchFamily="18" charset="-127"/>
+                <a:ea typeface="HY헤드라인M" panose="02030600000101010101" pitchFamily="18" charset="-127"/>
+                <a:cs typeface="+mj-cs"/>
+              </a:defRPr>
+            </a:lvl1pPr>
+          </a:lstStyle>
+          <a:p>
+            <a:r>
+              <a:rPr lang="en-US" altLang="ko-KR" dirty="0" smtClean="0"/>
+              <a:t> </a:t>
+            </a:r>
+            <a:r>
+              <a:rPr lang="en-US" altLang="ko-KR" b="1" dirty="0" smtClean="0">
+                <a:latin typeface="휴먼엑스포" panose="02030504000101010101" pitchFamily="18" charset="-127"/>
+                <a:ea typeface="휴먼엑스포" panose="02030504000101010101" pitchFamily="18" charset="-127"/>
+              </a:rPr>
+              <a:t>MVC</a:t>
+            </a:r>
+            <a:r>
+              <a:rPr lang="ko-KR" altLang="en-US" b="1" dirty="0" smtClean="0">
+                <a:latin typeface="휴먼엑스포" panose="02030504000101010101" pitchFamily="18" charset="-127"/>
+                <a:ea typeface="휴먼엑스포" panose="02030504000101010101" pitchFamily="18" charset="-127"/>
+              </a:rPr>
+              <a:t>를 이용한 </a:t>
+            </a:r>
+            <a:r>
+              <a:rPr lang="ko-KR" altLang="en-US" b="1" dirty="0">
+                <a:latin typeface="휴먼엑스포" panose="02030504000101010101" pitchFamily="18" charset="-127"/>
+                <a:ea typeface="휴먼엑스포" panose="02030504000101010101" pitchFamily="18" charset="-127"/>
+              </a:rPr>
+              <a:t>게시판 관리</a:t>
+            </a:r>
+            <a:endParaRPr lang="ko-KR" altLang="en-US" dirty="0"/>
+          </a:p>
+        </p:txBody>
+      </p:sp>
+      <p:pic>
+        <p:nvPicPr>
+          <p:cNvPr id="3" name="그림 2"/>
+          <p:cNvPicPr>
+            <a:picLocks noChangeAspect="1"/>
+          </p:cNvPicPr>
+          <p:nvPr/>
+        </p:nvPicPr>
+        <p:blipFill>
+          <a:blip r:embed="rId2">
+            <a:extLst>
+              <a:ext uri="{28A0092B-C50C-407E-A947-70E740481C1C}">
+                <a14:useLocalDpi xmlns:a14="http://schemas.microsoft.com/office/drawing/2010/main" val="0"/>
+              </a:ext>
+            </a:extLst>
+          </a:blip>
+          <a:stretch>
+            <a:fillRect/>
+          </a:stretch>
+        </p:blipFill>
+        <p:spPr>
+          <a:xfrm>
+            <a:off x="586291" y="1196752"/>
+            <a:ext cx="8985448" cy="4794838"/>
+          </a:xfrm>
+          <a:prstGeom prst="rect">
+            <a:avLst/>
+          </a:prstGeom>
+          <a:ln>
+            <a:solidFill>
+              <a:schemeClr val="bg1">
+                <a:lumMod val="85000"/>
+              </a:schemeClr>
+            </a:solidFill>
+          </a:ln>
+        </p:spPr>
+      </p:pic>
+      <p:sp>
+        <p:nvSpPr>
+          <p:cNvPr id="6" name="TextBox 5"/>
+          <p:cNvSpPr txBox="1"/>
+          <p:nvPr/>
+        </p:nvSpPr>
+        <p:spPr>
+          <a:xfrm>
+            <a:off x="7257256" y="1628800"/>
+            <a:ext cx="2268252" cy="400110"/>
+          </a:xfrm>
+          <a:prstGeom prst="rect">
+            <a:avLst/>
+          </a:prstGeom>
+          <a:noFill/>
+        </p:spPr>
+        <p:txBody>
+          <a:bodyPr wrap="square" rtlCol="0">
+            <a:spAutoFit/>
+          </a:bodyPr>
+          <a:lstStyle/>
+          <a:p>
+            <a:r>
+              <a:rPr lang="ko-KR" altLang="en-US" sz="2000" dirty="0"/>
+              <a:t> </a:t>
+            </a:r>
+            <a:r>
+              <a:rPr lang="en-US" altLang="ko-KR" sz="2000" dirty="0" err="1" smtClean="0"/>
+              <a:t>boardUpdate.jsp</a:t>
+            </a:r>
+            <a:endParaRPr lang="en-US" altLang="ko-KR" dirty="0" smtClean="0"/>
+          </a:p>
+        </p:txBody>
+      </p:sp>
+    </p:spTree>
+    <p:extLst>
+      <p:ext uri="{BB962C8B-B14F-4D97-AF65-F5344CB8AC3E}">
+        <p14:creationId xmlns:p14="http://schemas.microsoft.com/office/powerpoint/2010/main" val="215050432"/>
+      </p:ext>
+    </p:extLst>
+  </p:cSld>
+  <p:clrMapOvr>
+    <a:masterClrMapping/>
+  </p:clrMapOvr>
+  <p:timing>
+    <p:tnLst>
+      <p:par>
+        <p:cTn id="1" dur="indefinite" restart="never" nodeType="tmRoot"/>
+      </p:par>
+    </p:tnLst>
+  </p:timing>
+</p:sld>
+</file>
+
+<file path=ppt/slides/slide31.xml><?xml version="1.0" encoding="utf-8"?>
+<p:sld xmlns:a="http://schemas.openxmlformats.org/drawingml/2006/main" xmlns:r="http://schemas.openxmlformats.org/officeDocument/2006/relationships" xmlns:p="http://schemas.openxmlformats.org/presentationml/2006/main">
+  <p:cSld>
+    <p:spTree>
+      <p:nvGrpSpPr>
+        <p:cNvPr id="1" name=""/>
+        <p:cNvGrpSpPr/>
+        <p:nvPr/>
+      </p:nvGrpSpPr>
+      <p:grpSpPr>
+        <a:xfrm>
+          <a:off x="0" y="0"/>
+          <a:ext cx="0" cy="0"/>
+          <a:chOff x="0" y="0"/>
+          <a:chExt cx="0" cy="0"/>
+        </a:xfrm>
+      </p:grpSpPr>
+      <p:sp>
+        <p:nvSpPr>
+          <p:cNvPr id="15" name="제목 5"/>
+          <p:cNvSpPr txBox="1">
+            <a:spLocks/>
+          </p:cNvSpPr>
+          <p:nvPr/>
+        </p:nvSpPr>
+        <p:spPr>
+          <a:xfrm>
+            <a:off x="1" y="-18256"/>
+            <a:ext cx="5079014" cy="854968"/>
+          </a:xfrm>
+          <a:prstGeom prst="rect">
+            <a:avLst/>
+          </a:prstGeom>
+        </p:spPr>
+        <p:txBody>
+          <a:bodyPr anchor="ctr" anchorCtr="0"/>
+          <a:lstStyle>
+            <a:lvl1pPr algn="l" defTabSz="914400" rtl="0" eaLnBrk="1" latinLnBrk="1" hangingPunct="1">
+              <a:spcBef>
+                <a:spcPct val="0"/>
+              </a:spcBef>
+              <a:buNone/>
+              <a:defRPr sz="3200" kern="1200">
+                <a:solidFill>
+                  <a:schemeClr val="bg1"/>
+                </a:solidFill>
+                <a:latin typeface="HY헤드라인M" panose="02030600000101010101" pitchFamily="18" charset="-127"/>
+                <a:ea typeface="HY헤드라인M" panose="02030600000101010101" pitchFamily="18" charset="-127"/>
+                <a:cs typeface="+mj-cs"/>
+              </a:defRPr>
+            </a:lvl1pPr>
+          </a:lstStyle>
+          <a:p>
+            <a:r>
+              <a:rPr lang="en-US" altLang="ko-KR" dirty="0" smtClean="0"/>
+              <a:t> </a:t>
+            </a:r>
+            <a:endParaRPr lang="ko-KR" altLang="en-US" dirty="0"/>
+          </a:p>
+        </p:txBody>
+      </p:sp>
+      <p:sp>
+        <p:nvSpPr>
+          <p:cNvPr id="11" name="제목 5"/>
+          <p:cNvSpPr txBox="1">
+            <a:spLocks/>
+          </p:cNvSpPr>
+          <p:nvPr/>
+        </p:nvSpPr>
+        <p:spPr>
+          <a:xfrm>
+            <a:off x="152400" y="44624"/>
+            <a:ext cx="6312767" cy="854968"/>
+          </a:xfrm>
+          <a:prstGeom prst="rect">
+            <a:avLst/>
+          </a:prstGeom>
+        </p:spPr>
+        <p:txBody>
+          <a:bodyPr anchor="ctr" anchorCtr="0"/>
+          <a:lstStyle>
+            <a:lvl1pPr algn="l" defTabSz="914400" rtl="0" eaLnBrk="1" latinLnBrk="1" hangingPunct="1">
+              <a:spcBef>
+                <a:spcPct val="0"/>
+              </a:spcBef>
+              <a:buNone/>
+              <a:defRPr sz="3200" kern="1200">
+                <a:solidFill>
+                  <a:schemeClr val="bg1"/>
+                </a:solidFill>
+                <a:latin typeface="HY헤드라인M" panose="02030600000101010101" pitchFamily="18" charset="-127"/>
+                <a:ea typeface="HY헤드라인M" panose="02030600000101010101" pitchFamily="18" charset="-127"/>
+                <a:cs typeface="+mj-cs"/>
+              </a:defRPr>
+            </a:lvl1pPr>
+          </a:lstStyle>
+          <a:p>
+            <a:r>
+              <a:rPr lang="en-US" altLang="ko-KR" dirty="0" smtClean="0"/>
+              <a:t> </a:t>
+            </a:r>
+            <a:r>
+              <a:rPr lang="ko-KR" altLang="en-US" dirty="0" smtClean="0"/>
+              <a:t>실습 문제 </a:t>
+            </a:r>
+            <a:r>
+              <a:rPr lang="en-US" altLang="ko-KR" dirty="0" smtClean="0"/>
+              <a:t>– </a:t>
+            </a:r>
+            <a:r>
+              <a:rPr lang="ko-KR" altLang="en-US" b="1" dirty="0" smtClean="0">
+                <a:latin typeface="휴먼엑스포" panose="02030504000101010101" pitchFamily="18" charset="-127"/>
+                <a:ea typeface="휴먼엑스포" panose="02030504000101010101" pitchFamily="18" charset="-127"/>
+              </a:rPr>
+              <a:t>수정일 표시하기</a:t>
+            </a:r>
+            <a:endParaRPr lang="ko-KR" altLang="en-US" dirty="0"/>
+          </a:p>
+        </p:txBody>
+      </p:sp>
+      <p:sp>
+        <p:nvSpPr>
+          <p:cNvPr id="2" name="TextBox 1"/>
+          <p:cNvSpPr txBox="1"/>
+          <p:nvPr/>
+        </p:nvSpPr>
+        <p:spPr>
+          <a:xfrm>
+            <a:off x="848544" y="1268760"/>
+            <a:ext cx="6552728" cy="369332"/>
+          </a:xfrm>
+          <a:prstGeom prst="rect">
+            <a:avLst/>
+          </a:prstGeom>
+          <a:noFill/>
+        </p:spPr>
+        <p:txBody>
+          <a:bodyPr wrap="square" rtlCol="0">
+            <a:spAutoFit/>
+          </a:bodyPr>
+          <a:lstStyle/>
+          <a:p>
+            <a:pPr marL="285750" indent="-285750">
+              <a:buFont typeface="Wingdings" panose="05000000000000000000" pitchFamily="2" charset="2"/>
+              <a:buChar char="§"/>
+            </a:pPr>
+            <a:r>
+              <a:rPr lang="ko-KR" altLang="en-US" dirty="0" err="1" smtClean="0"/>
+              <a:t>수정일이</a:t>
+            </a:r>
+            <a:r>
+              <a:rPr lang="ko-KR" altLang="en-US" dirty="0" smtClean="0"/>
+              <a:t> 있으면 작성일을 </a:t>
+            </a:r>
+            <a:r>
+              <a:rPr lang="ko-KR" altLang="en-US" dirty="0" err="1" smtClean="0"/>
+              <a:t>수정일로</a:t>
+            </a:r>
+            <a:r>
+              <a:rPr lang="ko-KR" altLang="en-US" dirty="0" smtClean="0"/>
+              <a:t> 대체 하여 표시하세요</a:t>
+            </a:r>
+            <a:r>
+              <a:rPr lang="en-US" altLang="ko-KR" dirty="0" smtClean="0"/>
+              <a:t>..</a:t>
+            </a:r>
+            <a:endParaRPr lang="ko-KR" altLang="en-US" dirty="0"/>
+          </a:p>
+        </p:txBody>
+      </p:sp>
+      <p:pic>
+        <p:nvPicPr>
+          <p:cNvPr id="4" name="그림 3"/>
+          <p:cNvPicPr>
+            <a:picLocks noChangeAspect="1"/>
+          </p:cNvPicPr>
+          <p:nvPr/>
+        </p:nvPicPr>
+        <p:blipFill rotWithShape="1">
+          <a:blip r:embed="rId2">
+            <a:extLst>
+              <a:ext uri="{28A0092B-C50C-407E-A947-70E740481C1C}">
+                <a14:useLocalDpi xmlns:a14="http://schemas.microsoft.com/office/drawing/2010/main" val="0"/>
+              </a:ext>
+            </a:extLst>
+          </a:blip>
+          <a:srcRect t="56242"/>
+          <a:stretch/>
+        </p:blipFill>
+        <p:spPr>
+          <a:xfrm>
+            <a:off x="1784648" y="2204864"/>
+            <a:ext cx="5544032" cy="2520280"/>
+          </a:xfrm>
+          <a:prstGeom prst="rect">
+            <a:avLst/>
+          </a:prstGeom>
+          <a:ln>
+            <a:solidFill>
+              <a:schemeClr val="bg1">
+                <a:lumMod val="85000"/>
+              </a:schemeClr>
+            </a:solidFill>
+          </a:ln>
+        </p:spPr>
+      </p:pic>
+    </p:spTree>
+    <p:extLst>
+      <p:ext uri="{BB962C8B-B14F-4D97-AF65-F5344CB8AC3E}">
+        <p14:creationId xmlns:p14="http://schemas.microsoft.com/office/powerpoint/2010/main" val="3046839548"/>
+      </p:ext>
+    </p:extLst>
+  </p:cSld>
+  <p:clrMapOvr>
+    <a:masterClrMapping/>
+  </p:clrMapOvr>
+  <p:timing>
+    <p:tnLst>
+      <p:par>
+        <p:cTn id="1" dur="indefinite" restart="never" nodeType="tmRoot"/>
+      </p:par>
+    </p:tnLst>
+  </p:timing>
+</p:sld>
+</file>
+
+<file path=ppt/slides/slide32.xml><?xml version="1.0" encoding="utf-8"?>
+<p:sld xmlns:a="http://schemas.openxmlformats.org/drawingml/2006/main" xmlns:r="http://schemas.openxmlformats.org/officeDocument/2006/relationships" xmlns:p="http://schemas.openxmlformats.org/presentationml/2006/main">
+  <p:cSld>
+    <p:spTree>
+      <p:nvGrpSpPr>
+        <p:cNvPr id="1" name=""/>
+        <p:cNvGrpSpPr/>
+        <p:nvPr/>
+      </p:nvGrpSpPr>
+      <p:grpSpPr>
+        <a:xfrm>
+          <a:off x="0" y="0"/>
+          <a:ext cx="0" cy="0"/>
+          <a:chOff x="0" y="0"/>
+          <a:chExt cx="0" cy="0"/>
+        </a:xfrm>
+      </p:grpSpPr>
+      <p:sp>
+        <p:nvSpPr>
+          <p:cNvPr id="15" name="제목 5"/>
+          <p:cNvSpPr txBox="1">
+            <a:spLocks/>
+          </p:cNvSpPr>
+          <p:nvPr/>
+        </p:nvSpPr>
+        <p:spPr>
+          <a:xfrm>
+            <a:off x="1" y="-18256"/>
+            <a:ext cx="5079014" cy="854968"/>
+          </a:xfrm>
+          <a:prstGeom prst="rect">
+            <a:avLst/>
+          </a:prstGeom>
+        </p:spPr>
+        <p:txBody>
+          <a:bodyPr anchor="ctr" anchorCtr="0"/>
+          <a:lstStyle>
+            <a:lvl1pPr algn="l" defTabSz="914400" rtl="0" eaLnBrk="1" latinLnBrk="1" hangingPunct="1">
+              <a:spcBef>
+                <a:spcPct val="0"/>
+              </a:spcBef>
+              <a:buNone/>
+              <a:defRPr sz="3200" kern="1200">
+                <a:solidFill>
+                  <a:schemeClr val="bg1"/>
+                </a:solidFill>
+                <a:latin typeface="HY헤드라인M" panose="02030600000101010101" pitchFamily="18" charset="-127"/>
+                <a:ea typeface="HY헤드라인M" panose="02030600000101010101" pitchFamily="18" charset="-127"/>
+                <a:cs typeface="+mj-cs"/>
+              </a:defRPr>
+            </a:lvl1pPr>
+          </a:lstStyle>
+          <a:p>
+            <a:r>
+              <a:rPr lang="en-US" altLang="ko-KR" dirty="0" smtClean="0"/>
+              <a:t> </a:t>
+            </a:r>
+            <a:endParaRPr lang="ko-KR" altLang="en-US" dirty="0"/>
+          </a:p>
+        </p:txBody>
+      </p:sp>
+      <p:sp>
+        <p:nvSpPr>
+          <p:cNvPr id="11" name="제목 5"/>
+          <p:cNvSpPr txBox="1">
+            <a:spLocks/>
+          </p:cNvSpPr>
+          <p:nvPr/>
+        </p:nvSpPr>
+        <p:spPr>
+          <a:xfrm>
+            <a:off x="152400" y="44624"/>
+            <a:ext cx="6312767" cy="854968"/>
+          </a:xfrm>
+          <a:prstGeom prst="rect">
+            <a:avLst/>
+          </a:prstGeom>
+        </p:spPr>
+        <p:txBody>
+          <a:bodyPr anchor="ctr" anchorCtr="0"/>
+          <a:lstStyle>
+            <a:lvl1pPr algn="l" defTabSz="914400" rtl="0" eaLnBrk="1" latinLnBrk="1" hangingPunct="1">
+              <a:spcBef>
+                <a:spcPct val="0"/>
+              </a:spcBef>
+              <a:buNone/>
+              <a:defRPr sz="3200" kern="1200">
+                <a:solidFill>
+                  <a:schemeClr val="bg1"/>
+                </a:solidFill>
+                <a:latin typeface="HY헤드라인M" panose="02030600000101010101" pitchFamily="18" charset="-127"/>
+                <a:ea typeface="HY헤드라인M" panose="02030600000101010101" pitchFamily="18" charset="-127"/>
+                <a:cs typeface="+mj-cs"/>
+              </a:defRPr>
+            </a:lvl1pPr>
+          </a:lstStyle>
+          <a:p>
+            <a:r>
+              <a:rPr lang="en-US" altLang="ko-KR" dirty="0" smtClean="0"/>
+              <a:t> </a:t>
+            </a:r>
+            <a:r>
+              <a:rPr lang="ko-KR" altLang="en-US" dirty="0" smtClean="0"/>
+              <a:t>실습 문제 </a:t>
+            </a:r>
+            <a:r>
+              <a:rPr lang="en-US" altLang="ko-KR" dirty="0" smtClean="0"/>
+              <a:t>– </a:t>
+            </a:r>
+            <a:r>
+              <a:rPr lang="ko-KR" altLang="en-US" b="1" dirty="0" smtClean="0">
+                <a:latin typeface="휴먼엑스포" panose="02030504000101010101" pitchFamily="18" charset="-127"/>
+                <a:ea typeface="휴먼엑스포" panose="02030504000101010101" pitchFamily="18" charset="-127"/>
+              </a:rPr>
+              <a:t>수정일 표시하기</a:t>
+            </a:r>
+            <a:endParaRPr lang="ko-KR" altLang="en-US" dirty="0"/>
+          </a:p>
+        </p:txBody>
+      </p:sp>
+      <p:sp>
+        <p:nvSpPr>
+          <p:cNvPr id="2" name="TextBox 1"/>
+          <p:cNvSpPr txBox="1"/>
+          <p:nvPr/>
+        </p:nvSpPr>
+        <p:spPr>
+          <a:xfrm>
+            <a:off x="848544" y="1268760"/>
+            <a:ext cx="6552728" cy="369332"/>
+          </a:xfrm>
+          <a:prstGeom prst="rect">
+            <a:avLst/>
+          </a:prstGeom>
+          <a:noFill/>
+        </p:spPr>
+        <p:txBody>
+          <a:bodyPr wrap="square" rtlCol="0">
+            <a:spAutoFit/>
+          </a:bodyPr>
+          <a:lstStyle/>
+          <a:p>
+            <a:pPr marL="285750" indent="-285750">
+              <a:buFont typeface="Wingdings" panose="05000000000000000000" pitchFamily="2" charset="2"/>
+              <a:buChar char="§"/>
+            </a:pPr>
+            <a:r>
+              <a:rPr lang="ko-KR" altLang="en-US" dirty="0" err="1" smtClean="0"/>
+              <a:t>수정일이</a:t>
+            </a:r>
+            <a:r>
+              <a:rPr lang="ko-KR" altLang="en-US" dirty="0" smtClean="0"/>
+              <a:t> 있으면 작성일을 </a:t>
+            </a:r>
+            <a:r>
+              <a:rPr lang="ko-KR" altLang="en-US" dirty="0" err="1" smtClean="0"/>
+              <a:t>수정일로</a:t>
+            </a:r>
+            <a:r>
+              <a:rPr lang="ko-KR" altLang="en-US" dirty="0" smtClean="0"/>
+              <a:t> 대체 하여 표시하세요</a:t>
+            </a:r>
+            <a:r>
+              <a:rPr lang="en-US" altLang="ko-KR" dirty="0" smtClean="0"/>
+              <a:t>..</a:t>
+            </a:r>
+            <a:endParaRPr lang="ko-KR" altLang="en-US" dirty="0"/>
+          </a:p>
+        </p:txBody>
+      </p:sp>
+    </p:spTree>
+    <p:extLst>
+      <p:ext uri="{BB962C8B-B14F-4D97-AF65-F5344CB8AC3E}">
+        <p14:creationId xmlns:p14="http://schemas.microsoft.com/office/powerpoint/2010/main" val="3566605497"/>
+      </p:ext>
+    </p:extLst>
+  </p:cSld>
+  <p:clrMapOvr>
+    <a:masterClrMapping/>
+  </p:clrMapOvr>
+  <p:timing>
+    <p:tnLst>
+      <p:par>
+        <p:cTn id="1" dur="indefinite" restart="never" nodeType="tmRoot"/>
+      </p:par>
+    </p:tnLst>
+  </p:timing>
+</p:sld>
+</file>
+
+<file path=ppt/slides/slide33.xml><?xml version="1.0" encoding="utf-8"?>
+<p:sld xmlns:a="http://schemas.openxmlformats.org/drawingml/2006/main" xmlns:r="http://schemas.openxmlformats.org/officeDocument/2006/relationships" xmlns:p="http://schemas.openxmlformats.org/presentationml/2006/main">
+  <p:cSld>
+    <p:spTree>
+      <p:nvGrpSpPr>
+        <p:cNvPr id="1" name=""/>
+        <p:cNvGrpSpPr/>
+        <p:nvPr/>
+      </p:nvGrpSpPr>
+      <p:grpSpPr>
+        <a:xfrm>
+          <a:off x="0" y="0"/>
+          <a:ext cx="0" cy="0"/>
+          <a:chOff x="0" y="0"/>
+          <a:chExt cx="0" cy="0"/>
+        </a:xfrm>
+      </p:grpSpPr>
+      <p:sp>
+        <p:nvSpPr>
+          <p:cNvPr id="15" name="제목 5"/>
+          <p:cNvSpPr txBox="1">
+            <a:spLocks/>
+          </p:cNvSpPr>
+          <p:nvPr/>
+        </p:nvSpPr>
+        <p:spPr>
+          <a:xfrm>
+            <a:off x="1" y="-18256"/>
+            <a:ext cx="5079014" cy="854968"/>
+          </a:xfrm>
+          <a:prstGeom prst="rect">
+            <a:avLst/>
+          </a:prstGeom>
+        </p:spPr>
+        <p:txBody>
+          <a:bodyPr anchor="ctr" anchorCtr="0"/>
+          <a:lstStyle>
+            <a:lvl1pPr algn="l" defTabSz="914400" rtl="0" eaLnBrk="1" latinLnBrk="1" hangingPunct="1">
+              <a:spcBef>
+                <a:spcPct val="0"/>
+              </a:spcBef>
+              <a:buNone/>
+              <a:defRPr sz="3200" kern="1200">
+                <a:solidFill>
+                  <a:schemeClr val="bg1"/>
+                </a:solidFill>
+                <a:latin typeface="HY헤드라인M" panose="02030600000101010101" pitchFamily="18" charset="-127"/>
+                <a:ea typeface="HY헤드라인M" panose="02030600000101010101" pitchFamily="18" charset="-127"/>
+                <a:cs typeface="+mj-cs"/>
+              </a:defRPr>
+            </a:lvl1pPr>
+          </a:lstStyle>
+          <a:p>
+            <a:r>
+              <a:rPr lang="en-US" altLang="ko-KR" dirty="0" smtClean="0"/>
+              <a:t> </a:t>
+            </a:r>
+            <a:endParaRPr lang="ko-KR" altLang="en-US" dirty="0"/>
+          </a:p>
+        </p:txBody>
+      </p:sp>
+      <p:sp>
+        <p:nvSpPr>
+          <p:cNvPr id="11" name="제목 5"/>
+          <p:cNvSpPr txBox="1">
+            <a:spLocks/>
+          </p:cNvSpPr>
+          <p:nvPr/>
+        </p:nvSpPr>
+        <p:spPr>
+          <a:xfrm>
+            <a:off x="152400" y="44624"/>
+            <a:ext cx="6312767" cy="854968"/>
+          </a:xfrm>
+          <a:prstGeom prst="rect">
+            <a:avLst/>
+          </a:prstGeom>
+        </p:spPr>
+        <p:txBody>
+          <a:bodyPr anchor="ctr" anchorCtr="0"/>
+          <a:lstStyle>
+            <a:lvl1pPr algn="l" defTabSz="914400" rtl="0" eaLnBrk="1" latinLnBrk="1" hangingPunct="1">
+              <a:spcBef>
+                <a:spcPct val="0"/>
+              </a:spcBef>
+              <a:buNone/>
+              <a:defRPr sz="3200" kern="1200">
+                <a:solidFill>
+                  <a:schemeClr val="bg1"/>
+                </a:solidFill>
+                <a:latin typeface="HY헤드라인M" panose="02030600000101010101" pitchFamily="18" charset="-127"/>
+                <a:ea typeface="HY헤드라인M" panose="02030600000101010101" pitchFamily="18" charset="-127"/>
+                <a:cs typeface="+mj-cs"/>
+              </a:defRPr>
+            </a:lvl1pPr>
+          </a:lstStyle>
+          <a:p>
+            <a:r>
+              <a:rPr lang="en-US" altLang="ko-KR" dirty="0" smtClean="0"/>
+              <a:t> </a:t>
+            </a:r>
+            <a:r>
+              <a:rPr lang="ko-KR" altLang="en-US" dirty="0" smtClean="0"/>
+              <a:t>파일 업로드</a:t>
+            </a:r>
+            <a:r>
+              <a:rPr lang="en-US" altLang="ko-KR" dirty="0" smtClean="0"/>
+              <a:t>(</a:t>
+            </a:r>
+            <a:r>
+              <a:rPr lang="ko-KR" altLang="en-US" dirty="0" err="1" smtClean="0"/>
+              <a:t>첨부기능</a:t>
+            </a:r>
+            <a:r>
+              <a:rPr lang="en-US" altLang="ko-KR" dirty="0" smtClean="0"/>
+              <a:t>)</a:t>
+            </a:r>
+            <a:endParaRPr lang="ko-KR" altLang="en-US" dirty="0"/>
+          </a:p>
+        </p:txBody>
+      </p:sp>
+      <p:pic>
+        <p:nvPicPr>
+          <p:cNvPr id="3" name="그림 2"/>
+          <p:cNvPicPr>
+            <a:picLocks noChangeAspect="1"/>
+          </p:cNvPicPr>
+          <p:nvPr/>
+        </p:nvPicPr>
+        <p:blipFill>
+          <a:blip r:embed="rId2">
+            <a:extLst>
+              <a:ext uri="{28A0092B-C50C-407E-A947-70E740481C1C}">
+                <a14:useLocalDpi xmlns:a14="http://schemas.microsoft.com/office/drawing/2010/main" val="0"/>
+              </a:ext>
+            </a:extLst>
+          </a:blip>
+          <a:stretch>
+            <a:fillRect/>
+          </a:stretch>
+        </p:blipFill>
+        <p:spPr>
+          <a:xfrm>
+            <a:off x="2072680" y="1124744"/>
+            <a:ext cx="5019153" cy="4900982"/>
+          </a:xfrm>
+          <a:prstGeom prst="rect">
+            <a:avLst/>
+          </a:prstGeom>
+          <a:ln>
+            <a:solidFill>
+              <a:schemeClr val="bg1">
+                <a:lumMod val="85000"/>
+              </a:schemeClr>
+            </a:solidFill>
+          </a:ln>
+        </p:spPr>
+      </p:pic>
+    </p:spTree>
+    <p:extLst>
+      <p:ext uri="{BB962C8B-B14F-4D97-AF65-F5344CB8AC3E}">
+        <p14:creationId xmlns:p14="http://schemas.microsoft.com/office/powerpoint/2010/main" val="1144123636"/>
+      </p:ext>
+    </p:extLst>
+  </p:cSld>
+  <p:clrMapOvr>
+    <a:masterClrMapping/>
+  </p:clrMapOvr>
+  <p:timing>
+    <p:tnLst>
+      <p:par>
+        <p:cTn id="1" dur="indefinite" restart="never" nodeType="tmRoot"/>
+      </p:par>
+    </p:tnLst>
+  </p:timing>
+</p:sld>
+</file>
+
+<file path=ppt/slides/slide34.xml><?xml version="1.0" encoding="utf-8"?>
+<p:sld xmlns:a="http://schemas.openxmlformats.org/drawingml/2006/main" xmlns:r="http://schemas.openxmlformats.org/officeDocument/2006/relationships" xmlns:p="http://schemas.openxmlformats.org/presentationml/2006/main">
+  <p:cSld>
+    <p:spTree>
+      <p:nvGrpSpPr>
+        <p:cNvPr id="1" name=""/>
+        <p:cNvGrpSpPr/>
+        <p:nvPr/>
+      </p:nvGrpSpPr>
+      <p:grpSpPr>
+        <a:xfrm>
+          <a:off x="0" y="0"/>
+          <a:ext cx="0" cy="0"/>
+          <a:chOff x="0" y="0"/>
+          <a:chExt cx="0" cy="0"/>
+        </a:xfrm>
+      </p:grpSpPr>
+      <p:sp>
+        <p:nvSpPr>
+          <p:cNvPr id="15" name="제목 5"/>
+          <p:cNvSpPr txBox="1">
+            <a:spLocks/>
+          </p:cNvSpPr>
+          <p:nvPr/>
+        </p:nvSpPr>
+        <p:spPr>
+          <a:xfrm>
+            <a:off x="1" y="-18256"/>
+            <a:ext cx="5079014" cy="854968"/>
+          </a:xfrm>
+          <a:prstGeom prst="rect">
+            <a:avLst/>
+          </a:prstGeom>
+        </p:spPr>
+        <p:txBody>
+          <a:bodyPr anchor="ctr" anchorCtr="0"/>
+          <a:lstStyle>
+            <a:lvl1pPr algn="l" defTabSz="914400" rtl="0" eaLnBrk="1" latinLnBrk="1" hangingPunct="1">
+              <a:spcBef>
+                <a:spcPct val="0"/>
+              </a:spcBef>
+              <a:buNone/>
+              <a:defRPr sz="3200" kern="1200">
+                <a:solidFill>
+                  <a:schemeClr val="bg1"/>
+                </a:solidFill>
+                <a:latin typeface="HY헤드라인M" panose="02030600000101010101" pitchFamily="18" charset="-127"/>
+                <a:ea typeface="HY헤드라인M" panose="02030600000101010101" pitchFamily="18" charset="-127"/>
+                <a:cs typeface="+mj-cs"/>
+              </a:defRPr>
+            </a:lvl1pPr>
+          </a:lstStyle>
+          <a:p>
+            <a:r>
+              <a:rPr lang="en-US" altLang="ko-KR" dirty="0" smtClean="0"/>
+              <a:t> </a:t>
+            </a:r>
+            <a:endParaRPr lang="ko-KR" altLang="en-US" dirty="0"/>
+          </a:p>
+        </p:txBody>
+      </p:sp>
+      <p:sp>
+        <p:nvSpPr>
+          <p:cNvPr id="11" name="제목 5"/>
+          <p:cNvSpPr txBox="1">
+            <a:spLocks/>
+          </p:cNvSpPr>
+          <p:nvPr/>
+        </p:nvSpPr>
+        <p:spPr>
+          <a:xfrm>
+            <a:off x="152400" y="44624"/>
+            <a:ext cx="6312767" cy="854968"/>
+          </a:xfrm>
+          <a:prstGeom prst="rect">
+            <a:avLst/>
+          </a:prstGeom>
+        </p:spPr>
+        <p:txBody>
+          <a:bodyPr anchor="ctr" anchorCtr="0"/>
+          <a:lstStyle>
+            <a:lvl1pPr algn="l" defTabSz="914400" rtl="0" eaLnBrk="1" latinLnBrk="1" hangingPunct="1">
+              <a:spcBef>
+                <a:spcPct val="0"/>
+              </a:spcBef>
+              <a:buNone/>
+              <a:defRPr sz="3200" kern="1200">
+                <a:solidFill>
+                  <a:schemeClr val="bg1"/>
+                </a:solidFill>
+                <a:latin typeface="HY헤드라인M" panose="02030600000101010101" pitchFamily="18" charset="-127"/>
+                <a:ea typeface="HY헤드라인M" panose="02030600000101010101" pitchFamily="18" charset="-127"/>
+                <a:cs typeface="+mj-cs"/>
+              </a:defRPr>
+            </a:lvl1pPr>
+          </a:lstStyle>
+          <a:p>
+            <a:r>
+              <a:rPr lang="en-US" altLang="ko-KR" dirty="0" smtClean="0"/>
+              <a:t> </a:t>
+            </a:r>
+            <a:r>
+              <a:rPr lang="ko-KR" altLang="en-US" dirty="0" smtClean="0"/>
+              <a:t>파일 업로드</a:t>
+            </a:r>
+            <a:r>
+              <a:rPr lang="en-US" altLang="ko-KR" dirty="0" smtClean="0"/>
+              <a:t>(</a:t>
+            </a:r>
+            <a:r>
+              <a:rPr lang="ko-KR" altLang="en-US" dirty="0" err="1" smtClean="0"/>
+              <a:t>첨부기능</a:t>
+            </a:r>
+            <a:r>
+              <a:rPr lang="en-US" altLang="ko-KR" dirty="0" smtClean="0"/>
+              <a:t>)</a:t>
+            </a:r>
+            <a:endParaRPr lang="ko-KR" altLang="en-US" dirty="0"/>
+          </a:p>
+        </p:txBody>
+      </p:sp>
+      <p:pic>
+        <p:nvPicPr>
+          <p:cNvPr id="2" name="그림 1"/>
+          <p:cNvPicPr>
+            <a:picLocks noChangeAspect="1"/>
+          </p:cNvPicPr>
+          <p:nvPr/>
+        </p:nvPicPr>
+        <p:blipFill>
+          <a:blip r:embed="rId2">
+            <a:extLst>
+              <a:ext uri="{28A0092B-C50C-407E-A947-70E740481C1C}">
+                <a14:useLocalDpi xmlns:a14="http://schemas.microsoft.com/office/drawing/2010/main" val="0"/>
+              </a:ext>
+            </a:extLst>
+          </a:blip>
+          <a:stretch>
+            <a:fillRect/>
+          </a:stretch>
+        </p:blipFill>
+        <p:spPr>
+          <a:xfrm>
+            <a:off x="2123576" y="1650975"/>
+            <a:ext cx="5349704" cy="800169"/>
+          </a:xfrm>
+          <a:prstGeom prst="rect">
+            <a:avLst/>
+          </a:prstGeom>
+          <a:ln>
+            <a:solidFill>
+              <a:schemeClr val="bg1">
+                <a:lumMod val="85000"/>
+              </a:schemeClr>
+            </a:solidFill>
+          </a:ln>
+        </p:spPr>
+      </p:pic>
+      <p:pic>
+        <p:nvPicPr>
+          <p:cNvPr id="4" name="그림 3"/>
+          <p:cNvPicPr>
+            <a:picLocks noChangeAspect="1"/>
+          </p:cNvPicPr>
+          <p:nvPr/>
+        </p:nvPicPr>
+        <p:blipFill>
+          <a:blip r:embed="rId3">
+            <a:extLst>
+              <a:ext uri="{28A0092B-C50C-407E-A947-70E740481C1C}">
+                <a14:useLocalDpi xmlns:a14="http://schemas.microsoft.com/office/drawing/2010/main" val="0"/>
+              </a:ext>
+            </a:extLst>
+          </a:blip>
+          <a:stretch>
+            <a:fillRect/>
+          </a:stretch>
+        </p:blipFill>
+        <p:spPr>
+          <a:xfrm>
+            <a:off x="2110121" y="3349317"/>
+            <a:ext cx="5349704" cy="2708287"/>
+          </a:xfrm>
+          <a:prstGeom prst="rect">
+            <a:avLst/>
+          </a:prstGeom>
+          <a:ln>
+            <a:solidFill>
+              <a:schemeClr val="bg1">
+                <a:lumMod val="85000"/>
+              </a:schemeClr>
+            </a:solidFill>
+          </a:ln>
+        </p:spPr>
+      </p:pic>
+      <p:sp>
+        <p:nvSpPr>
+          <p:cNvPr id="5" name="TextBox 4"/>
+          <p:cNvSpPr txBox="1"/>
+          <p:nvPr/>
+        </p:nvSpPr>
+        <p:spPr>
+          <a:xfrm>
+            <a:off x="2110121" y="1124744"/>
+            <a:ext cx="4696927" cy="369332"/>
+          </a:xfrm>
+          <a:prstGeom prst="rect">
+            <a:avLst/>
+          </a:prstGeom>
+          <a:noFill/>
+        </p:spPr>
+        <p:txBody>
+          <a:bodyPr wrap="none" rtlCol="0">
+            <a:spAutoFit/>
+          </a:bodyPr>
+          <a:lstStyle/>
+          <a:p>
+            <a:pPr marL="285750" indent="-285750">
+              <a:buFont typeface="Arial" panose="020B0604020202020204" pitchFamily="34" charset="0"/>
+              <a:buChar char="•"/>
+            </a:pPr>
+            <a:r>
+              <a:rPr lang="en-US" altLang="ko-KR" dirty="0" err="1" smtClean="0"/>
+              <a:t>t_board</a:t>
+            </a:r>
+            <a:r>
+              <a:rPr lang="en-US" altLang="ko-KR" dirty="0" smtClean="0"/>
+              <a:t> </a:t>
+            </a:r>
+            <a:r>
+              <a:rPr lang="ko-KR" altLang="en-US" dirty="0" smtClean="0"/>
+              <a:t>테이블에 </a:t>
+            </a:r>
+            <a:r>
+              <a:rPr lang="en-US" altLang="ko-KR" dirty="0" err="1" smtClean="0"/>
+              <a:t>fileupload</a:t>
+            </a:r>
+            <a:r>
+              <a:rPr lang="en-US" altLang="ko-KR" dirty="0" smtClean="0"/>
+              <a:t> </a:t>
+            </a:r>
+            <a:r>
+              <a:rPr lang="ko-KR" altLang="en-US" dirty="0" smtClean="0"/>
+              <a:t>칼럼 추가함</a:t>
+            </a:r>
+            <a:endParaRPr lang="ko-KR" altLang="en-US" dirty="0"/>
+          </a:p>
+        </p:txBody>
+      </p:sp>
+      <p:sp>
+        <p:nvSpPr>
+          <p:cNvPr id="8" name="TextBox 7"/>
+          <p:cNvSpPr txBox="1"/>
+          <p:nvPr/>
+        </p:nvSpPr>
+        <p:spPr>
+          <a:xfrm>
+            <a:off x="2038113" y="2865819"/>
+            <a:ext cx="4544642" cy="369332"/>
+          </a:xfrm>
+          <a:prstGeom prst="rect">
+            <a:avLst/>
+          </a:prstGeom>
+          <a:noFill/>
+        </p:spPr>
+        <p:txBody>
+          <a:bodyPr wrap="none" rtlCol="0">
+            <a:spAutoFit/>
+          </a:bodyPr>
+          <a:lstStyle/>
+          <a:p>
+            <a:pPr marL="285750" indent="-285750">
+              <a:buFont typeface="Arial" panose="020B0604020202020204" pitchFamily="34" charset="0"/>
+              <a:buChar char="•"/>
+            </a:pPr>
+            <a:r>
+              <a:rPr lang="en-US" altLang="ko-KR" dirty="0" smtClean="0"/>
+              <a:t>Board </a:t>
+            </a:r>
+            <a:r>
+              <a:rPr lang="ko-KR" altLang="en-US" dirty="0" smtClean="0"/>
+              <a:t>클래스에 </a:t>
+            </a:r>
+            <a:r>
+              <a:rPr lang="en-US" altLang="ko-KR" dirty="0" err="1" smtClean="0"/>
+              <a:t>fileUpload</a:t>
+            </a:r>
+            <a:r>
+              <a:rPr lang="en-US" altLang="ko-KR" dirty="0" smtClean="0"/>
+              <a:t> </a:t>
+            </a:r>
+            <a:r>
+              <a:rPr lang="ko-KR" altLang="en-US" dirty="0" smtClean="0"/>
+              <a:t>필드 추가함</a:t>
+            </a:r>
+            <a:endParaRPr lang="ko-KR" altLang="en-US" dirty="0"/>
+          </a:p>
+        </p:txBody>
+      </p:sp>
+    </p:spTree>
+    <p:extLst>
+      <p:ext uri="{BB962C8B-B14F-4D97-AF65-F5344CB8AC3E}">
+        <p14:creationId xmlns:p14="http://schemas.microsoft.com/office/powerpoint/2010/main" val="1137038174"/>
+      </p:ext>
+    </p:extLst>
+  </p:cSld>
+  <p:clrMapOvr>
+    <a:masterClrMapping/>
+  </p:clrMapOvr>
+  <p:timing>
+    <p:tnLst>
+      <p:par>
+        <p:cTn id="1" dur="indefinite" restart="never" nodeType="tmRoot"/>
+      </p:par>
+    </p:tnLst>
+  </p:timing>
+</p:sld>
+</file>
+
+<file path=ppt/slides/slide35.xml><?xml version="1.0" encoding="utf-8"?>
+<p:sld xmlns:a="http://schemas.openxmlformats.org/drawingml/2006/main" xmlns:r="http://schemas.openxmlformats.org/officeDocument/2006/relationships" xmlns:p="http://schemas.openxmlformats.org/presentationml/2006/main">
+  <p:cSld>
+    <p:spTree>
+      <p:nvGrpSpPr>
+        <p:cNvPr id="1" name=""/>
+        <p:cNvGrpSpPr/>
+        <p:nvPr/>
+      </p:nvGrpSpPr>
+      <p:grpSpPr>
+        <a:xfrm>
+          <a:off x="0" y="0"/>
+          <a:ext cx="0" cy="0"/>
+          <a:chOff x="0" y="0"/>
+          <a:chExt cx="0" cy="0"/>
+        </a:xfrm>
+      </p:grpSpPr>
+      <p:sp>
+        <p:nvSpPr>
+          <p:cNvPr id="15" name="제목 5"/>
+          <p:cNvSpPr txBox="1">
+            <a:spLocks/>
+          </p:cNvSpPr>
+          <p:nvPr/>
+        </p:nvSpPr>
+        <p:spPr>
+          <a:xfrm>
+            <a:off x="1" y="-18256"/>
+            <a:ext cx="5079014" cy="854968"/>
+          </a:xfrm>
+          <a:prstGeom prst="rect">
+            <a:avLst/>
+          </a:prstGeom>
+        </p:spPr>
+        <p:txBody>
+          <a:bodyPr anchor="ctr" anchorCtr="0"/>
+          <a:lstStyle>
+            <a:lvl1pPr algn="l" defTabSz="914400" rtl="0" eaLnBrk="1" latinLnBrk="1" hangingPunct="1">
+              <a:spcBef>
+                <a:spcPct val="0"/>
+              </a:spcBef>
+              <a:buNone/>
+              <a:defRPr sz="3200" kern="1200">
+                <a:solidFill>
+                  <a:schemeClr val="bg1"/>
+                </a:solidFill>
+                <a:latin typeface="HY헤드라인M" panose="02030600000101010101" pitchFamily="18" charset="-127"/>
+                <a:ea typeface="HY헤드라인M" panose="02030600000101010101" pitchFamily="18" charset="-127"/>
+                <a:cs typeface="+mj-cs"/>
+              </a:defRPr>
+            </a:lvl1pPr>
+          </a:lstStyle>
+          <a:p>
+            <a:r>
+              <a:rPr lang="en-US" altLang="ko-KR" dirty="0" smtClean="0"/>
+              <a:t> </a:t>
+            </a:r>
+            <a:endParaRPr lang="ko-KR" altLang="en-US" dirty="0"/>
+          </a:p>
+        </p:txBody>
+      </p:sp>
+      <p:sp>
+        <p:nvSpPr>
+          <p:cNvPr id="11" name="제목 5"/>
+          <p:cNvSpPr txBox="1">
+            <a:spLocks/>
+          </p:cNvSpPr>
+          <p:nvPr/>
+        </p:nvSpPr>
+        <p:spPr>
+          <a:xfrm>
+            <a:off x="152400" y="44624"/>
+            <a:ext cx="6312767" cy="854968"/>
+          </a:xfrm>
+          <a:prstGeom prst="rect">
+            <a:avLst/>
+          </a:prstGeom>
+        </p:spPr>
+        <p:txBody>
+          <a:bodyPr anchor="ctr" anchorCtr="0"/>
+          <a:lstStyle>
+            <a:lvl1pPr algn="l" defTabSz="914400" rtl="0" eaLnBrk="1" latinLnBrk="1" hangingPunct="1">
+              <a:spcBef>
+                <a:spcPct val="0"/>
+              </a:spcBef>
+              <a:buNone/>
+              <a:defRPr sz="3200" kern="1200">
+                <a:solidFill>
+                  <a:schemeClr val="bg1"/>
+                </a:solidFill>
+                <a:latin typeface="HY헤드라인M" panose="02030600000101010101" pitchFamily="18" charset="-127"/>
+                <a:ea typeface="HY헤드라인M" panose="02030600000101010101" pitchFamily="18" charset="-127"/>
+                <a:cs typeface="+mj-cs"/>
+              </a:defRPr>
+            </a:lvl1pPr>
+          </a:lstStyle>
+          <a:p>
+            <a:r>
+              <a:rPr lang="en-US" altLang="ko-KR" dirty="0" smtClean="0"/>
+              <a:t> </a:t>
+            </a:r>
+            <a:r>
+              <a:rPr lang="ko-KR" altLang="en-US" dirty="0" smtClean="0"/>
+              <a:t>파일 업로드</a:t>
+            </a:r>
+            <a:r>
+              <a:rPr lang="en-US" altLang="ko-KR" dirty="0" smtClean="0"/>
+              <a:t>(</a:t>
+            </a:r>
+            <a:r>
+              <a:rPr lang="ko-KR" altLang="en-US" dirty="0" err="1" smtClean="0"/>
+              <a:t>첨부기능</a:t>
+            </a:r>
+            <a:r>
+              <a:rPr lang="en-US" altLang="ko-KR" dirty="0" smtClean="0"/>
+              <a:t>)</a:t>
+            </a:r>
+            <a:endParaRPr lang="ko-KR" altLang="en-US" dirty="0"/>
+          </a:p>
+        </p:txBody>
+      </p:sp>
+      <p:pic>
+        <p:nvPicPr>
+          <p:cNvPr id="3" name="그림 2"/>
+          <p:cNvPicPr>
+            <a:picLocks noChangeAspect="1"/>
+          </p:cNvPicPr>
+          <p:nvPr/>
+        </p:nvPicPr>
+        <p:blipFill>
+          <a:blip r:embed="rId2">
+            <a:extLst>
+              <a:ext uri="{28A0092B-C50C-407E-A947-70E740481C1C}">
+                <a14:useLocalDpi xmlns:a14="http://schemas.microsoft.com/office/drawing/2010/main" val="0"/>
+              </a:ext>
+            </a:extLst>
+          </a:blip>
+          <a:stretch>
+            <a:fillRect/>
+          </a:stretch>
+        </p:blipFill>
+        <p:spPr>
+          <a:xfrm>
+            <a:off x="488504" y="1988840"/>
+            <a:ext cx="9110933" cy="2808312"/>
+          </a:xfrm>
+          <a:prstGeom prst="rect">
+            <a:avLst/>
+          </a:prstGeom>
+          <a:ln>
+            <a:solidFill>
+              <a:schemeClr val="bg1">
+                <a:lumMod val="85000"/>
+              </a:schemeClr>
+            </a:solidFill>
+          </a:ln>
+        </p:spPr>
+      </p:pic>
+      <p:sp>
+        <p:nvSpPr>
+          <p:cNvPr id="9" name="TextBox 8"/>
+          <p:cNvSpPr txBox="1"/>
+          <p:nvPr/>
+        </p:nvSpPr>
+        <p:spPr>
+          <a:xfrm>
+            <a:off x="704528" y="1259550"/>
+            <a:ext cx="5582426" cy="369332"/>
+          </a:xfrm>
+          <a:prstGeom prst="rect">
+            <a:avLst/>
+          </a:prstGeom>
+          <a:noFill/>
+        </p:spPr>
+        <p:txBody>
+          <a:bodyPr wrap="none" rtlCol="0">
+            <a:spAutoFit/>
+          </a:bodyPr>
+          <a:lstStyle/>
+          <a:p>
+            <a:pPr marL="285750" indent="-285750">
+              <a:buFont typeface="Arial" panose="020B0604020202020204" pitchFamily="34" charset="0"/>
+              <a:buChar char="•"/>
+            </a:pPr>
+            <a:r>
+              <a:rPr lang="en-US" altLang="ko-KR" dirty="0" err="1" smtClean="0"/>
+              <a:t>BoardDAO</a:t>
+            </a:r>
+            <a:r>
+              <a:rPr lang="en-US" altLang="ko-KR" dirty="0" smtClean="0"/>
+              <a:t> </a:t>
+            </a:r>
+            <a:r>
+              <a:rPr lang="ko-KR" altLang="en-US" dirty="0" smtClean="0"/>
+              <a:t>클래스 </a:t>
+            </a:r>
+            <a:r>
+              <a:rPr lang="en-US" altLang="ko-KR" dirty="0" err="1" smtClean="0"/>
+              <a:t>addBoard</a:t>
+            </a:r>
+            <a:r>
+              <a:rPr lang="en-US" altLang="ko-KR" dirty="0" smtClean="0"/>
+              <a:t>()</a:t>
+            </a:r>
+            <a:r>
+              <a:rPr lang="ko-KR" altLang="en-US" dirty="0" smtClean="0"/>
+              <a:t>에 파일업로드 추가</a:t>
+            </a:r>
+            <a:endParaRPr lang="ko-KR" altLang="en-US" dirty="0"/>
+          </a:p>
+        </p:txBody>
+      </p:sp>
+    </p:spTree>
+    <p:extLst>
+      <p:ext uri="{BB962C8B-B14F-4D97-AF65-F5344CB8AC3E}">
+        <p14:creationId xmlns:p14="http://schemas.microsoft.com/office/powerpoint/2010/main" val="2895131940"/>
+      </p:ext>
+    </p:extLst>
+  </p:cSld>
+  <p:clrMapOvr>
+    <a:masterClrMapping/>
+  </p:clrMapOvr>
+  <p:timing>
+    <p:tnLst>
+      <p:par>
+        <p:cTn id="1" dur="indefinite" restart="never" nodeType="tmRoot"/>
+      </p:par>
+    </p:tnLst>
+  </p:timing>
+</p:sld>
+</file>
+
+<file path=ppt/slides/slide36.xml><?xml version="1.0" encoding="utf-8"?>
+<p:sld xmlns:a="http://schemas.openxmlformats.org/drawingml/2006/main" xmlns:r="http://schemas.openxmlformats.org/officeDocument/2006/relationships" xmlns:p="http://schemas.openxmlformats.org/presentationml/2006/main">
+  <p:cSld>
+    <p:spTree>
+      <p:nvGrpSpPr>
+        <p:cNvPr id="1" name=""/>
+        <p:cNvGrpSpPr/>
+        <p:nvPr/>
+      </p:nvGrpSpPr>
+      <p:grpSpPr>
+        <a:xfrm>
+          <a:off x="0" y="0"/>
+          <a:ext cx="0" cy="0"/>
+          <a:chOff x="0" y="0"/>
+          <a:chExt cx="0" cy="0"/>
+        </a:xfrm>
+      </p:grpSpPr>
+      <p:sp>
+        <p:nvSpPr>
+          <p:cNvPr id="15" name="제목 5"/>
+          <p:cNvSpPr txBox="1">
+            <a:spLocks/>
+          </p:cNvSpPr>
+          <p:nvPr/>
+        </p:nvSpPr>
+        <p:spPr>
+          <a:xfrm>
+            <a:off x="1" y="-18256"/>
+            <a:ext cx="5079014" cy="854968"/>
+          </a:xfrm>
+          <a:prstGeom prst="rect">
+            <a:avLst/>
+          </a:prstGeom>
+        </p:spPr>
+        <p:txBody>
+          <a:bodyPr anchor="ctr" anchorCtr="0"/>
+          <a:lstStyle>
+            <a:lvl1pPr algn="l" defTabSz="914400" rtl="0" eaLnBrk="1" latinLnBrk="1" hangingPunct="1">
+              <a:spcBef>
+                <a:spcPct val="0"/>
+              </a:spcBef>
+              <a:buNone/>
+              <a:defRPr sz="3200" kern="1200">
+                <a:solidFill>
+                  <a:schemeClr val="bg1"/>
+                </a:solidFill>
+                <a:latin typeface="HY헤드라인M" panose="02030600000101010101" pitchFamily="18" charset="-127"/>
+                <a:ea typeface="HY헤드라인M" panose="02030600000101010101" pitchFamily="18" charset="-127"/>
+                <a:cs typeface="+mj-cs"/>
+              </a:defRPr>
+            </a:lvl1pPr>
+          </a:lstStyle>
+          <a:p>
+            <a:r>
+              <a:rPr lang="en-US" altLang="ko-KR" dirty="0" smtClean="0"/>
+              <a:t> </a:t>
+            </a:r>
+            <a:endParaRPr lang="ko-KR" altLang="en-US" dirty="0"/>
+          </a:p>
+        </p:txBody>
+      </p:sp>
+      <p:sp>
+        <p:nvSpPr>
+          <p:cNvPr id="11" name="제목 5"/>
+          <p:cNvSpPr txBox="1">
+            <a:spLocks/>
+          </p:cNvSpPr>
+          <p:nvPr/>
+        </p:nvSpPr>
+        <p:spPr>
+          <a:xfrm>
+            <a:off x="152400" y="44624"/>
+            <a:ext cx="6312767" cy="854968"/>
+          </a:xfrm>
+          <a:prstGeom prst="rect">
+            <a:avLst/>
+          </a:prstGeom>
+        </p:spPr>
+        <p:txBody>
+          <a:bodyPr anchor="ctr" anchorCtr="0"/>
+          <a:lstStyle>
+            <a:lvl1pPr algn="l" defTabSz="914400" rtl="0" eaLnBrk="1" latinLnBrk="1" hangingPunct="1">
+              <a:spcBef>
+                <a:spcPct val="0"/>
+              </a:spcBef>
+              <a:buNone/>
+              <a:defRPr sz="3200" kern="1200">
+                <a:solidFill>
+                  <a:schemeClr val="bg1"/>
+                </a:solidFill>
+                <a:latin typeface="HY헤드라인M" panose="02030600000101010101" pitchFamily="18" charset="-127"/>
+                <a:ea typeface="HY헤드라인M" panose="02030600000101010101" pitchFamily="18" charset="-127"/>
+                <a:cs typeface="+mj-cs"/>
+              </a:defRPr>
+            </a:lvl1pPr>
+          </a:lstStyle>
+          <a:p>
+            <a:r>
+              <a:rPr lang="en-US" altLang="ko-KR" dirty="0" smtClean="0"/>
+              <a:t> </a:t>
+            </a:r>
+            <a:r>
+              <a:rPr lang="ko-KR" altLang="en-US" dirty="0" smtClean="0"/>
+              <a:t>파일 업로드</a:t>
+            </a:r>
+            <a:r>
+              <a:rPr lang="en-US" altLang="ko-KR" dirty="0" smtClean="0"/>
+              <a:t>(</a:t>
+            </a:r>
+            <a:r>
+              <a:rPr lang="ko-KR" altLang="en-US" dirty="0" err="1" smtClean="0"/>
+              <a:t>첨부기능</a:t>
+            </a:r>
+            <a:r>
+              <a:rPr lang="en-US" altLang="ko-KR" dirty="0" smtClean="0"/>
+              <a:t>)</a:t>
+            </a:r>
+            <a:endParaRPr lang="ko-KR" altLang="en-US" dirty="0"/>
+          </a:p>
+        </p:txBody>
+      </p:sp>
+      <p:sp>
+        <p:nvSpPr>
+          <p:cNvPr id="9" name="TextBox 8"/>
+          <p:cNvSpPr txBox="1"/>
+          <p:nvPr/>
+        </p:nvSpPr>
+        <p:spPr>
+          <a:xfrm>
+            <a:off x="704528" y="1259550"/>
+            <a:ext cx="3745962" cy="369332"/>
+          </a:xfrm>
+          <a:prstGeom prst="rect">
+            <a:avLst/>
+          </a:prstGeom>
+          <a:noFill/>
+        </p:spPr>
+        <p:txBody>
+          <a:bodyPr wrap="none" rtlCol="0">
+            <a:spAutoFit/>
+          </a:bodyPr>
+          <a:lstStyle/>
+          <a:p>
+            <a:pPr marL="285750" indent="-285750">
+              <a:buFont typeface="Arial" panose="020B0604020202020204" pitchFamily="34" charset="0"/>
+              <a:buChar char="•"/>
+            </a:pPr>
+            <a:r>
+              <a:rPr lang="en-US" altLang="ko-KR" dirty="0" err="1" smtClean="0"/>
+              <a:t>boardForm.jsp</a:t>
+            </a:r>
+            <a:r>
+              <a:rPr lang="ko-KR" altLang="en-US" dirty="0" smtClean="0"/>
+              <a:t> 파일업로드 추가</a:t>
+            </a:r>
+            <a:endParaRPr lang="ko-KR" altLang="en-US" dirty="0"/>
+          </a:p>
+        </p:txBody>
+      </p:sp>
+      <p:pic>
+        <p:nvPicPr>
+          <p:cNvPr id="4" name="그림 3"/>
+          <p:cNvPicPr>
+            <a:picLocks noChangeAspect="1"/>
+          </p:cNvPicPr>
+          <p:nvPr/>
+        </p:nvPicPr>
+        <p:blipFill>
+          <a:blip r:embed="rId2">
+            <a:extLst>
+              <a:ext uri="{28A0092B-C50C-407E-A947-70E740481C1C}">
+                <a14:useLocalDpi xmlns:a14="http://schemas.microsoft.com/office/drawing/2010/main" val="0"/>
+              </a:ext>
+            </a:extLst>
+          </a:blip>
+          <a:stretch>
+            <a:fillRect/>
+          </a:stretch>
+        </p:blipFill>
+        <p:spPr>
+          <a:xfrm>
+            <a:off x="1064568" y="1916832"/>
+            <a:ext cx="7573912" cy="3890856"/>
+          </a:xfrm>
+          <a:prstGeom prst="rect">
+            <a:avLst/>
+          </a:prstGeom>
+          <a:ln>
+            <a:solidFill>
+              <a:schemeClr val="bg1">
+                <a:lumMod val="85000"/>
+              </a:schemeClr>
+            </a:solidFill>
+          </a:ln>
+        </p:spPr>
+      </p:pic>
+    </p:spTree>
+    <p:extLst>
+      <p:ext uri="{BB962C8B-B14F-4D97-AF65-F5344CB8AC3E}">
+        <p14:creationId xmlns:p14="http://schemas.microsoft.com/office/powerpoint/2010/main" val="2353672977"/>
+      </p:ext>
+    </p:extLst>
+  </p:cSld>
+  <p:clrMapOvr>
+    <a:masterClrMapping/>
+  </p:clrMapOvr>
+  <p:timing>
+    <p:tnLst>
+      <p:par>
+        <p:cTn id="1" dur="indefinite" restart="never" nodeType="tmRoot"/>
+      </p:par>
+    </p:tnLst>
+  </p:timing>
+</p:sld>
+</file>
+
+<file path=ppt/slides/slide37.xml><?xml version="1.0" encoding="utf-8"?>
+<p:sld xmlns:a="http://schemas.openxmlformats.org/drawingml/2006/main" xmlns:r="http://schemas.openxmlformats.org/officeDocument/2006/relationships" xmlns:p="http://schemas.openxmlformats.org/presentationml/2006/main">
+  <p:cSld>
+    <p:spTree>
+      <p:nvGrpSpPr>
+        <p:cNvPr id="1" name=""/>
+        <p:cNvGrpSpPr/>
+        <p:nvPr/>
+      </p:nvGrpSpPr>
+      <p:grpSpPr>
+        <a:xfrm>
+          <a:off x="0" y="0"/>
+          <a:ext cx="0" cy="0"/>
+          <a:chOff x="0" y="0"/>
+          <a:chExt cx="0" cy="0"/>
+        </a:xfrm>
+      </p:grpSpPr>
+      <p:sp>
+        <p:nvSpPr>
+          <p:cNvPr id="15" name="제목 5"/>
+          <p:cNvSpPr txBox="1">
+            <a:spLocks/>
+          </p:cNvSpPr>
+          <p:nvPr/>
+        </p:nvSpPr>
+        <p:spPr>
+          <a:xfrm>
+            <a:off x="1" y="-18256"/>
+            <a:ext cx="5079014" cy="854968"/>
+          </a:xfrm>
+          <a:prstGeom prst="rect">
+            <a:avLst/>
+          </a:prstGeom>
+        </p:spPr>
+        <p:txBody>
+          <a:bodyPr anchor="ctr" anchorCtr="0"/>
+          <a:lstStyle>
+            <a:lvl1pPr algn="l" defTabSz="914400" rtl="0" eaLnBrk="1" latinLnBrk="1" hangingPunct="1">
+              <a:spcBef>
+                <a:spcPct val="0"/>
+              </a:spcBef>
+              <a:buNone/>
+              <a:defRPr sz="3200" kern="1200">
+                <a:solidFill>
+                  <a:schemeClr val="bg1"/>
+                </a:solidFill>
+                <a:latin typeface="HY헤드라인M" panose="02030600000101010101" pitchFamily="18" charset="-127"/>
+                <a:ea typeface="HY헤드라인M" panose="02030600000101010101" pitchFamily="18" charset="-127"/>
+                <a:cs typeface="+mj-cs"/>
+              </a:defRPr>
+            </a:lvl1pPr>
+          </a:lstStyle>
+          <a:p>
+            <a:r>
+              <a:rPr lang="en-US" altLang="ko-KR" dirty="0" smtClean="0"/>
+              <a:t> </a:t>
+            </a:r>
+            <a:endParaRPr lang="ko-KR" altLang="en-US" dirty="0"/>
+          </a:p>
+        </p:txBody>
+      </p:sp>
+      <p:sp>
+        <p:nvSpPr>
+          <p:cNvPr id="11" name="제목 5"/>
+          <p:cNvSpPr txBox="1">
+            <a:spLocks/>
+          </p:cNvSpPr>
+          <p:nvPr/>
+        </p:nvSpPr>
+        <p:spPr>
+          <a:xfrm>
+            <a:off x="152400" y="44624"/>
+            <a:ext cx="6312767" cy="854968"/>
+          </a:xfrm>
+          <a:prstGeom prst="rect">
+            <a:avLst/>
+          </a:prstGeom>
+        </p:spPr>
+        <p:txBody>
+          <a:bodyPr anchor="ctr" anchorCtr="0"/>
+          <a:lstStyle>
+            <a:lvl1pPr algn="l" defTabSz="914400" rtl="0" eaLnBrk="1" latinLnBrk="1" hangingPunct="1">
+              <a:spcBef>
+                <a:spcPct val="0"/>
+              </a:spcBef>
+              <a:buNone/>
+              <a:defRPr sz="3200" kern="1200">
+                <a:solidFill>
+                  <a:schemeClr val="bg1"/>
+                </a:solidFill>
+                <a:latin typeface="HY헤드라인M" panose="02030600000101010101" pitchFamily="18" charset="-127"/>
+                <a:ea typeface="HY헤드라인M" panose="02030600000101010101" pitchFamily="18" charset="-127"/>
+                <a:cs typeface="+mj-cs"/>
+              </a:defRPr>
+            </a:lvl1pPr>
+          </a:lstStyle>
+          <a:p>
+            <a:r>
+              <a:rPr lang="en-US" altLang="ko-KR" dirty="0" smtClean="0"/>
+              <a:t> </a:t>
+            </a:r>
+            <a:r>
+              <a:rPr lang="ko-KR" altLang="en-US" dirty="0" smtClean="0"/>
+              <a:t>파일 업로드</a:t>
+            </a:r>
+            <a:r>
+              <a:rPr lang="en-US" altLang="ko-KR" dirty="0" smtClean="0"/>
+              <a:t>(</a:t>
+            </a:r>
+            <a:r>
+              <a:rPr lang="ko-KR" altLang="en-US" dirty="0" err="1" smtClean="0"/>
+              <a:t>첨부기능</a:t>
+            </a:r>
+            <a:r>
+              <a:rPr lang="en-US" altLang="ko-KR" dirty="0" smtClean="0"/>
+              <a:t>)</a:t>
+            </a:r>
+            <a:endParaRPr lang="ko-KR" altLang="en-US" dirty="0"/>
+          </a:p>
+        </p:txBody>
+      </p:sp>
+      <p:sp>
+        <p:nvSpPr>
+          <p:cNvPr id="9" name="TextBox 8"/>
+          <p:cNvSpPr txBox="1"/>
+          <p:nvPr/>
+        </p:nvSpPr>
+        <p:spPr>
+          <a:xfrm>
+            <a:off x="704528" y="1259550"/>
+            <a:ext cx="4265848" cy="369332"/>
+          </a:xfrm>
+          <a:prstGeom prst="rect">
+            <a:avLst/>
+          </a:prstGeom>
+          <a:noFill/>
+        </p:spPr>
+        <p:txBody>
+          <a:bodyPr wrap="none" rtlCol="0">
+            <a:spAutoFit/>
+          </a:bodyPr>
+          <a:lstStyle/>
+          <a:p>
+            <a:pPr marL="285750" indent="-285750">
+              <a:buFont typeface="Arial" panose="020B0604020202020204" pitchFamily="34" charset="0"/>
+              <a:buChar char="•"/>
+            </a:pPr>
+            <a:r>
+              <a:rPr lang="en-US" altLang="ko-KR" dirty="0" err="1" smtClean="0"/>
+              <a:t>MainController</a:t>
+            </a:r>
+            <a:r>
+              <a:rPr lang="ko-KR" altLang="en-US" dirty="0" smtClean="0"/>
+              <a:t>에서 파일업로드 추가</a:t>
+            </a:r>
+            <a:endParaRPr lang="ko-KR" altLang="en-US" dirty="0"/>
+          </a:p>
+        </p:txBody>
+      </p:sp>
+      <p:pic>
+        <p:nvPicPr>
+          <p:cNvPr id="2" name="그림 1"/>
+          <p:cNvPicPr>
+            <a:picLocks noChangeAspect="1"/>
+          </p:cNvPicPr>
+          <p:nvPr/>
+        </p:nvPicPr>
+        <p:blipFill>
+          <a:blip r:embed="rId2">
+            <a:extLst>
+              <a:ext uri="{28A0092B-C50C-407E-A947-70E740481C1C}">
+                <a14:useLocalDpi xmlns:a14="http://schemas.microsoft.com/office/drawing/2010/main" val="0"/>
+              </a:ext>
+            </a:extLst>
+          </a:blip>
+          <a:stretch>
+            <a:fillRect/>
+          </a:stretch>
+        </p:blipFill>
+        <p:spPr>
+          <a:xfrm>
+            <a:off x="1064568" y="1916832"/>
+            <a:ext cx="7262489" cy="3314987"/>
+          </a:xfrm>
+          <a:prstGeom prst="rect">
+            <a:avLst/>
+          </a:prstGeom>
+          <a:ln>
+            <a:solidFill>
+              <a:schemeClr val="bg1">
+                <a:lumMod val="85000"/>
+              </a:schemeClr>
+            </a:solidFill>
+          </a:ln>
+        </p:spPr>
+      </p:pic>
+    </p:spTree>
+    <p:extLst>
+      <p:ext uri="{BB962C8B-B14F-4D97-AF65-F5344CB8AC3E}">
+        <p14:creationId xmlns:p14="http://schemas.microsoft.com/office/powerpoint/2010/main" val="626036119"/>
+      </p:ext>
+    </p:extLst>
+  </p:cSld>
+  <p:clrMapOvr>
+    <a:masterClrMapping/>
+  </p:clrMapOvr>
+  <p:timing>
+    <p:tnLst>
+      <p:par>
+        <p:cTn id="1" dur="indefinite" restart="never" nodeType="tmRoot"/>
+      </p:par>
+    </p:tnLst>
+  </p:timing>
+</p:sld>
+</file>
+
+<file path=ppt/slides/slide38.xml><?xml version="1.0" encoding="utf-8"?>
+<p:sld xmlns:a="http://schemas.openxmlformats.org/drawingml/2006/main" xmlns:r="http://schemas.openxmlformats.org/officeDocument/2006/relationships" xmlns:p="http://schemas.openxmlformats.org/presentationml/2006/main">
+  <p:cSld>
+    <p:spTree>
+      <p:nvGrpSpPr>
+        <p:cNvPr id="1" name=""/>
+        <p:cNvGrpSpPr/>
+        <p:nvPr/>
+      </p:nvGrpSpPr>
+      <p:grpSpPr>
+        <a:xfrm>
+          <a:off x="0" y="0"/>
+          <a:ext cx="0" cy="0"/>
+          <a:chOff x="0" y="0"/>
+          <a:chExt cx="0" cy="0"/>
+        </a:xfrm>
+      </p:grpSpPr>
+      <p:sp>
+        <p:nvSpPr>
+          <p:cNvPr id="15" name="제목 5"/>
+          <p:cNvSpPr txBox="1">
+            <a:spLocks/>
+          </p:cNvSpPr>
+          <p:nvPr/>
+        </p:nvSpPr>
+        <p:spPr>
+          <a:xfrm>
+            <a:off x="1" y="-18256"/>
+            <a:ext cx="5079014" cy="854968"/>
+          </a:xfrm>
+          <a:prstGeom prst="rect">
+            <a:avLst/>
+          </a:prstGeom>
+        </p:spPr>
+        <p:txBody>
+          <a:bodyPr anchor="ctr" anchorCtr="0"/>
+          <a:lstStyle>
+            <a:lvl1pPr algn="l" defTabSz="914400" rtl="0" eaLnBrk="1" latinLnBrk="1" hangingPunct="1">
+              <a:spcBef>
+                <a:spcPct val="0"/>
+              </a:spcBef>
+              <a:buNone/>
+              <a:defRPr sz="3200" kern="1200">
+                <a:solidFill>
+                  <a:schemeClr val="bg1"/>
+                </a:solidFill>
+                <a:latin typeface="HY헤드라인M" panose="02030600000101010101" pitchFamily="18" charset="-127"/>
+                <a:ea typeface="HY헤드라인M" panose="02030600000101010101" pitchFamily="18" charset="-127"/>
+                <a:cs typeface="+mj-cs"/>
+              </a:defRPr>
+            </a:lvl1pPr>
+          </a:lstStyle>
+          <a:p>
+            <a:r>
+              <a:rPr lang="en-US" altLang="ko-KR" dirty="0" smtClean="0"/>
+              <a:t> </a:t>
+            </a:r>
+            <a:endParaRPr lang="ko-KR" altLang="en-US" dirty="0"/>
+          </a:p>
+        </p:txBody>
+      </p:sp>
+      <p:sp>
+        <p:nvSpPr>
+          <p:cNvPr id="11" name="제목 5"/>
+          <p:cNvSpPr txBox="1">
+            <a:spLocks/>
+          </p:cNvSpPr>
+          <p:nvPr/>
+        </p:nvSpPr>
+        <p:spPr>
+          <a:xfrm>
+            <a:off x="152400" y="44624"/>
+            <a:ext cx="6312767" cy="854968"/>
+          </a:xfrm>
+          <a:prstGeom prst="rect">
+            <a:avLst/>
+          </a:prstGeom>
+        </p:spPr>
+        <p:txBody>
+          <a:bodyPr anchor="ctr" anchorCtr="0"/>
+          <a:lstStyle>
+            <a:lvl1pPr algn="l" defTabSz="914400" rtl="0" eaLnBrk="1" latinLnBrk="1" hangingPunct="1">
+              <a:spcBef>
+                <a:spcPct val="0"/>
+              </a:spcBef>
+              <a:buNone/>
+              <a:defRPr sz="3200" kern="1200">
+                <a:solidFill>
+                  <a:schemeClr val="bg1"/>
+                </a:solidFill>
+                <a:latin typeface="HY헤드라인M" panose="02030600000101010101" pitchFamily="18" charset="-127"/>
+                <a:ea typeface="HY헤드라인M" panose="02030600000101010101" pitchFamily="18" charset="-127"/>
+                <a:cs typeface="+mj-cs"/>
+              </a:defRPr>
+            </a:lvl1pPr>
+          </a:lstStyle>
+          <a:p>
+            <a:r>
+              <a:rPr lang="en-US" altLang="ko-KR" dirty="0" smtClean="0"/>
+              <a:t> </a:t>
+            </a:r>
+            <a:r>
+              <a:rPr lang="ko-KR" altLang="en-US" dirty="0" smtClean="0"/>
+              <a:t>파일 업로드</a:t>
+            </a:r>
+            <a:r>
+              <a:rPr lang="en-US" altLang="ko-KR" dirty="0" smtClean="0"/>
+              <a:t>(</a:t>
+            </a:r>
+            <a:r>
+              <a:rPr lang="ko-KR" altLang="en-US" dirty="0" err="1" smtClean="0"/>
+              <a:t>첨부기능</a:t>
+            </a:r>
+            <a:r>
+              <a:rPr lang="en-US" altLang="ko-KR" dirty="0" smtClean="0"/>
+              <a:t>)</a:t>
+            </a:r>
+            <a:endParaRPr lang="ko-KR" altLang="en-US" dirty="0"/>
+          </a:p>
+        </p:txBody>
+      </p:sp>
+      <p:sp>
+        <p:nvSpPr>
+          <p:cNvPr id="9" name="TextBox 8"/>
+          <p:cNvSpPr txBox="1"/>
+          <p:nvPr/>
+        </p:nvSpPr>
+        <p:spPr>
+          <a:xfrm>
+            <a:off x="704528" y="1259550"/>
+            <a:ext cx="3055580" cy="369332"/>
+          </a:xfrm>
+          <a:prstGeom prst="rect">
+            <a:avLst/>
+          </a:prstGeom>
+          <a:noFill/>
+        </p:spPr>
+        <p:txBody>
+          <a:bodyPr wrap="none" rtlCol="0">
+            <a:spAutoFit/>
+          </a:bodyPr>
+          <a:lstStyle/>
+          <a:p>
+            <a:pPr marL="285750" indent="-285750">
+              <a:buFont typeface="Arial" panose="020B0604020202020204" pitchFamily="34" charset="0"/>
+              <a:buChar char="•"/>
+            </a:pPr>
+            <a:r>
+              <a:rPr lang="ko-KR" altLang="en-US" dirty="0" smtClean="0"/>
+              <a:t>서버에 </a:t>
+            </a:r>
+            <a:r>
+              <a:rPr lang="en-US" altLang="ko-KR" dirty="0" smtClean="0"/>
+              <a:t>upload </a:t>
+            </a:r>
+            <a:r>
+              <a:rPr lang="ko-KR" altLang="en-US" dirty="0" smtClean="0"/>
+              <a:t>폴더 생성</a:t>
+            </a:r>
+            <a:endParaRPr lang="ko-KR" altLang="en-US" dirty="0"/>
+          </a:p>
+        </p:txBody>
+      </p:sp>
+      <p:pic>
+        <p:nvPicPr>
+          <p:cNvPr id="3" name="그림 2"/>
+          <p:cNvPicPr>
+            <a:picLocks noChangeAspect="1"/>
+          </p:cNvPicPr>
+          <p:nvPr/>
+        </p:nvPicPr>
+        <p:blipFill>
+          <a:blip r:embed="rId2">
+            <a:extLst>
+              <a:ext uri="{28A0092B-C50C-407E-A947-70E740481C1C}">
+                <a14:useLocalDpi xmlns:a14="http://schemas.microsoft.com/office/drawing/2010/main" val="0"/>
+              </a:ext>
+            </a:extLst>
+          </a:blip>
+          <a:stretch>
+            <a:fillRect/>
+          </a:stretch>
+        </p:blipFill>
+        <p:spPr>
+          <a:xfrm>
+            <a:off x="1089599" y="1844824"/>
+            <a:ext cx="7978831" cy="1905165"/>
+          </a:xfrm>
+          <a:prstGeom prst="rect">
+            <a:avLst/>
+          </a:prstGeom>
+          <a:ln>
+            <a:solidFill>
+              <a:schemeClr val="bg1">
+                <a:lumMod val="85000"/>
+              </a:schemeClr>
+            </a:solidFill>
+          </a:ln>
+        </p:spPr>
+      </p:pic>
+      <p:pic>
+        <p:nvPicPr>
+          <p:cNvPr id="4" name="그림 3"/>
+          <p:cNvPicPr>
+            <a:picLocks noChangeAspect="1"/>
+          </p:cNvPicPr>
+          <p:nvPr/>
+        </p:nvPicPr>
+        <p:blipFill>
+          <a:blip r:embed="rId3">
+            <a:extLst>
+              <a:ext uri="{28A0092B-C50C-407E-A947-70E740481C1C}">
+                <a14:useLocalDpi xmlns:a14="http://schemas.microsoft.com/office/drawing/2010/main" val="0"/>
+              </a:ext>
+            </a:extLst>
+          </a:blip>
+          <a:stretch>
+            <a:fillRect/>
+          </a:stretch>
+        </p:blipFill>
+        <p:spPr>
+          <a:xfrm>
+            <a:off x="848544" y="4541332"/>
+            <a:ext cx="8352928" cy="831884"/>
+          </a:xfrm>
+          <a:prstGeom prst="rect">
+            <a:avLst/>
+          </a:prstGeom>
+          <a:ln>
+            <a:solidFill>
+              <a:schemeClr val="bg1">
+                <a:lumMod val="85000"/>
+              </a:schemeClr>
+            </a:solidFill>
+          </a:ln>
+        </p:spPr>
+      </p:pic>
+      <p:sp>
+        <p:nvSpPr>
+          <p:cNvPr id="8" name="TextBox 7"/>
+          <p:cNvSpPr txBox="1"/>
+          <p:nvPr/>
+        </p:nvSpPr>
+        <p:spPr>
+          <a:xfrm>
+            <a:off x="856928" y="4067780"/>
+            <a:ext cx="2634054" cy="369332"/>
+          </a:xfrm>
+          <a:prstGeom prst="rect">
+            <a:avLst/>
+          </a:prstGeom>
+          <a:noFill/>
+        </p:spPr>
+        <p:txBody>
+          <a:bodyPr wrap="none" rtlCol="0">
+            <a:spAutoFit/>
+          </a:bodyPr>
+          <a:lstStyle/>
+          <a:p>
+            <a:pPr marL="285750" indent="-285750">
+              <a:buFont typeface="Arial" panose="020B0604020202020204" pitchFamily="34" charset="0"/>
+              <a:buChar char="•"/>
+            </a:pPr>
+            <a:r>
+              <a:rPr lang="en-US" altLang="ko-KR" dirty="0" smtClean="0"/>
+              <a:t>DB</a:t>
+            </a:r>
+            <a:r>
+              <a:rPr lang="ko-KR" altLang="en-US" dirty="0" smtClean="0"/>
+              <a:t>에 파일 이름 저장</a:t>
+            </a:r>
+            <a:endParaRPr lang="ko-KR" altLang="en-US" dirty="0"/>
+          </a:p>
+        </p:txBody>
+      </p:sp>
+    </p:spTree>
+    <p:extLst>
+      <p:ext uri="{BB962C8B-B14F-4D97-AF65-F5344CB8AC3E}">
+        <p14:creationId xmlns:p14="http://schemas.microsoft.com/office/powerpoint/2010/main" val="472931773"/>
       </p:ext>
     </p:extLst>
   </p:cSld>
@@ -8744,6 +10808,48 @@
       </p:sp>
       <p:sp>
         <p:nvSpPr>
+          <p:cNvPr id="3" name="TextBox 2"/>
+          <p:cNvSpPr txBox="1"/>
+          <p:nvPr/>
+        </p:nvSpPr>
+        <p:spPr>
+          <a:xfrm>
+            <a:off x="992560" y="1185291"/>
+            <a:ext cx="5256584" cy="400110"/>
+          </a:xfrm>
+          <a:prstGeom prst="rect">
+            <a:avLst/>
+          </a:prstGeom>
+          <a:noFill/>
+        </p:spPr>
+        <p:txBody>
+          <a:bodyPr wrap="square" rtlCol="0">
+            <a:spAutoFit/>
+          </a:bodyPr>
+          <a:lstStyle/>
+          <a:p>
+            <a:r>
+              <a:rPr lang="ko-KR" altLang="en-US" sz="2000" b="1" dirty="0"/>
+              <a:t> </a:t>
+            </a:r>
+            <a:r>
+              <a:rPr lang="en-US" altLang="ko-KR" sz="2000" b="1" dirty="0" smtClean="0"/>
+              <a:t>sequence </a:t>
+            </a:r>
+            <a:r>
+              <a:rPr lang="ko-KR" altLang="en-US" sz="2000" b="1" dirty="0" smtClean="0"/>
+              <a:t>행 번호 오류 해결</a:t>
+            </a:r>
+            <a:r>
+              <a:rPr lang="ko-KR" altLang="en-US" b="1" dirty="0" smtClean="0"/>
+              <a:t> </a:t>
+            </a:r>
+            <a:endParaRPr lang="en-US" altLang="ko-KR" b="1" dirty="0" smtClean="0"/>
+          </a:p>
+        </p:txBody>
+      </p:sp>
+      <p:sp>
+        <p:nvSpPr>
           <p:cNvPr id="11" name="제목 5"/>
           <p:cNvSpPr txBox="1">
             <a:spLocks/>
@@ -8753,7 +10859,7 @@
         <p:spPr>
           <a:xfrm>
             <a:off x="152400" y="44624"/>
-            <a:ext cx="6240759" cy="854968"/>
+            <a:ext cx="6384775" cy="854968"/>
           </a:xfrm>
           <a:prstGeom prst="rect">
             <a:avLst/>
@@ -8809,7 +10915,7 @@
       </p:sp>
       <p:pic>
         <p:nvPicPr>
-          <p:cNvPr id="5" name="그림 4"/>
+          <p:cNvPr id="2" name="그림 1"/>
           <p:cNvPicPr>
             <a:picLocks noChangeAspect="1"/>
           </p:cNvPicPr>
@@ -8829,8 +10935,8 @@
         </p:blipFill>
         <p:spPr>
           <a:xfrm>
-            <a:off x="1424608" y="1124744"/>
-            <a:ext cx="6111770" cy="4701947"/>
+            <a:off x="1512018" y="1893007"/>
+            <a:ext cx="3665538" cy="2331922"/>
           </a:xfrm>
           <a:prstGeom prst="rect">
             <a:avLst/>
@@ -8846,14 +10952,14 @@
       </p:pic>
       <p:sp>
         <p:nvSpPr>
-          <p:cNvPr id="3" name="TextBox 2"/>
+          <p:cNvPr id="5" name="TextBox 4"/>
           <p:cNvSpPr txBox="1"/>
           <p:nvPr/>
         </p:nvSpPr>
         <p:spPr>
           <a:xfrm>
-            <a:off x="7041232" y="1844824"/>
-            <a:ext cx="1800200" cy="400110"/>
+            <a:off x="1424608" y="4509120"/>
+            <a:ext cx="7344816" cy="923330"/>
           </a:xfrm>
           <a:prstGeom prst="rect">
             <a:avLst/>
@@ -8866,22 +10972,76 @@
           </a:bodyPr>
           <a:lstStyle/>
           <a:p>
-            <a:r>
-              <a:rPr lang="en-US" altLang="ko-KR" sz="2000" b="1" dirty="0" smtClean="0"/>
-              <a:t>Board.java</a:t>
-            </a:r>
-            <a:r>
-              <a:rPr lang="ko-KR" altLang="en-US" b="1" dirty="0" smtClean="0"/>
-              <a:t> </a:t>
-            </a:r>
-            <a:endParaRPr lang="en-US" altLang="ko-KR" b="1" dirty="0" smtClean="0"/>
+            <a:pPr marL="285750" indent="-285750">
+              <a:buFontTx/>
+              <a:buChar char="-"/>
+            </a:pPr>
+            <a:r>
+              <a:rPr lang="en-US" altLang="ko-KR" dirty="0" smtClean="0"/>
+              <a:t>1</a:t>
+            </a:r>
+            <a:r>
+              <a:rPr lang="ko-KR" altLang="en-US" dirty="0" smtClean="0"/>
+              <a:t>씩 증가</a:t>
+            </a:r>
+            <a:endParaRPr lang="en-US" altLang="ko-KR" dirty="0" smtClean="0"/>
+          </a:p>
+          <a:p>
+            <a:pPr marL="285750" indent="-285750">
+              <a:buFontTx/>
+              <a:buChar char="-"/>
+            </a:pPr>
+            <a:r>
+              <a:rPr lang="en-US" altLang="ko-KR" dirty="0" smtClean="0"/>
+              <a:t>1</a:t>
+            </a:r>
+            <a:r>
+              <a:rPr lang="ko-KR" altLang="en-US" dirty="0" smtClean="0"/>
+              <a:t>부터 시작해서 </a:t>
+            </a:r>
+            <a:r>
+              <a:rPr lang="en-US" altLang="ko-KR" dirty="0" smtClean="0"/>
+              <a:t>9999</a:t>
+            </a:r>
+            <a:r>
+              <a:rPr lang="ko-KR" altLang="en-US" dirty="0" smtClean="0"/>
+              <a:t>로 끝남</a:t>
+            </a:r>
+            <a:endParaRPr lang="en-US" altLang="ko-KR" dirty="0" smtClean="0"/>
+          </a:p>
+          <a:p>
+            <a:pPr marL="285750" indent="-285750">
+              <a:buFontTx/>
+              <a:buChar char="-"/>
+            </a:pPr>
+            <a:r>
+              <a:rPr lang="ko-KR" altLang="en-US" dirty="0" smtClean="0"/>
+              <a:t>행이 </a:t>
+            </a:r>
+            <a:r>
+              <a:rPr lang="en-US" altLang="ko-KR" dirty="0" smtClean="0"/>
+              <a:t>20</a:t>
+            </a:r>
+            <a:r>
+              <a:rPr lang="ko-KR" altLang="en-US" dirty="0" smtClean="0"/>
+              <a:t>개 증가하는 오류 문제 </a:t>
+            </a:r>
+            <a:r>
+              <a:rPr lang="en-US" altLang="ko-KR" dirty="0" smtClean="0"/>
+              <a:t>- NOCACHE</a:t>
+            </a:r>
+            <a:r>
+              <a:rPr lang="ko-KR" altLang="en-US" dirty="0" smtClean="0"/>
+              <a:t>로 함</a:t>
+            </a:r>
+            <a:endParaRPr lang="ko-KR" altLang="en-US" dirty="0"/>
           </a:p>
         </p:txBody>
       </p:sp>
     </p:spTree>
     <p:extLst>
       <p:ext uri="{BB962C8B-B14F-4D97-AF65-F5344CB8AC3E}">
-        <p14:creationId xmlns:p14="http://schemas.microsoft.com/office/powerpoint/2010/main" val="2601340335"/>
+        <p14:creationId xmlns:p14="http://schemas.microsoft.com/office/powerpoint/2010/main" val="3265446250"/>
       </p:ext>
     </p:extLst>
   </p:cSld>
@@ -9026,7 +11186,7 @@
       </p:sp>
       <p:pic>
         <p:nvPicPr>
-          <p:cNvPr id="2" name="그림 1"/>
+          <p:cNvPr id="5" name="그림 4"/>
           <p:cNvPicPr>
             <a:picLocks noChangeAspect="1"/>
           </p:cNvPicPr>
@@ -9046,8 +11206,8 @@
         </p:blipFill>
         <p:spPr>
           <a:xfrm>
-            <a:off x="1784648" y="1124744"/>
-            <a:ext cx="4766382" cy="5093418"/>
+            <a:off x="1424608" y="1124744"/>
+            <a:ext cx="6111770" cy="4701947"/>
           </a:xfrm>
           <a:prstGeom prst="rect">
             <a:avLst/>
@@ -9061,10 +11221,44 @@
           </a:ln>
         </p:spPr>
       </p:pic>
+      <p:sp>
+        <p:nvSpPr>
+          <p:cNvPr id="3" name="TextBox 2"/>
+          <p:cNvSpPr txBox="1"/>
+          <p:nvPr/>
+        </p:nvSpPr>
+        <p:spPr>
+          <a:xfrm>
+            <a:off x="7041232" y="1844824"/>
+            <a:ext cx="1800200" cy="400110"/>
+          </a:xfrm>
+          <a:prstGeom prst="rect">
+            <a:avLst/>
+          </a:prstGeom>
+          <a:noFill/>
+        </p:spPr>
+        <p:txBody>
+          <a:bodyPr wrap="square" rtlCol="0">
+            <a:spAutoFit/>
+          </a:bodyPr>
+          <a:lstStyle/>
+          <a:p>
+            <a:r>
+              <a:rPr lang="en-US" altLang="ko-KR" sz="2000" b="1" dirty="0" smtClean="0"/>
+              <a:t>Board.java</a:t>
+            </a:r>
+            <a:r>
+              <a:rPr lang="ko-KR" altLang="en-US" b="1" dirty="0" smtClean="0"/>
+              <a:t> </a:t>
+            </a:r>
+            <a:endParaRPr lang="en-US" altLang="ko-KR" b="1" dirty="0" smtClean="0"/>
+          </a:p>
+        </p:txBody>
+      </p:sp>
     </p:spTree>
     <p:extLst>
       <p:ext uri="{BB962C8B-B14F-4D97-AF65-F5344CB8AC3E}">
-        <p14:creationId xmlns:p14="http://schemas.microsoft.com/office/powerpoint/2010/main" val="3395925680"/>
+        <p14:creationId xmlns:p14="http://schemas.microsoft.com/office/powerpoint/2010/main" val="2601340335"/>
       </p:ext>
     </p:extLst>
   </p:cSld>
@@ -9229,8 +11423,8 @@
         </p:blipFill>
         <p:spPr>
           <a:xfrm>
-            <a:off x="1280592" y="1052736"/>
-            <a:ext cx="7187474" cy="5201554"/>
+            <a:off x="1784648" y="1124744"/>
+            <a:ext cx="4766382" cy="5093418"/>
           </a:xfrm>
           <a:prstGeom prst="rect">
             <a:avLst/>
@@ -9244,44 +11438,10 @@
           </a:ln>
         </p:spPr>
       </p:pic>
-      <p:sp>
-        <p:nvSpPr>
-          <p:cNvPr id="3" name="TextBox 2"/>
-          <p:cNvSpPr txBox="1"/>
-          <p:nvPr/>
-        </p:nvSpPr>
-        <p:spPr>
-          <a:xfrm>
-            <a:off x="7041232" y="1628800"/>
-            <a:ext cx="2520279" cy="400110"/>
-          </a:xfrm>
-          <a:prstGeom prst="rect">
-            <a:avLst/>
-          </a:prstGeom>
-          <a:noFill/>
-        </p:spPr>
-        <p:txBody>
-          <a:bodyPr wrap="square" rtlCol="0">
-            <a:spAutoFit/>
-          </a:bodyPr>
-          <a:lstStyle/>
-          <a:p>
-            <a:r>
-              <a:rPr lang="en-US" altLang="ko-KR" sz="2000" b="1" dirty="0" smtClean="0"/>
-              <a:t>BoardDAO.java</a:t>
-            </a:r>
-            <a:r>
-              <a:rPr lang="ko-KR" altLang="en-US" b="1" dirty="0" smtClean="0"/>
-              <a:t> </a:t>
-            </a:r>
-            <a:endParaRPr lang="en-US" altLang="ko-KR" b="1" dirty="0" smtClean="0"/>
-          </a:p>
-        </p:txBody>
-      </p:sp>
     </p:spTree>
     <p:extLst>
       <p:ext uri="{BB962C8B-B14F-4D97-AF65-F5344CB8AC3E}">
-        <p14:creationId xmlns:p14="http://schemas.microsoft.com/office/powerpoint/2010/main" val="1442310772"/>
+        <p14:creationId xmlns:p14="http://schemas.microsoft.com/office/powerpoint/2010/main" val="3395925680"/>
       </p:ext>
     </p:extLst>
   </p:cSld>
@@ -9426,7 +11586,7 @@
       </p:sp>
       <p:pic>
         <p:nvPicPr>
-          <p:cNvPr id="3" name="그림 2"/>
+          <p:cNvPr id="2" name="그림 1"/>
           <p:cNvPicPr>
             <a:picLocks noChangeAspect="1"/>
           </p:cNvPicPr>
@@ -9446,8 +11606,8 @@
         </p:blipFill>
         <p:spPr>
           <a:xfrm>
-            <a:off x="272480" y="1196752"/>
-            <a:ext cx="9449619" cy="4541914"/>
+            <a:off x="1280592" y="1052736"/>
+            <a:ext cx="7187474" cy="5201554"/>
           </a:xfrm>
           <a:prstGeom prst="rect">
             <a:avLst/>
@@ -9461,10 +11621,44 @@
           </a:ln>
         </p:spPr>
       </p:pic>
+      <p:sp>
+        <p:nvSpPr>
+          <p:cNvPr id="3" name="TextBox 2"/>
+          <p:cNvSpPr txBox="1"/>
+          <p:nvPr/>
+        </p:nvSpPr>
+        <p:spPr>
+          <a:xfrm>
+            <a:off x="7041232" y="1628800"/>
+            <a:ext cx="2520279" cy="400110"/>
+          </a:xfrm>
+          <a:prstGeom prst="rect">
+            <a:avLst/>
+          </a:prstGeom>
+          <a:noFill/>
+        </p:spPr>
+        <p:txBody>
+          <a:bodyPr wrap="square" rtlCol="0">
+            <a:spAutoFit/>
+          </a:bodyPr>
+          <a:lstStyle/>
+          <a:p>
+            <a:r>
+              <a:rPr lang="en-US" altLang="ko-KR" sz="2000" b="1" dirty="0" smtClean="0"/>
+              <a:t>BoardDAO.java</a:t>
+            </a:r>
+            <a:r>
+              <a:rPr lang="ko-KR" altLang="en-US" b="1" dirty="0" smtClean="0"/>
+              <a:t> </a:t>
+            </a:r>
+            <a:endParaRPr lang="en-US" altLang="ko-KR" b="1" dirty="0" smtClean="0"/>
+          </a:p>
+        </p:txBody>
+      </p:sp>
     </p:spTree>
     <p:extLst>
       <p:ext uri="{BB962C8B-B14F-4D97-AF65-F5344CB8AC3E}">
-        <p14:creationId xmlns:p14="http://schemas.microsoft.com/office/powerpoint/2010/main" val="4225514863"/>
+        <p14:creationId xmlns:p14="http://schemas.microsoft.com/office/powerpoint/2010/main" val="1442310772"/>
       </p:ext>
     </p:extLst>
   </p:cSld>
@@ -9609,7 +11803,7 @@
       </p:sp>
       <p:pic>
         <p:nvPicPr>
-          <p:cNvPr id="2" name="그림 1"/>
+          <p:cNvPr id="3" name="그림 2"/>
           <p:cNvPicPr>
             <a:picLocks noChangeAspect="1"/>
           </p:cNvPicPr>
@@ -9629,8 +11823,8 @@
         </p:blipFill>
         <p:spPr>
           <a:xfrm>
-            <a:off x="582551" y="1024681"/>
-            <a:ext cx="8740897" cy="4808637"/>
+            <a:off x="272480" y="1196752"/>
+            <a:ext cx="9449619" cy="4541914"/>
           </a:xfrm>
           <a:prstGeom prst="rect">
             <a:avLst/>
@@ -9647,7 +11841,7 @@
     </p:spTree>
     <p:extLst>
       <p:ext uri="{BB962C8B-B14F-4D97-AF65-F5344CB8AC3E}">
-        <p14:creationId xmlns:p14="http://schemas.microsoft.com/office/powerpoint/2010/main" val="3638344914"/>
+        <p14:creationId xmlns:p14="http://schemas.microsoft.com/office/powerpoint/2010/main" val="4225514863"/>
       </p:ext>
     </p:extLst>
   </p:cSld>

--- a/jsp_ppt/10-2장. Jsp - MVC를 이용한 게시판 관리.pptx
+++ b/jsp_ppt/10-2장. Jsp - MVC를 이용한 게시판 관리.pptx
@@ -5,7 +5,7 @@
     <p:sldMasterId id="2147483648" r:id="rId1"/>
   </p:sldMasterIdLst>
   <p:notesMasterIdLst>
-    <p:notesMasterId r:id="rId40"/>
+    <p:notesMasterId r:id="rId47"/>
   </p:notesMasterIdLst>
   <p:sldIdLst>
     <p:sldId id="256" r:id="rId2"/>
@@ -46,6 +46,13 @@
     <p:sldId id="432" r:id="rId37"/>
     <p:sldId id="433" r:id="rId38"/>
     <p:sldId id="435" r:id="rId39"/>
+    <p:sldId id="437" r:id="rId40"/>
+    <p:sldId id="438" r:id="rId41"/>
+    <p:sldId id="439" r:id="rId42"/>
+    <p:sldId id="440" r:id="rId43"/>
+    <p:sldId id="441" r:id="rId44"/>
+    <p:sldId id="442" r:id="rId45"/>
+    <p:sldId id="443" r:id="rId46"/>
   </p:sldIdLst>
   <p:sldSz cx="9906000" cy="6858000" type="A4"/>
   <p:notesSz cx="6858000" cy="9144000"/>
@@ -245,7 +252,7 @@
           <a:p>
             <a:fld id="{7665CDAC-D627-4E87-877A-1B781DD4CADC}" type="datetimeFigureOut">
               <a:rPr lang="ko-KR" altLang="en-US" smtClean="0"/>
-              <a:t>2023-06-14</a:t>
+              <a:t>2023-06-19</a:t>
             </a:fld>
             <a:endParaRPr lang="ko-KR" altLang="en-US"/>
           </a:p>
@@ -783,7 +790,7 @@
           <a:p>
             <a:fld id="{F4AC81B4-D91A-4578-85B3-829E63FCFE17}" type="datetime1">
               <a:rPr lang="ko-KR" altLang="en-US" smtClean="0"/>
-              <a:t>2023-06-14</a:t>
+              <a:t>2023-06-19</a:t>
             </a:fld>
             <a:endParaRPr lang="ko-KR" altLang="en-US"/>
           </a:p>
@@ -1158,7 +1165,7 @@
           <a:p>
             <a:fld id="{F5B77542-37E5-48F2-BAE7-80CC6B0EB6A3}" type="datetime1">
               <a:rPr lang="ko-KR" altLang="en-US" smtClean="0"/>
-              <a:t>2023-06-14</a:t>
+              <a:t>2023-06-19</a:t>
             </a:fld>
             <a:endParaRPr lang="ko-KR" altLang="en-US"/>
           </a:p>
@@ -1338,7 +1345,7 @@
           <a:p>
             <a:fld id="{227CF174-B5AC-4A98-B673-0BE8126D3F27}" type="datetime1">
               <a:rPr lang="ko-KR" altLang="en-US" smtClean="0"/>
-              <a:t>2023-06-14</a:t>
+              <a:t>2023-06-19</a:t>
             </a:fld>
             <a:endParaRPr lang="ko-KR" altLang="en-US"/>
           </a:p>
@@ -1512,7 +1519,7 @@
           <a:p>
             <a:fld id="{E20FDEC8-1339-42E8-9704-2977280C2FD3}" type="datetime1">
               <a:rPr lang="ko-KR" altLang="en-US" smtClean="0"/>
-              <a:t>2023-06-14</a:t>
+              <a:t>2023-06-19</a:t>
             </a:fld>
             <a:endParaRPr lang="ko-KR" altLang="en-US"/>
           </a:p>
@@ -1758,7 +1765,7 @@
           <a:p>
             <a:fld id="{4D18DC76-A282-4817-B790-197F054E1215}" type="datetime1">
               <a:rPr lang="ko-KR" altLang="en-US" smtClean="0"/>
-              <a:t>2023-06-14</a:t>
+              <a:t>2023-06-19</a:t>
             </a:fld>
             <a:endParaRPr lang="ko-KR" altLang="en-US"/>
           </a:p>
@@ -2046,7 +2053,7 @@
           <a:p>
             <a:fld id="{6680AA6C-13D8-43E4-90F0-E6C88A2B9F16}" type="datetime1">
               <a:rPr lang="ko-KR" altLang="en-US" smtClean="0"/>
-              <a:t>2023-06-14</a:t>
+              <a:t>2023-06-19</a:t>
             </a:fld>
             <a:endParaRPr lang="ko-KR" altLang="en-US"/>
           </a:p>
@@ -2468,7 +2475,7 @@
           <a:p>
             <a:fld id="{3EF5B03B-20CC-436E-8601-C933C6C1F4A6}" type="datetime1">
               <a:rPr lang="ko-KR" altLang="en-US" smtClean="0"/>
-              <a:t>2023-06-14</a:t>
+              <a:t>2023-06-19</a:t>
             </a:fld>
             <a:endParaRPr lang="ko-KR" altLang="en-US"/>
           </a:p>
@@ -2586,7 +2593,7 @@
           <a:p>
             <a:fld id="{87B5A15D-8B08-482F-AB47-E416EC355EB6}" type="datetime1">
               <a:rPr lang="ko-KR" altLang="en-US" smtClean="0"/>
-              <a:t>2023-06-14</a:t>
+              <a:t>2023-06-19</a:t>
             </a:fld>
             <a:endParaRPr lang="ko-KR" altLang="en-US"/>
           </a:p>
@@ -2681,7 +2688,7 @@
           <a:p>
             <a:fld id="{A877D7F8-7B64-44F8-A411-CBD22F28CBFF}" type="datetime1">
               <a:rPr lang="ko-KR" altLang="en-US" smtClean="0"/>
-              <a:t>2023-06-14</a:t>
+              <a:t>2023-06-19</a:t>
             </a:fld>
             <a:endParaRPr lang="ko-KR" altLang="en-US"/>
           </a:p>
@@ -2958,7 +2965,7 @@
           <a:p>
             <a:fld id="{E12DBD9B-2BB6-4D1F-BCB4-1E48829C93C3}" type="datetime1">
               <a:rPr lang="ko-KR" altLang="en-US" smtClean="0"/>
-              <a:t>2023-06-14</a:t>
+              <a:t>2023-06-19</a:t>
             </a:fld>
             <a:endParaRPr lang="ko-KR" altLang="en-US"/>
           </a:p>
@@ -3211,7 +3218,7 @@
           <a:p>
             <a:fld id="{17564C48-0CD7-40EB-BE64-BBF4DB8C56AF}" type="datetime1">
               <a:rPr lang="ko-KR" altLang="en-US" smtClean="0"/>
-              <a:t>2023-06-14</a:t>
+              <a:t>2023-06-19</a:t>
             </a:fld>
             <a:endParaRPr lang="ko-KR" altLang="en-US"/>
           </a:p>
@@ -3391,7 +3398,7 @@
           <a:p>
             <a:fld id="{C116BCB4-B68B-4638-8167-F4BDC0A30DA1}" type="datetime1">
               <a:rPr lang="ko-KR" altLang="en-US" smtClean="0"/>
-              <a:t>2023-06-14</a:t>
+              <a:t>2023-06-19</a:t>
             </a:fld>
             <a:endParaRPr lang="ko-KR" altLang="en-US"/>
           </a:p>
@@ -10504,6 +10511,180 @@
 </p:sld>
 </file>
 
+<file path=ppt/slides/slide39.xml><?xml version="1.0" encoding="utf-8"?>
+<p:sld xmlns:a="http://schemas.openxmlformats.org/drawingml/2006/main" xmlns:r="http://schemas.openxmlformats.org/officeDocument/2006/relationships" xmlns:p="http://schemas.openxmlformats.org/presentationml/2006/main">
+  <p:cSld>
+    <p:spTree>
+      <p:nvGrpSpPr>
+        <p:cNvPr id="1" name=""/>
+        <p:cNvGrpSpPr/>
+        <p:nvPr/>
+      </p:nvGrpSpPr>
+      <p:grpSpPr>
+        <a:xfrm>
+          <a:off x="0" y="0"/>
+          <a:ext cx="0" cy="0"/>
+          <a:chOff x="0" y="0"/>
+          <a:chExt cx="0" cy="0"/>
+        </a:xfrm>
+      </p:grpSpPr>
+      <p:sp>
+        <p:nvSpPr>
+          <p:cNvPr id="15" name="제목 5"/>
+          <p:cNvSpPr txBox="1">
+            <a:spLocks/>
+          </p:cNvSpPr>
+          <p:nvPr/>
+        </p:nvSpPr>
+        <p:spPr>
+          <a:xfrm>
+            <a:off x="1" y="-18256"/>
+            <a:ext cx="5079014" cy="854968"/>
+          </a:xfrm>
+          <a:prstGeom prst="rect">
+            <a:avLst/>
+          </a:prstGeom>
+        </p:spPr>
+        <p:txBody>
+          <a:bodyPr anchor="ctr" anchorCtr="0"/>
+          <a:lstStyle>
+            <a:lvl1pPr algn="l" defTabSz="914400" rtl="0" eaLnBrk="1" latinLnBrk="1" hangingPunct="1">
+              <a:spcBef>
+                <a:spcPct val="0"/>
+              </a:spcBef>
+              <a:buNone/>
+              <a:defRPr sz="3200" kern="1200">
+                <a:solidFill>
+                  <a:schemeClr val="bg1"/>
+                </a:solidFill>
+                <a:latin typeface="HY헤드라인M" panose="02030600000101010101" pitchFamily="18" charset="-127"/>
+                <a:ea typeface="HY헤드라인M" panose="02030600000101010101" pitchFamily="18" charset="-127"/>
+                <a:cs typeface="+mj-cs"/>
+              </a:defRPr>
+            </a:lvl1pPr>
+          </a:lstStyle>
+          <a:p>
+            <a:r>
+              <a:rPr lang="en-US" altLang="ko-KR" dirty="0" smtClean="0"/>
+              <a:t> </a:t>
+            </a:r>
+            <a:endParaRPr lang="ko-KR" altLang="en-US" dirty="0"/>
+          </a:p>
+        </p:txBody>
+      </p:sp>
+      <p:sp>
+        <p:nvSpPr>
+          <p:cNvPr id="11" name="제목 5"/>
+          <p:cNvSpPr txBox="1">
+            <a:spLocks/>
+          </p:cNvSpPr>
+          <p:nvPr/>
+        </p:nvSpPr>
+        <p:spPr>
+          <a:xfrm>
+            <a:off x="152400" y="-27384"/>
+            <a:ext cx="6312767" cy="854968"/>
+          </a:xfrm>
+          <a:prstGeom prst="rect">
+            <a:avLst/>
+          </a:prstGeom>
+        </p:spPr>
+        <p:txBody>
+          <a:bodyPr anchor="ctr" anchorCtr="0"/>
+          <a:lstStyle>
+            <a:lvl1pPr algn="l" defTabSz="914400" rtl="0" eaLnBrk="1" latinLnBrk="1" hangingPunct="1">
+              <a:spcBef>
+                <a:spcPct val="0"/>
+              </a:spcBef>
+              <a:buNone/>
+              <a:defRPr sz="3200" kern="1200">
+                <a:solidFill>
+                  <a:schemeClr val="bg1"/>
+                </a:solidFill>
+                <a:latin typeface="HY헤드라인M" panose="02030600000101010101" pitchFamily="18" charset="-127"/>
+                <a:ea typeface="HY헤드라인M" panose="02030600000101010101" pitchFamily="18" charset="-127"/>
+                <a:cs typeface="+mj-cs"/>
+              </a:defRPr>
+            </a:lvl1pPr>
+          </a:lstStyle>
+          <a:p>
+            <a:r>
+              <a:rPr lang="en-US" altLang="ko-KR" dirty="0" smtClean="0"/>
+              <a:t> </a:t>
+            </a:r>
+            <a:r>
+              <a:rPr lang="ko-KR" altLang="en-US" dirty="0" smtClean="0"/>
+              <a:t>게시판 </a:t>
+            </a:r>
+            <a:r>
+              <a:rPr lang="ko-KR" altLang="en-US" dirty="0" err="1" smtClean="0"/>
+              <a:t>페이징</a:t>
+            </a:r>
+            <a:r>
+              <a:rPr lang="ko-KR" altLang="en-US" dirty="0" smtClean="0"/>
+              <a:t> 처리</a:t>
+            </a:r>
+            <a:endParaRPr lang="ko-KR" altLang="en-US" dirty="0"/>
+          </a:p>
+        </p:txBody>
+      </p:sp>
+      <p:pic>
+        <p:nvPicPr>
+          <p:cNvPr id="2" name="그림 1"/>
+          <p:cNvPicPr>
+            <a:picLocks noChangeAspect="1"/>
+          </p:cNvPicPr>
+          <p:nvPr/>
+        </p:nvPicPr>
+        <p:blipFill>
+          <a:blip r:embed="rId2">
+            <a:extLst>
+              <a:ext uri="{28A0092B-C50C-407E-A947-70E740481C1C}">
+                <a14:useLocalDpi xmlns:a14="http://schemas.microsoft.com/office/drawing/2010/main" val="0"/>
+              </a:ext>
+            </a:extLst>
+          </a:blip>
+          <a:stretch>
+            <a:fillRect/>
+          </a:stretch>
+        </p:blipFill>
+        <p:spPr>
+          <a:xfrm>
+            <a:off x="2072680" y="980728"/>
+            <a:ext cx="5112568" cy="5172874"/>
+          </a:xfrm>
+          <a:prstGeom prst="rect">
+            <a:avLst/>
+          </a:prstGeom>
+          <a:ln>
+            <a:solidFill>
+              <a:schemeClr val="bg1">
+                <a:lumMod val="85000"/>
+              </a:schemeClr>
+            </a:solidFill>
+          </a:ln>
+        </p:spPr>
+      </p:pic>
+    </p:spTree>
+    <p:extLst>
+      <p:ext uri="{BB962C8B-B14F-4D97-AF65-F5344CB8AC3E}">
+        <p14:creationId xmlns:p14="http://schemas.microsoft.com/office/powerpoint/2010/main" val="1341041689"/>
+      </p:ext>
+    </p:extLst>
+  </p:cSld>
+  <p:clrMapOvr>
+    <a:masterClrMapping/>
+  </p:clrMapOvr>
+  <p:timing>
+    <p:tnLst>
+      <p:par>
+        <p:cTn id="1" dur="indefinite" restart="never" nodeType="tmRoot"/>
+      </p:par>
+    </p:tnLst>
+  </p:timing>
+</p:sld>
+</file>
+
 <file path=ppt/slides/slide4.xml><?xml version="1.0" encoding="utf-8"?>
 <p:sld xmlns:a="http://schemas.openxmlformats.org/drawingml/2006/main" xmlns:r="http://schemas.openxmlformats.org/officeDocument/2006/relationships" xmlns:p="http://schemas.openxmlformats.org/presentationml/2006/main">
   <p:cSld>
@@ -10729,6 +10910,1151 @@
     <p:extLst>
       <p:ext uri="{BB962C8B-B14F-4D97-AF65-F5344CB8AC3E}">
         <p14:creationId xmlns:p14="http://schemas.microsoft.com/office/powerpoint/2010/main" val="3394243848"/>
+      </p:ext>
+    </p:extLst>
+  </p:cSld>
+  <p:clrMapOvr>
+    <a:masterClrMapping/>
+  </p:clrMapOvr>
+  <p:timing>
+    <p:tnLst>
+      <p:par>
+        <p:cTn id="1" dur="indefinite" restart="never" nodeType="tmRoot"/>
+      </p:par>
+    </p:tnLst>
+  </p:timing>
+</p:sld>
+</file>
+
+<file path=ppt/slides/slide40.xml><?xml version="1.0" encoding="utf-8"?>
+<p:sld xmlns:a="http://schemas.openxmlformats.org/drawingml/2006/main" xmlns:r="http://schemas.openxmlformats.org/officeDocument/2006/relationships" xmlns:p="http://schemas.openxmlformats.org/presentationml/2006/main">
+  <p:cSld>
+    <p:spTree>
+      <p:nvGrpSpPr>
+        <p:cNvPr id="1" name=""/>
+        <p:cNvGrpSpPr/>
+        <p:nvPr/>
+      </p:nvGrpSpPr>
+      <p:grpSpPr>
+        <a:xfrm>
+          <a:off x="0" y="0"/>
+          <a:ext cx="0" cy="0"/>
+          <a:chOff x="0" y="0"/>
+          <a:chExt cx="0" cy="0"/>
+        </a:xfrm>
+      </p:grpSpPr>
+      <p:sp>
+        <p:nvSpPr>
+          <p:cNvPr id="15" name="제목 5"/>
+          <p:cNvSpPr txBox="1">
+            <a:spLocks/>
+          </p:cNvSpPr>
+          <p:nvPr/>
+        </p:nvSpPr>
+        <p:spPr>
+          <a:xfrm>
+            <a:off x="1" y="-18256"/>
+            <a:ext cx="5079014" cy="854968"/>
+          </a:xfrm>
+          <a:prstGeom prst="rect">
+            <a:avLst/>
+          </a:prstGeom>
+        </p:spPr>
+        <p:txBody>
+          <a:bodyPr anchor="ctr" anchorCtr="0"/>
+          <a:lstStyle>
+            <a:lvl1pPr algn="l" defTabSz="914400" rtl="0" eaLnBrk="1" latinLnBrk="1" hangingPunct="1">
+              <a:spcBef>
+                <a:spcPct val="0"/>
+              </a:spcBef>
+              <a:buNone/>
+              <a:defRPr sz="3200" kern="1200">
+                <a:solidFill>
+                  <a:schemeClr val="bg1"/>
+                </a:solidFill>
+                <a:latin typeface="HY헤드라인M" panose="02030600000101010101" pitchFamily="18" charset="-127"/>
+                <a:ea typeface="HY헤드라인M" panose="02030600000101010101" pitchFamily="18" charset="-127"/>
+                <a:cs typeface="+mj-cs"/>
+              </a:defRPr>
+            </a:lvl1pPr>
+          </a:lstStyle>
+          <a:p>
+            <a:r>
+              <a:rPr lang="en-US" altLang="ko-KR" dirty="0" smtClean="0"/>
+              <a:t> </a:t>
+            </a:r>
+            <a:endParaRPr lang="ko-KR" altLang="en-US" dirty="0"/>
+          </a:p>
+        </p:txBody>
+      </p:sp>
+      <p:sp>
+        <p:nvSpPr>
+          <p:cNvPr id="11" name="제목 5"/>
+          <p:cNvSpPr txBox="1">
+            <a:spLocks/>
+          </p:cNvSpPr>
+          <p:nvPr/>
+        </p:nvSpPr>
+        <p:spPr>
+          <a:xfrm>
+            <a:off x="152400" y="-27384"/>
+            <a:ext cx="6312767" cy="854968"/>
+          </a:xfrm>
+          <a:prstGeom prst="rect">
+            <a:avLst/>
+          </a:prstGeom>
+        </p:spPr>
+        <p:txBody>
+          <a:bodyPr anchor="ctr" anchorCtr="0"/>
+          <a:lstStyle>
+            <a:lvl1pPr algn="l" defTabSz="914400" rtl="0" eaLnBrk="1" latinLnBrk="1" hangingPunct="1">
+              <a:spcBef>
+                <a:spcPct val="0"/>
+              </a:spcBef>
+              <a:buNone/>
+              <a:defRPr sz="3200" kern="1200">
+                <a:solidFill>
+                  <a:schemeClr val="bg1"/>
+                </a:solidFill>
+                <a:latin typeface="HY헤드라인M" panose="02030600000101010101" pitchFamily="18" charset="-127"/>
+                <a:ea typeface="HY헤드라인M" panose="02030600000101010101" pitchFamily="18" charset="-127"/>
+                <a:cs typeface="+mj-cs"/>
+              </a:defRPr>
+            </a:lvl1pPr>
+          </a:lstStyle>
+          <a:p>
+            <a:r>
+              <a:rPr lang="en-US" altLang="ko-KR" dirty="0" smtClean="0"/>
+              <a:t> </a:t>
+            </a:r>
+            <a:r>
+              <a:rPr lang="ko-KR" altLang="en-US" dirty="0" smtClean="0"/>
+              <a:t>게시판 </a:t>
+            </a:r>
+            <a:r>
+              <a:rPr lang="ko-KR" altLang="en-US" dirty="0" err="1" smtClean="0"/>
+              <a:t>페이징</a:t>
+            </a:r>
+            <a:r>
+              <a:rPr lang="ko-KR" altLang="en-US" dirty="0" smtClean="0"/>
+              <a:t> 처리</a:t>
+            </a:r>
+            <a:endParaRPr lang="ko-KR" altLang="en-US" dirty="0"/>
+          </a:p>
+        </p:txBody>
+      </p:sp>
+      <p:pic>
+        <p:nvPicPr>
+          <p:cNvPr id="3" name="그림 2"/>
+          <p:cNvPicPr>
+            <a:picLocks noChangeAspect="1"/>
+          </p:cNvPicPr>
+          <p:nvPr/>
+        </p:nvPicPr>
+        <p:blipFill>
+          <a:blip r:embed="rId2">
+            <a:extLst>
+              <a:ext uri="{28A0092B-C50C-407E-A947-70E740481C1C}">
+                <a14:useLocalDpi xmlns:a14="http://schemas.microsoft.com/office/drawing/2010/main" val="0"/>
+              </a:ext>
+            </a:extLst>
+          </a:blip>
+          <a:stretch>
+            <a:fillRect/>
+          </a:stretch>
+        </p:blipFill>
+        <p:spPr>
+          <a:xfrm>
+            <a:off x="1064568" y="1340768"/>
+            <a:ext cx="7323455" cy="2057578"/>
+          </a:xfrm>
+          <a:prstGeom prst="rect">
+            <a:avLst/>
+          </a:prstGeom>
+          <a:ln>
+            <a:solidFill>
+              <a:schemeClr val="bg1">
+                <a:lumMod val="85000"/>
+              </a:schemeClr>
+            </a:solidFill>
+          </a:ln>
+        </p:spPr>
+      </p:pic>
+      <p:pic>
+        <p:nvPicPr>
+          <p:cNvPr id="4" name="그림 3"/>
+          <p:cNvPicPr>
+            <a:picLocks noChangeAspect="1"/>
+          </p:cNvPicPr>
+          <p:nvPr/>
+        </p:nvPicPr>
+        <p:blipFill>
+          <a:blip r:embed="rId3">
+            <a:extLst>
+              <a:ext uri="{28A0092B-C50C-407E-A947-70E740481C1C}">
+                <a14:useLocalDpi xmlns:a14="http://schemas.microsoft.com/office/drawing/2010/main" val="0"/>
+              </a:ext>
+            </a:extLst>
+          </a:blip>
+          <a:stretch>
+            <a:fillRect/>
+          </a:stretch>
+        </p:blipFill>
+        <p:spPr>
+          <a:xfrm>
+            <a:off x="1058957" y="3789040"/>
+            <a:ext cx="8064896" cy="1975934"/>
+          </a:xfrm>
+          <a:prstGeom prst="rect">
+            <a:avLst/>
+          </a:prstGeom>
+          <a:ln>
+            <a:solidFill>
+              <a:schemeClr val="bg1">
+                <a:lumMod val="85000"/>
+              </a:schemeClr>
+            </a:solidFill>
+          </a:ln>
+        </p:spPr>
+      </p:pic>
+    </p:spTree>
+    <p:extLst>
+      <p:ext uri="{BB962C8B-B14F-4D97-AF65-F5344CB8AC3E}">
+        <p14:creationId xmlns:p14="http://schemas.microsoft.com/office/powerpoint/2010/main" val="3476067716"/>
+      </p:ext>
+    </p:extLst>
+  </p:cSld>
+  <p:clrMapOvr>
+    <a:masterClrMapping/>
+  </p:clrMapOvr>
+  <p:timing>
+    <p:tnLst>
+      <p:par>
+        <p:cTn id="1" dur="indefinite" restart="never" nodeType="tmRoot"/>
+      </p:par>
+    </p:tnLst>
+  </p:timing>
+</p:sld>
+</file>
+
+<file path=ppt/slides/slide41.xml><?xml version="1.0" encoding="utf-8"?>
+<p:sld xmlns:a="http://schemas.openxmlformats.org/drawingml/2006/main" xmlns:r="http://schemas.openxmlformats.org/officeDocument/2006/relationships" xmlns:p="http://schemas.openxmlformats.org/presentationml/2006/main">
+  <p:cSld>
+    <p:spTree>
+      <p:nvGrpSpPr>
+        <p:cNvPr id="1" name=""/>
+        <p:cNvGrpSpPr/>
+        <p:nvPr/>
+      </p:nvGrpSpPr>
+      <p:grpSpPr>
+        <a:xfrm>
+          <a:off x="0" y="0"/>
+          <a:ext cx="0" cy="0"/>
+          <a:chOff x="0" y="0"/>
+          <a:chExt cx="0" cy="0"/>
+        </a:xfrm>
+      </p:grpSpPr>
+      <p:sp>
+        <p:nvSpPr>
+          <p:cNvPr id="15" name="제목 5"/>
+          <p:cNvSpPr txBox="1">
+            <a:spLocks/>
+          </p:cNvSpPr>
+          <p:nvPr/>
+        </p:nvSpPr>
+        <p:spPr>
+          <a:xfrm>
+            <a:off x="1" y="-18256"/>
+            <a:ext cx="5079014" cy="854968"/>
+          </a:xfrm>
+          <a:prstGeom prst="rect">
+            <a:avLst/>
+          </a:prstGeom>
+        </p:spPr>
+        <p:txBody>
+          <a:bodyPr anchor="ctr" anchorCtr="0"/>
+          <a:lstStyle>
+            <a:lvl1pPr algn="l" defTabSz="914400" rtl="0" eaLnBrk="1" latinLnBrk="1" hangingPunct="1">
+              <a:spcBef>
+                <a:spcPct val="0"/>
+              </a:spcBef>
+              <a:buNone/>
+              <a:defRPr sz="3200" kern="1200">
+                <a:solidFill>
+                  <a:schemeClr val="bg1"/>
+                </a:solidFill>
+                <a:latin typeface="HY헤드라인M" panose="02030600000101010101" pitchFamily="18" charset="-127"/>
+                <a:ea typeface="HY헤드라인M" panose="02030600000101010101" pitchFamily="18" charset="-127"/>
+                <a:cs typeface="+mj-cs"/>
+              </a:defRPr>
+            </a:lvl1pPr>
+          </a:lstStyle>
+          <a:p>
+            <a:r>
+              <a:rPr lang="en-US" altLang="ko-KR" dirty="0" smtClean="0"/>
+              <a:t> </a:t>
+            </a:r>
+            <a:endParaRPr lang="ko-KR" altLang="en-US" dirty="0"/>
+          </a:p>
+        </p:txBody>
+      </p:sp>
+      <p:sp>
+        <p:nvSpPr>
+          <p:cNvPr id="11" name="제목 5"/>
+          <p:cNvSpPr txBox="1">
+            <a:spLocks/>
+          </p:cNvSpPr>
+          <p:nvPr/>
+        </p:nvSpPr>
+        <p:spPr>
+          <a:xfrm>
+            <a:off x="152400" y="-27384"/>
+            <a:ext cx="6312767" cy="854968"/>
+          </a:xfrm>
+          <a:prstGeom prst="rect">
+            <a:avLst/>
+          </a:prstGeom>
+        </p:spPr>
+        <p:txBody>
+          <a:bodyPr anchor="ctr" anchorCtr="0"/>
+          <a:lstStyle>
+            <a:lvl1pPr algn="l" defTabSz="914400" rtl="0" eaLnBrk="1" latinLnBrk="1" hangingPunct="1">
+              <a:spcBef>
+                <a:spcPct val="0"/>
+              </a:spcBef>
+              <a:buNone/>
+              <a:defRPr sz="3200" kern="1200">
+                <a:solidFill>
+                  <a:schemeClr val="bg1"/>
+                </a:solidFill>
+                <a:latin typeface="HY헤드라인M" panose="02030600000101010101" pitchFamily="18" charset="-127"/>
+                <a:ea typeface="HY헤드라인M" panose="02030600000101010101" pitchFamily="18" charset="-127"/>
+                <a:cs typeface="+mj-cs"/>
+              </a:defRPr>
+            </a:lvl1pPr>
+          </a:lstStyle>
+          <a:p>
+            <a:r>
+              <a:rPr lang="en-US" altLang="ko-KR" dirty="0" smtClean="0"/>
+              <a:t> </a:t>
+            </a:r>
+            <a:r>
+              <a:rPr lang="ko-KR" altLang="en-US" dirty="0" smtClean="0"/>
+              <a:t>게시판 </a:t>
+            </a:r>
+            <a:r>
+              <a:rPr lang="ko-KR" altLang="en-US" dirty="0" err="1" smtClean="0"/>
+              <a:t>페이징</a:t>
+            </a:r>
+            <a:r>
+              <a:rPr lang="ko-KR" altLang="en-US" dirty="0" smtClean="0"/>
+              <a:t> 처리</a:t>
+            </a:r>
+            <a:endParaRPr lang="ko-KR" altLang="en-US" dirty="0"/>
+          </a:p>
+        </p:txBody>
+      </p:sp>
+      <p:pic>
+        <p:nvPicPr>
+          <p:cNvPr id="2" name="그림 1"/>
+          <p:cNvPicPr>
+            <a:picLocks noChangeAspect="1"/>
+          </p:cNvPicPr>
+          <p:nvPr/>
+        </p:nvPicPr>
+        <p:blipFill>
+          <a:blip r:embed="rId2">
+            <a:extLst>
+              <a:ext uri="{28A0092B-C50C-407E-A947-70E740481C1C}">
+                <a14:useLocalDpi xmlns:a14="http://schemas.microsoft.com/office/drawing/2010/main" val="0"/>
+              </a:ext>
+            </a:extLst>
+          </a:blip>
+          <a:stretch>
+            <a:fillRect/>
+          </a:stretch>
+        </p:blipFill>
+        <p:spPr>
+          <a:xfrm>
+            <a:off x="632520" y="1268760"/>
+            <a:ext cx="8697416" cy="4491780"/>
+          </a:xfrm>
+          <a:prstGeom prst="rect">
+            <a:avLst/>
+          </a:prstGeom>
+          <a:ln>
+            <a:solidFill>
+              <a:schemeClr val="bg1">
+                <a:lumMod val="85000"/>
+              </a:schemeClr>
+            </a:solidFill>
+          </a:ln>
+        </p:spPr>
+      </p:pic>
+      <p:sp>
+        <p:nvSpPr>
+          <p:cNvPr id="7" name="TextBox 6"/>
+          <p:cNvSpPr txBox="1"/>
+          <p:nvPr/>
+        </p:nvSpPr>
+        <p:spPr>
+          <a:xfrm>
+            <a:off x="7401272" y="1916832"/>
+            <a:ext cx="2124236" cy="400110"/>
+          </a:xfrm>
+          <a:prstGeom prst="rect">
+            <a:avLst/>
+          </a:prstGeom>
+          <a:noFill/>
+        </p:spPr>
+        <p:txBody>
+          <a:bodyPr wrap="square" rtlCol="0">
+            <a:spAutoFit/>
+          </a:bodyPr>
+          <a:lstStyle/>
+          <a:p>
+            <a:r>
+              <a:rPr lang="ko-KR" altLang="en-US" sz="2000" dirty="0"/>
+              <a:t> </a:t>
+            </a:r>
+            <a:r>
+              <a:rPr lang="en-US" altLang="ko-KR" sz="2000" dirty="0" err="1" smtClean="0"/>
+              <a:t>boardList.jsp</a:t>
+            </a:r>
+            <a:endParaRPr lang="en-US" altLang="ko-KR" dirty="0" smtClean="0"/>
+          </a:p>
+        </p:txBody>
+      </p:sp>
+    </p:spTree>
+    <p:extLst>
+      <p:ext uri="{BB962C8B-B14F-4D97-AF65-F5344CB8AC3E}">
+        <p14:creationId xmlns:p14="http://schemas.microsoft.com/office/powerpoint/2010/main" val="441690517"/>
+      </p:ext>
+    </p:extLst>
+  </p:cSld>
+  <p:clrMapOvr>
+    <a:masterClrMapping/>
+  </p:clrMapOvr>
+  <p:timing>
+    <p:tnLst>
+      <p:par>
+        <p:cTn id="1" dur="indefinite" restart="never" nodeType="tmRoot"/>
+      </p:par>
+    </p:tnLst>
+  </p:timing>
+</p:sld>
+</file>
+
+<file path=ppt/slides/slide42.xml><?xml version="1.0" encoding="utf-8"?>
+<p:sld xmlns:a="http://schemas.openxmlformats.org/drawingml/2006/main" xmlns:r="http://schemas.openxmlformats.org/officeDocument/2006/relationships" xmlns:p="http://schemas.openxmlformats.org/presentationml/2006/main">
+  <p:cSld>
+    <p:spTree>
+      <p:nvGrpSpPr>
+        <p:cNvPr id="1" name=""/>
+        <p:cNvGrpSpPr/>
+        <p:nvPr/>
+      </p:nvGrpSpPr>
+      <p:grpSpPr>
+        <a:xfrm>
+          <a:off x="0" y="0"/>
+          <a:ext cx="0" cy="0"/>
+          <a:chOff x="0" y="0"/>
+          <a:chExt cx="0" cy="0"/>
+        </a:xfrm>
+      </p:grpSpPr>
+      <p:sp>
+        <p:nvSpPr>
+          <p:cNvPr id="15" name="제목 5"/>
+          <p:cNvSpPr txBox="1">
+            <a:spLocks/>
+          </p:cNvSpPr>
+          <p:nvPr/>
+        </p:nvSpPr>
+        <p:spPr>
+          <a:xfrm>
+            <a:off x="1" y="-18256"/>
+            <a:ext cx="5079014" cy="854968"/>
+          </a:xfrm>
+          <a:prstGeom prst="rect">
+            <a:avLst/>
+          </a:prstGeom>
+        </p:spPr>
+        <p:txBody>
+          <a:bodyPr anchor="ctr" anchorCtr="0"/>
+          <a:lstStyle>
+            <a:lvl1pPr algn="l" defTabSz="914400" rtl="0" eaLnBrk="1" latinLnBrk="1" hangingPunct="1">
+              <a:spcBef>
+                <a:spcPct val="0"/>
+              </a:spcBef>
+              <a:buNone/>
+              <a:defRPr sz="3200" kern="1200">
+                <a:solidFill>
+                  <a:schemeClr val="bg1"/>
+                </a:solidFill>
+                <a:latin typeface="HY헤드라인M" panose="02030600000101010101" pitchFamily="18" charset="-127"/>
+                <a:ea typeface="HY헤드라인M" panose="02030600000101010101" pitchFamily="18" charset="-127"/>
+                <a:cs typeface="+mj-cs"/>
+              </a:defRPr>
+            </a:lvl1pPr>
+          </a:lstStyle>
+          <a:p>
+            <a:r>
+              <a:rPr lang="en-US" altLang="ko-KR" dirty="0" smtClean="0"/>
+              <a:t> </a:t>
+            </a:r>
+            <a:endParaRPr lang="ko-KR" altLang="en-US" dirty="0"/>
+          </a:p>
+        </p:txBody>
+      </p:sp>
+      <p:sp>
+        <p:nvSpPr>
+          <p:cNvPr id="11" name="제목 5"/>
+          <p:cNvSpPr txBox="1">
+            <a:spLocks/>
+          </p:cNvSpPr>
+          <p:nvPr/>
+        </p:nvSpPr>
+        <p:spPr>
+          <a:xfrm>
+            <a:off x="152400" y="-27384"/>
+            <a:ext cx="6312767" cy="854968"/>
+          </a:xfrm>
+          <a:prstGeom prst="rect">
+            <a:avLst/>
+          </a:prstGeom>
+        </p:spPr>
+        <p:txBody>
+          <a:bodyPr anchor="ctr" anchorCtr="0"/>
+          <a:lstStyle>
+            <a:lvl1pPr algn="l" defTabSz="914400" rtl="0" eaLnBrk="1" latinLnBrk="1" hangingPunct="1">
+              <a:spcBef>
+                <a:spcPct val="0"/>
+              </a:spcBef>
+              <a:buNone/>
+              <a:defRPr sz="3200" kern="1200">
+                <a:solidFill>
+                  <a:schemeClr val="bg1"/>
+                </a:solidFill>
+                <a:latin typeface="HY헤드라인M" panose="02030600000101010101" pitchFamily="18" charset="-127"/>
+                <a:ea typeface="HY헤드라인M" panose="02030600000101010101" pitchFamily="18" charset="-127"/>
+                <a:cs typeface="+mj-cs"/>
+              </a:defRPr>
+            </a:lvl1pPr>
+          </a:lstStyle>
+          <a:p>
+            <a:r>
+              <a:rPr lang="en-US" altLang="ko-KR" dirty="0" smtClean="0"/>
+              <a:t> </a:t>
+            </a:r>
+            <a:r>
+              <a:rPr lang="ko-KR" altLang="en-US" dirty="0" smtClean="0"/>
+              <a:t>게시판 </a:t>
+            </a:r>
+            <a:r>
+              <a:rPr lang="ko-KR" altLang="en-US" dirty="0" err="1" smtClean="0"/>
+              <a:t>페이징</a:t>
+            </a:r>
+            <a:r>
+              <a:rPr lang="ko-KR" altLang="en-US" dirty="0" smtClean="0"/>
+              <a:t> 처리</a:t>
+            </a:r>
+            <a:endParaRPr lang="ko-KR" altLang="en-US" dirty="0"/>
+          </a:p>
+        </p:txBody>
+      </p:sp>
+      <p:pic>
+        <p:nvPicPr>
+          <p:cNvPr id="3" name="그림 2"/>
+          <p:cNvPicPr>
+            <a:picLocks noChangeAspect="1"/>
+          </p:cNvPicPr>
+          <p:nvPr/>
+        </p:nvPicPr>
+        <p:blipFill>
+          <a:blip r:embed="rId2">
+            <a:extLst>
+              <a:ext uri="{28A0092B-C50C-407E-A947-70E740481C1C}">
+                <a14:useLocalDpi xmlns:a14="http://schemas.microsoft.com/office/drawing/2010/main" val="0"/>
+              </a:ext>
+            </a:extLst>
+          </a:blip>
+          <a:stretch>
+            <a:fillRect/>
+          </a:stretch>
+        </p:blipFill>
+        <p:spPr>
+          <a:xfrm>
+            <a:off x="990256" y="1611472"/>
+            <a:ext cx="7925487" cy="3635055"/>
+          </a:xfrm>
+          <a:prstGeom prst="rect">
+            <a:avLst/>
+          </a:prstGeom>
+          <a:ln>
+            <a:solidFill>
+              <a:schemeClr val="bg1">
+                <a:lumMod val="85000"/>
+              </a:schemeClr>
+            </a:solidFill>
+          </a:ln>
+        </p:spPr>
+      </p:pic>
+    </p:spTree>
+    <p:extLst>
+      <p:ext uri="{BB962C8B-B14F-4D97-AF65-F5344CB8AC3E}">
+        <p14:creationId xmlns:p14="http://schemas.microsoft.com/office/powerpoint/2010/main" val="732002759"/>
+      </p:ext>
+    </p:extLst>
+  </p:cSld>
+  <p:clrMapOvr>
+    <a:masterClrMapping/>
+  </p:clrMapOvr>
+  <p:timing>
+    <p:tnLst>
+      <p:par>
+        <p:cTn id="1" dur="indefinite" restart="never" nodeType="tmRoot"/>
+      </p:par>
+    </p:tnLst>
+  </p:timing>
+</p:sld>
+</file>
+
+<file path=ppt/slides/slide43.xml><?xml version="1.0" encoding="utf-8"?>
+<p:sld xmlns:a="http://schemas.openxmlformats.org/drawingml/2006/main" xmlns:r="http://schemas.openxmlformats.org/officeDocument/2006/relationships" xmlns:p="http://schemas.openxmlformats.org/presentationml/2006/main">
+  <p:cSld>
+    <p:spTree>
+      <p:nvGrpSpPr>
+        <p:cNvPr id="1" name=""/>
+        <p:cNvGrpSpPr/>
+        <p:nvPr/>
+      </p:nvGrpSpPr>
+      <p:grpSpPr>
+        <a:xfrm>
+          <a:off x="0" y="0"/>
+          <a:ext cx="0" cy="0"/>
+          <a:chOff x="0" y="0"/>
+          <a:chExt cx="0" cy="0"/>
+        </a:xfrm>
+      </p:grpSpPr>
+      <p:sp>
+        <p:nvSpPr>
+          <p:cNvPr id="15" name="제목 5"/>
+          <p:cNvSpPr txBox="1">
+            <a:spLocks/>
+          </p:cNvSpPr>
+          <p:nvPr/>
+        </p:nvSpPr>
+        <p:spPr>
+          <a:xfrm>
+            <a:off x="1" y="-18256"/>
+            <a:ext cx="5079014" cy="854968"/>
+          </a:xfrm>
+          <a:prstGeom prst="rect">
+            <a:avLst/>
+          </a:prstGeom>
+        </p:spPr>
+        <p:txBody>
+          <a:bodyPr anchor="ctr" anchorCtr="0"/>
+          <a:lstStyle>
+            <a:lvl1pPr algn="l" defTabSz="914400" rtl="0" eaLnBrk="1" latinLnBrk="1" hangingPunct="1">
+              <a:spcBef>
+                <a:spcPct val="0"/>
+              </a:spcBef>
+              <a:buNone/>
+              <a:defRPr sz="3200" kern="1200">
+                <a:solidFill>
+                  <a:schemeClr val="bg1"/>
+                </a:solidFill>
+                <a:latin typeface="HY헤드라인M" panose="02030600000101010101" pitchFamily="18" charset="-127"/>
+                <a:ea typeface="HY헤드라인M" panose="02030600000101010101" pitchFamily="18" charset="-127"/>
+                <a:cs typeface="+mj-cs"/>
+              </a:defRPr>
+            </a:lvl1pPr>
+          </a:lstStyle>
+          <a:p>
+            <a:r>
+              <a:rPr lang="en-US" altLang="ko-KR" dirty="0" smtClean="0"/>
+              <a:t> </a:t>
+            </a:r>
+            <a:endParaRPr lang="ko-KR" altLang="en-US" dirty="0"/>
+          </a:p>
+        </p:txBody>
+      </p:sp>
+      <p:sp>
+        <p:nvSpPr>
+          <p:cNvPr id="11" name="제목 5"/>
+          <p:cNvSpPr txBox="1">
+            <a:spLocks/>
+          </p:cNvSpPr>
+          <p:nvPr/>
+        </p:nvSpPr>
+        <p:spPr>
+          <a:xfrm>
+            <a:off x="152400" y="-27384"/>
+            <a:ext cx="6312767" cy="854968"/>
+          </a:xfrm>
+          <a:prstGeom prst="rect">
+            <a:avLst/>
+          </a:prstGeom>
+        </p:spPr>
+        <p:txBody>
+          <a:bodyPr anchor="ctr" anchorCtr="0"/>
+          <a:lstStyle>
+            <a:lvl1pPr algn="l" defTabSz="914400" rtl="0" eaLnBrk="1" latinLnBrk="1" hangingPunct="1">
+              <a:spcBef>
+                <a:spcPct val="0"/>
+              </a:spcBef>
+              <a:buNone/>
+              <a:defRPr sz="3200" kern="1200">
+                <a:solidFill>
+                  <a:schemeClr val="bg1"/>
+                </a:solidFill>
+                <a:latin typeface="HY헤드라인M" panose="02030600000101010101" pitchFamily="18" charset="-127"/>
+                <a:ea typeface="HY헤드라인M" panose="02030600000101010101" pitchFamily="18" charset="-127"/>
+                <a:cs typeface="+mj-cs"/>
+              </a:defRPr>
+            </a:lvl1pPr>
+          </a:lstStyle>
+          <a:p>
+            <a:r>
+              <a:rPr lang="en-US" altLang="ko-KR" dirty="0" smtClean="0"/>
+              <a:t> </a:t>
+            </a:r>
+            <a:r>
+              <a:rPr lang="ko-KR" altLang="en-US" dirty="0" smtClean="0"/>
+              <a:t>게시판 </a:t>
+            </a:r>
+            <a:r>
+              <a:rPr lang="ko-KR" altLang="en-US" dirty="0" err="1" smtClean="0"/>
+              <a:t>페이징</a:t>
+            </a:r>
+            <a:r>
+              <a:rPr lang="ko-KR" altLang="en-US" dirty="0" smtClean="0"/>
+              <a:t> 처리</a:t>
+            </a:r>
+            <a:endParaRPr lang="ko-KR" altLang="en-US" dirty="0"/>
+          </a:p>
+        </p:txBody>
+      </p:sp>
+      <p:pic>
+        <p:nvPicPr>
+          <p:cNvPr id="2" name="그림 1"/>
+          <p:cNvPicPr>
+            <a:picLocks noChangeAspect="1"/>
+          </p:cNvPicPr>
+          <p:nvPr/>
+        </p:nvPicPr>
+        <p:blipFill>
+          <a:blip r:embed="rId2">
+            <a:extLst>
+              <a:ext uri="{28A0092B-C50C-407E-A947-70E740481C1C}">
+                <a14:useLocalDpi xmlns:a14="http://schemas.microsoft.com/office/drawing/2010/main" val="0"/>
+              </a:ext>
+            </a:extLst>
+          </a:blip>
+          <a:stretch>
+            <a:fillRect/>
+          </a:stretch>
+        </p:blipFill>
+        <p:spPr>
+          <a:xfrm>
+            <a:off x="488504" y="1196752"/>
+            <a:ext cx="8917834" cy="4680520"/>
+          </a:xfrm>
+          <a:prstGeom prst="rect">
+            <a:avLst/>
+          </a:prstGeom>
+          <a:ln>
+            <a:solidFill>
+              <a:schemeClr val="bg1">
+                <a:lumMod val="85000"/>
+              </a:schemeClr>
+            </a:solidFill>
+          </a:ln>
+        </p:spPr>
+      </p:pic>
+    </p:spTree>
+    <p:extLst>
+      <p:ext uri="{BB962C8B-B14F-4D97-AF65-F5344CB8AC3E}">
+        <p14:creationId xmlns:p14="http://schemas.microsoft.com/office/powerpoint/2010/main" val="3573684489"/>
+      </p:ext>
+    </p:extLst>
+  </p:cSld>
+  <p:clrMapOvr>
+    <a:masterClrMapping/>
+  </p:clrMapOvr>
+  <p:timing>
+    <p:tnLst>
+      <p:par>
+        <p:cTn id="1" dur="indefinite" restart="never" nodeType="tmRoot"/>
+      </p:par>
+    </p:tnLst>
+  </p:timing>
+</p:sld>
+</file>
+
+<file path=ppt/slides/slide44.xml><?xml version="1.0" encoding="utf-8"?>
+<p:sld xmlns:a="http://schemas.openxmlformats.org/drawingml/2006/main" xmlns:r="http://schemas.openxmlformats.org/officeDocument/2006/relationships" xmlns:p="http://schemas.openxmlformats.org/presentationml/2006/main">
+  <p:cSld>
+    <p:spTree>
+      <p:nvGrpSpPr>
+        <p:cNvPr id="1" name=""/>
+        <p:cNvGrpSpPr/>
+        <p:nvPr/>
+      </p:nvGrpSpPr>
+      <p:grpSpPr>
+        <a:xfrm>
+          <a:off x="0" y="0"/>
+          <a:ext cx="0" cy="0"/>
+          <a:chOff x="0" y="0"/>
+          <a:chExt cx="0" cy="0"/>
+        </a:xfrm>
+      </p:grpSpPr>
+      <p:sp>
+        <p:nvSpPr>
+          <p:cNvPr id="15" name="제목 5"/>
+          <p:cNvSpPr txBox="1">
+            <a:spLocks/>
+          </p:cNvSpPr>
+          <p:nvPr/>
+        </p:nvSpPr>
+        <p:spPr>
+          <a:xfrm>
+            <a:off x="1" y="-18256"/>
+            <a:ext cx="5079014" cy="854968"/>
+          </a:xfrm>
+          <a:prstGeom prst="rect">
+            <a:avLst/>
+          </a:prstGeom>
+        </p:spPr>
+        <p:txBody>
+          <a:bodyPr anchor="ctr" anchorCtr="0"/>
+          <a:lstStyle>
+            <a:lvl1pPr algn="l" defTabSz="914400" rtl="0" eaLnBrk="1" latinLnBrk="1" hangingPunct="1">
+              <a:spcBef>
+                <a:spcPct val="0"/>
+              </a:spcBef>
+              <a:buNone/>
+              <a:defRPr sz="3200" kern="1200">
+                <a:solidFill>
+                  <a:schemeClr val="bg1"/>
+                </a:solidFill>
+                <a:latin typeface="HY헤드라인M" panose="02030600000101010101" pitchFamily="18" charset="-127"/>
+                <a:ea typeface="HY헤드라인M" panose="02030600000101010101" pitchFamily="18" charset="-127"/>
+                <a:cs typeface="+mj-cs"/>
+              </a:defRPr>
+            </a:lvl1pPr>
+          </a:lstStyle>
+          <a:p>
+            <a:r>
+              <a:rPr lang="en-US" altLang="ko-KR" dirty="0" smtClean="0"/>
+              <a:t> </a:t>
+            </a:r>
+            <a:endParaRPr lang="ko-KR" altLang="en-US" dirty="0"/>
+          </a:p>
+        </p:txBody>
+      </p:sp>
+      <p:sp>
+        <p:nvSpPr>
+          <p:cNvPr id="11" name="제목 5"/>
+          <p:cNvSpPr txBox="1">
+            <a:spLocks/>
+          </p:cNvSpPr>
+          <p:nvPr/>
+        </p:nvSpPr>
+        <p:spPr>
+          <a:xfrm>
+            <a:off x="152400" y="-27384"/>
+            <a:ext cx="6312767" cy="854968"/>
+          </a:xfrm>
+          <a:prstGeom prst="rect">
+            <a:avLst/>
+          </a:prstGeom>
+        </p:spPr>
+        <p:txBody>
+          <a:bodyPr anchor="ctr" anchorCtr="0"/>
+          <a:lstStyle>
+            <a:lvl1pPr algn="l" defTabSz="914400" rtl="0" eaLnBrk="1" latinLnBrk="1" hangingPunct="1">
+              <a:spcBef>
+                <a:spcPct val="0"/>
+              </a:spcBef>
+              <a:buNone/>
+              <a:defRPr sz="3200" kern="1200">
+                <a:solidFill>
+                  <a:schemeClr val="bg1"/>
+                </a:solidFill>
+                <a:latin typeface="HY헤드라인M" panose="02030600000101010101" pitchFamily="18" charset="-127"/>
+                <a:ea typeface="HY헤드라인M" panose="02030600000101010101" pitchFamily="18" charset="-127"/>
+                <a:cs typeface="+mj-cs"/>
+              </a:defRPr>
+            </a:lvl1pPr>
+          </a:lstStyle>
+          <a:p>
+            <a:r>
+              <a:rPr lang="en-US" altLang="ko-KR" dirty="0" smtClean="0"/>
+              <a:t> </a:t>
+            </a:r>
+            <a:r>
+              <a:rPr lang="ko-KR" altLang="en-US" dirty="0" smtClean="0"/>
+              <a:t>게시판 </a:t>
+            </a:r>
+            <a:r>
+              <a:rPr lang="ko-KR" altLang="en-US" dirty="0" err="1" smtClean="0"/>
+              <a:t>페이징</a:t>
+            </a:r>
+            <a:r>
+              <a:rPr lang="ko-KR" altLang="en-US" dirty="0" smtClean="0"/>
+              <a:t> 처리</a:t>
+            </a:r>
+            <a:endParaRPr lang="ko-KR" altLang="en-US" dirty="0"/>
+          </a:p>
+        </p:txBody>
+      </p:sp>
+      <p:pic>
+        <p:nvPicPr>
+          <p:cNvPr id="2" name="그림 1"/>
+          <p:cNvPicPr>
+            <a:picLocks noChangeAspect="1"/>
+          </p:cNvPicPr>
+          <p:nvPr/>
+        </p:nvPicPr>
+        <p:blipFill>
+          <a:blip r:embed="rId2">
+            <a:extLst>
+              <a:ext uri="{28A0092B-C50C-407E-A947-70E740481C1C}">
+                <a14:useLocalDpi xmlns:a14="http://schemas.microsoft.com/office/drawing/2010/main" val="0"/>
+              </a:ext>
+            </a:extLst>
+          </a:blip>
+          <a:stretch>
+            <a:fillRect/>
+          </a:stretch>
+        </p:blipFill>
+        <p:spPr>
+          <a:xfrm>
+            <a:off x="1208584" y="1124744"/>
+            <a:ext cx="6941883" cy="5040560"/>
+          </a:xfrm>
+          <a:prstGeom prst="rect">
+            <a:avLst/>
+          </a:prstGeom>
+          <a:ln>
+            <a:solidFill>
+              <a:schemeClr val="bg1">
+                <a:lumMod val="85000"/>
+              </a:schemeClr>
+            </a:solidFill>
+          </a:ln>
+        </p:spPr>
+      </p:pic>
+      <p:sp>
+        <p:nvSpPr>
+          <p:cNvPr id="4" name="TextBox 3"/>
+          <p:cNvSpPr txBox="1"/>
+          <p:nvPr/>
+        </p:nvSpPr>
+        <p:spPr>
+          <a:xfrm>
+            <a:off x="7329264" y="1772816"/>
+            <a:ext cx="2160240" cy="369332"/>
+          </a:xfrm>
+          <a:prstGeom prst="rect">
+            <a:avLst/>
+          </a:prstGeom>
+          <a:noFill/>
+        </p:spPr>
+        <p:txBody>
+          <a:bodyPr wrap="square" rtlCol="0">
+            <a:spAutoFit/>
+          </a:bodyPr>
+          <a:lstStyle/>
+          <a:p>
+            <a:r>
+              <a:rPr lang="en-US" altLang="ko-KR" dirty="0" smtClean="0"/>
+              <a:t>MainController.java</a:t>
+            </a:r>
+            <a:endParaRPr lang="ko-KR" altLang="en-US" dirty="0"/>
+          </a:p>
+        </p:txBody>
+      </p:sp>
+    </p:spTree>
+    <p:extLst>
+      <p:ext uri="{BB962C8B-B14F-4D97-AF65-F5344CB8AC3E}">
+        <p14:creationId xmlns:p14="http://schemas.microsoft.com/office/powerpoint/2010/main" val="2912074403"/>
+      </p:ext>
+    </p:extLst>
+  </p:cSld>
+  <p:clrMapOvr>
+    <a:masterClrMapping/>
+  </p:clrMapOvr>
+  <p:timing>
+    <p:tnLst>
+      <p:par>
+        <p:cTn id="1" dur="indefinite" restart="never" nodeType="tmRoot"/>
+      </p:par>
+    </p:tnLst>
+  </p:timing>
+</p:sld>
+</file>
+
+<file path=ppt/slides/slide45.xml><?xml version="1.0" encoding="utf-8"?>
+<p:sld xmlns:a="http://schemas.openxmlformats.org/drawingml/2006/main" xmlns:r="http://schemas.openxmlformats.org/officeDocument/2006/relationships" xmlns:p="http://schemas.openxmlformats.org/presentationml/2006/main">
+  <p:cSld>
+    <p:spTree>
+      <p:nvGrpSpPr>
+        <p:cNvPr id="1" name=""/>
+        <p:cNvGrpSpPr/>
+        <p:nvPr/>
+      </p:nvGrpSpPr>
+      <p:grpSpPr>
+        <a:xfrm>
+          <a:off x="0" y="0"/>
+          <a:ext cx="0" cy="0"/>
+          <a:chOff x="0" y="0"/>
+          <a:chExt cx="0" cy="0"/>
+        </a:xfrm>
+      </p:grpSpPr>
+      <p:sp>
+        <p:nvSpPr>
+          <p:cNvPr id="15" name="제목 5"/>
+          <p:cNvSpPr txBox="1">
+            <a:spLocks/>
+          </p:cNvSpPr>
+          <p:nvPr/>
+        </p:nvSpPr>
+        <p:spPr>
+          <a:xfrm>
+            <a:off x="1" y="-18256"/>
+            <a:ext cx="5079014" cy="854968"/>
+          </a:xfrm>
+          <a:prstGeom prst="rect">
+            <a:avLst/>
+          </a:prstGeom>
+        </p:spPr>
+        <p:txBody>
+          <a:bodyPr anchor="ctr" anchorCtr="0"/>
+          <a:lstStyle>
+            <a:lvl1pPr algn="l" defTabSz="914400" rtl="0" eaLnBrk="1" latinLnBrk="1" hangingPunct="1">
+              <a:spcBef>
+                <a:spcPct val="0"/>
+              </a:spcBef>
+              <a:buNone/>
+              <a:defRPr sz="3200" kern="1200">
+                <a:solidFill>
+                  <a:schemeClr val="bg1"/>
+                </a:solidFill>
+                <a:latin typeface="HY헤드라인M" panose="02030600000101010101" pitchFamily="18" charset="-127"/>
+                <a:ea typeface="HY헤드라인M" panose="02030600000101010101" pitchFamily="18" charset="-127"/>
+                <a:cs typeface="+mj-cs"/>
+              </a:defRPr>
+            </a:lvl1pPr>
+          </a:lstStyle>
+          <a:p>
+            <a:r>
+              <a:rPr lang="en-US" altLang="ko-KR" dirty="0" smtClean="0"/>
+              <a:t> </a:t>
+            </a:r>
+            <a:endParaRPr lang="ko-KR" altLang="en-US" dirty="0"/>
+          </a:p>
+        </p:txBody>
+      </p:sp>
+      <p:sp>
+        <p:nvSpPr>
+          <p:cNvPr id="11" name="제목 5"/>
+          <p:cNvSpPr txBox="1">
+            <a:spLocks/>
+          </p:cNvSpPr>
+          <p:nvPr/>
+        </p:nvSpPr>
+        <p:spPr>
+          <a:xfrm>
+            <a:off x="152400" y="-27384"/>
+            <a:ext cx="6312767" cy="854968"/>
+          </a:xfrm>
+          <a:prstGeom prst="rect">
+            <a:avLst/>
+          </a:prstGeom>
+        </p:spPr>
+        <p:txBody>
+          <a:bodyPr anchor="ctr" anchorCtr="0"/>
+          <a:lstStyle>
+            <a:lvl1pPr algn="l" defTabSz="914400" rtl="0" eaLnBrk="1" latinLnBrk="1" hangingPunct="1">
+              <a:spcBef>
+                <a:spcPct val="0"/>
+              </a:spcBef>
+              <a:buNone/>
+              <a:defRPr sz="3200" kern="1200">
+                <a:solidFill>
+                  <a:schemeClr val="bg1"/>
+                </a:solidFill>
+                <a:latin typeface="HY헤드라인M" panose="02030600000101010101" pitchFamily="18" charset="-127"/>
+                <a:ea typeface="HY헤드라인M" panose="02030600000101010101" pitchFamily="18" charset="-127"/>
+                <a:cs typeface="+mj-cs"/>
+              </a:defRPr>
+            </a:lvl1pPr>
+          </a:lstStyle>
+          <a:p>
+            <a:r>
+              <a:rPr lang="en-US" altLang="ko-KR" dirty="0" smtClean="0"/>
+              <a:t> </a:t>
+            </a:r>
+            <a:r>
+              <a:rPr lang="ko-KR" altLang="en-US" dirty="0" smtClean="0"/>
+              <a:t>게시판 </a:t>
+            </a:r>
+            <a:r>
+              <a:rPr lang="ko-KR" altLang="en-US" dirty="0" err="1" smtClean="0"/>
+              <a:t>페이징</a:t>
+            </a:r>
+            <a:r>
+              <a:rPr lang="ko-KR" altLang="en-US" dirty="0" smtClean="0"/>
+              <a:t> 처리</a:t>
+            </a:r>
+            <a:endParaRPr lang="ko-KR" altLang="en-US" dirty="0"/>
+          </a:p>
+        </p:txBody>
+      </p:sp>
+      <p:pic>
+        <p:nvPicPr>
+          <p:cNvPr id="2" name="그림 1"/>
+          <p:cNvPicPr>
+            <a:picLocks noChangeAspect="1"/>
+          </p:cNvPicPr>
+          <p:nvPr/>
+        </p:nvPicPr>
+        <p:blipFill>
+          <a:blip r:embed="rId2">
+            <a:extLst>
+              <a:ext uri="{28A0092B-C50C-407E-A947-70E740481C1C}">
+                <a14:useLocalDpi xmlns:a14="http://schemas.microsoft.com/office/drawing/2010/main" val="0"/>
+              </a:ext>
+            </a:extLst>
+          </a:blip>
+          <a:stretch>
+            <a:fillRect/>
+          </a:stretch>
+        </p:blipFill>
+        <p:spPr>
+          <a:xfrm>
+            <a:off x="670463" y="1556792"/>
+            <a:ext cx="8817104" cy="2720576"/>
+          </a:xfrm>
+          <a:prstGeom prst="rect">
+            <a:avLst/>
+          </a:prstGeom>
+          <a:ln>
+            <a:solidFill>
+              <a:schemeClr val="bg1">
+                <a:lumMod val="85000"/>
+              </a:schemeClr>
+            </a:solidFill>
+          </a:ln>
+        </p:spPr>
+      </p:pic>
+    </p:spTree>
+    <p:extLst>
+      <p:ext uri="{BB962C8B-B14F-4D97-AF65-F5344CB8AC3E}">
+        <p14:creationId xmlns:p14="http://schemas.microsoft.com/office/powerpoint/2010/main" val="3400980832"/>
       </p:ext>
     </p:extLst>
   </p:cSld>

--- a/jsp_ppt/10-2장. Jsp - MVC를 이용한 게시판 관리.pptx
+++ b/jsp_ppt/10-2장. Jsp - MVC를 이용한 게시판 관리.pptx
@@ -252,7 +252,7 @@
           <a:p>
             <a:fld id="{7665CDAC-D627-4E87-877A-1B781DD4CADC}" type="datetimeFigureOut">
               <a:rPr lang="ko-KR" altLang="en-US" smtClean="0"/>
-              <a:t>2023-06-19</a:t>
+              <a:t>2023-06-23</a:t>
             </a:fld>
             <a:endParaRPr lang="ko-KR" altLang="en-US"/>
           </a:p>
@@ -790,7 +790,7 @@
           <a:p>
             <a:fld id="{F4AC81B4-D91A-4578-85B3-829E63FCFE17}" type="datetime1">
               <a:rPr lang="ko-KR" altLang="en-US" smtClean="0"/>
-              <a:t>2023-06-19</a:t>
+              <a:t>2023-06-23</a:t>
             </a:fld>
             <a:endParaRPr lang="ko-KR" altLang="en-US"/>
           </a:p>
@@ -1165,7 +1165,7 @@
           <a:p>
             <a:fld id="{F5B77542-37E5-48F2-BAE7-80CC6B0EB6A3}" type="datetime1">
               <a:rPr lang="ko-KR" altLang="en-US" smtClean="0"/>
-              <a:t>2023-06-19</a:t>
+              <a:t>2023-06-23</a:t>
             </a:fld>
             <a:endParaRPr lang="ko-KR" altLang="en-US"/>
           </a:p>
@@ -1345,7 +1345,7 @@
           <a:p>
             <a:fld id="{227CF174-B5AC-4A98-B673-0BE8126D3F27}" type="datetime1">
               <a:rPr lang="ko-KR" altLang="en-US" smtClean="0"/>
-              <a:t>2023-06-19</a:t>
+              <a:t>2023-06-23</a:t>
             </a:fld>
             <a:endParaRPr lang="ko-KR" altLang="en-US"/>
           </a:p>
@@ -1519,7 +1519,7 @@
           <a:p>
             <a:fld id="{E20FDEC8-1339-42E8-9704-2977280C2FD3}" type="datetime1">
               <a:rPr lang="ko-KR" altLang="en-US" smtClean="0"/>
-              <a:t>2023-06-19</a:t>
+              <a:t>2023-06-23</a:t>
             </a:fld>
             <a:endParaRPr lang="ko-KR" altLang="en-US"/>
           </a:p>
@@ -1765,7 +1765,7 @@
           <a:p>
             <a:fld id="{4D18DC76-A282-4817-B790-197F054E1215}" type="datetime1">
               <a:rPr lang="ko-KR" altLang="en-US" smtClean="0"/>
-              <a:t>2023-06-19</a:t>
+              <a:t>2023-06-23</a:t>
             </a:fld>
             <a:endParaRPr lang="ko-KR" altLang="en-US"/>
           </a:p>
@@ -2053,7 +2053,7 @@
           <a:p>
             <a:fld id="{6680AA6C-13D8-43E4-90F0-E6C88A2B9F16}" type="datetime1">
               <a:rPr lang="ko-KR" altLang="en-US" smtClean="0"/>
-              <a:t>2023-06-19</a:t>
+              <a:t>2023-06-23</a:t>
             </a:fld>
             <a:endParaRPr lang="ko-KR" altLang="en-US"/>
           </a:p>
@@ -2475,7 +2475,7 @@
           <a:p>
             <a:fld id="{3EF5B03B-20CC-436E-8601-C933C6C1F4A6}" type="datetime1">
               <a:rPr lang="ko-KR" altLang="en-US" smtClean="0"/>
-              <a:t>2023-06-19</a:t>
+              <a:t>2023-06-23</a:t>
             </a:fld>
             <a:endParaRPr lang="ko-KR" altLang="en-US"/>
           </a:p>
@@ -2593,7 +2593,7 @@
           <a:p>
             <a:fld id="{87B5A15D-8B08-482F-AB47-E416EC355EB6}" type="datetime1">
               <a:rPr lang="ko-KR" altLang="en-US" smtClean="0"/>
-              <a:t>2023-06-19</a:t>
+              <a:t>2023-06-23</a:t>
             </a:fld>
             <a:endParaRPr lang="ko-KR" altLang="en-US"/>
           </a:p>
@@ -2688,7 +2688,7 @@
           <a:p>
             <a:fld id="{A877D7F8-7B64-44F8-A411-CBD22F28CBFF}" type="datetime1">
               <a:rPr lang="ko-KR" altLang="en-US" smtClean="0"/>
-              <a:t>2023-06-19</a:t>
+              <a:t>2023-06-23</a:t>
             </a:fld>
             <a:endParaRPr lang="ko-KR" altLang="en-US"/>
           </a:p>
@@ -2965,7 +2965,7 @@
           <a:p>
             <a:fld id="{E12DBD9B-2BB6-4D1F-BCB4-1E48829C93C3}" type="datetime1">
               <a:rPr lang="ko-KR" altLang="en-US" smtClean="0"/>
-              <a:t>2023-06-19</a:t>
+              <a:t>2023-06-23</a:t>
             </a:fld>
             <a:endParaRPr lang="ko-KR" altLang="en-US"/>
           </a:p>
@@ -3218,7 +3218,7 @@
           <a:p>
             <a:fld id="{17564C48-0CD7-40EB-BE64-BBF4DB8C56AF}" type="datetime1">
               <a:rPr lang="ko-KR" altLang="en-US" smtClean="0"/>
-              <a:t>2023-06-19</a:t>
+              <a:t>2023-06-23</a:t>
             </a:fld>
             <a:endParaRPr lang="ko-KR" altLang="en-US"/>
           </a:p>
@@ -3398,7 +3398,7 @@
           <a:p>
             <a:fld id="{C116BCB4-B68B-4638-8167-F4BDC0A30DA1}" type="datetime1">
               <a:rPr lang="ko-KR" altLang="en-US" smtClean="0"/>
-              <a:t>2023-06-19</a:t>
+              <a:t>2023-06-23</a:t>
             </a:fld>
             <a:endParaRPr lang="ko-KR" altLang="en-US"/>
           </a:p>
@@ -11154,109 +11154,9 @@
           <a:chExt cx="0" cy="0"/>
         </a:xfrm>
       </p:grpSpPr>
-      <p:sp>
-        <p:nvSpPr>
-          <p:cNvPr id="15" name="제목 5"/>
-          <p:cNvSpPr txBox="1">
-            <a:spLocks/>
-          </p:cNvSpPr>
-          <p:nvPr/>
-        </p:nvSpPr>
-        <p:spPr>
-          <a:xfrm>
-            <a:off x="1" y="-18256"/>
-            <a:ext cx="5079014" cy="854968"/>
-          </a:xfrm>
-          <a:prstGeom prst="rect">
-            <a:avLst/>
-          </a:prstGeom>
-        </p:spPr>
-        <p:txBody>
-          <a:bodyPr anchor="ctr" anchorCtr="0"/>
-          <a:lstStyle>
-            <a:lvl1pPr algn="l" defTabSz="914400" rtl="0" eaLnBrk="1" latinLnBrk="1" hangingPunct="1">
-              <a:spcBef>
-                <a:spcPct val="0"/>
-              </a:spcBef>
-              <a:buNone/>
-              <a:defRPr sz="3200" kern="1200">
-                <a:solidFill>
-                  <a:schemeClr val="bg1"/>
-                </a:solidFill>
-                <a:latin typeface="HY헤드라인M" panose="02030600000101010101" pitchFamily="18" charset="-127"/>
-                <a:ea typeface="HY헤드라인M" panose="02030600000101010101" pitchFamily="18" charset="-127"/>
-                <a:cs typeface="+mj-cs"/>
-              </a:defRPr>
-            </a:lvl1pPr>
-          </a:lstStyle>
-          <a:p>
-            <a:r>
-              <a:rPr lang="en-US" altLang="ko-KR" dirty="0" smtClean="0"/>
-              <a:t> </a:t>
-            </a:r>
-            <a:endParaRPr lang="ko-KR" altLang="en-US" dirty="0"/>
-          </a:p>
-        </p:txBody>
-      </p:sp>
-      <p:sp>
-        <p:nvSpPr>
-          <p:cNvPr id="11" name="제목 5"/>
-          <p:cNvSpPr txBox="1">
-            <a:spLocks/>
-          </p:cNvSpPr>
-          <p:nvPr/>
-        </p:nvSpPr>
-        <p:spPr>
-          <a:xfrm>
-            <a:off x="152400" y="-27384"/>
-            <a:ext cx="6312767" cy="854968"/>
-          </a:xfrm>
-          <a:prstGeom prst="rect">
-            <a:avLst/>
-          </a:prstGeom>
-        </p:spPr>
-        <p:txBody>
-          <a:bodyPr anchor="ctr" anchorCtr="0"/>
-          <a:lstStyle>
-            <a:lvl1pPr algn="l" defTabSz="914400" rtl="0" eaLnBrk="1" latinLnBrk="1" hangingPunct="1">
-              <a:spcBef>
-                <a:spcPct val="0"/>
-              </a:spcBef>
-              <a:buNone/>
-              <a:defRPr sz="3200" kern="1200">
-                <a:solidFill>
-                  <a:schemeClr val="bg1"/>
-                </a:solidFill>
-                <a:latin typeface="HY헤드라인M" panose="02030600000101010101" pitchFamily="18" charset="-127"/>
-                <a:ea typeface="HY헤드라인M" panose="02030600000101010101" pitchFamily="18" charset="-127"/>
-                <a:cs typeface="+mj-cs"/>
-              </a:defRPr>
-            </a:lvl1pPr>
-          </a:lstStyle>
-          <a:p>
-            <a:r>
-              <a:rPr lang="en-US" altLang="ko-KR" dirty="0" smtClean="0"/>
-              <a:t> </a:t>
-            </a:r>
-            <a:r>
-              <a:rPr lang="ko-KR" altLang="en-US" dirty="0" smtClean="0"/>
-              <a:t>게시판 </a:t>
-            </a:r>
-            <a:r>
-              <a:rPr lang="ko-KR" altLang="en-US" dirty="0" err="1" smtClean="0"/>
-              <a:t>페이징</a:t>
-            </a:r>
-            <a:r>
-              <a:rPr lang="ko-KR" altLang="en-US" dirty="0" smtClean="0"/>
-              <a:t> 처리</a:t>
-            </a:r>
-            <a:endParaRPr lang="ko-KR" altLang="en-US" dirty="0"/>
-          </a:p>
-        </p:txBody>
-      </p:sp>
       <p:pic>
         <p:nvPicPr>
-          <p:cNvPr id="2" name="그림 1"/>
+          <p:cNvPr id="3" name="그림 2"/>
           <p:cNvPicPr>
             <a:picLocks noChangeAspect="1"/>
           </p:cNvPicPr>
@@ -11276,8 +11176,8 @@
         </p:blipFill>
         <p:spPr>
           <a:xfrm>
-            <a:off x="632520" y="1268760"/>
-            <a:ext cx="8697416" cy="4491780"/>
+            <a:off x="434495" y="1124744"/>
+            <a:ext cx="9091013" cy="4843215"/>
           </a:xfrm>
           <a:prstGeom prst="rect">
             <a:avLst/>
@@ -11293,13 +11193,113 @@
       </p:pic>
       <p:sp>
         <p:nvSpPr>
+          <p:cNvPr id="15" name="제목 5"/>
+          <p:cNvSpPr txBox="1">
+            <a:spLocks/>
+          </p:cNvSpPr>
+          <p:nvPr/>
+        </p:nvSpPr>
+        <p:spPr>
+          <a:xfrm>
+            <a:off x="1" y="-18256"/>
+            <a:ext cx="5079014" cy="854968"/>
+          </a:xfrm>
+          <a:prstGeom prst="rect">
+            <a:avLst/>
+          </a:prstGeom>
+        </p:spPr>
+        <p:txBody>
+          <a:bodyPr anchor="ctr" anchorCtr="0"/>
+          <a:lstStyle>
+            <a:lvl1pPr algn="l" defTabSz="914400" rtl="0" eaLnBrk="1" latinLnBrk="1" hangingPunct="1">
+              <a:spcBef>
+                <a:spcPct val="0"/>
+              </a:spcBef>
+              <a:buNone/>
+              <a:defRPr sz="3200" kern="1200">
+                <a:solidFill>
+                  <a:schemeClr val="bg1"/>
+                </a:solidFill>
+                <a:latin typeface="HY헤드라인M" panose="02030600000101010101" pitchFamily="18" charset="-127"/>
+                <a:ea typeface="HY헤드라인M" panose="02030600000101010101" pitchFamily="18" charset="-127"/>
+                <a:cs typeface="+mj-cs"/>
+              </a:defRPr>
+            </a:lvl1pPr>
+          </a:lstStyle>
+          <a:p>
+            <a:r>
+              <a:rPr lang="en-US" altLang="ko-KR" dirty="0" smtClean="0"/>
+              <a:t> </a:t>
+            </a:r>
+            <a:endParaRPr lang="ko-KR" altLang="en-US" dirty="0"/>
+          </a:p>
+        </p:txBody>
+      </p:sp>
+      <p:sp>
+        <p:nvSpPr>
+          <p:cNvPr id="11" name="제목 5"/>
+          <p:cNvSpPr txBox="1">
+            <a:spLocks/>
+          </p:cNvSpPr>
+          <p:nvPr/>
+        </p:nvSpPr>
+        <p:spPr>
+          <a:xfrm>
+            <a:off x="152400" y="-27384"/>
+            <a:ext cx="6312767" cy="854968"/>
+          </a:xfrm>
+          <a:prstGeom prst="rect">
+            <a:avLst/>
+          </a:prstGeom>
+        </p:spPr>
+        <p:txBody>
+          <a:bodyPr anchor="ctr" anchorCtr="0"/>
+          <a:lstStyle>
+            <a:lvl1pPr algn="l" defTabSz="914400" rtl="0" eaLnBrk="1" latinLnBrk="1" hangingPunct="1">
+              <a:spcBef>
+                <a:spcPct val="0"/>
+              </a:spcBef>
+              <a:buNone/>
+              <a:defRPr sz="3200" kern="1200">
+                <a:solidFill>
+                  <a:schemeClr val="bg1"/>
+                </a:solidFill>
+                <a:latin typeface="HY헤드라인M" panose="02030600000101010101" pitchFamily="18" charset="-127"/>
+                <a:ea typeface="HY헤드라인M" panose="02030600000101010101" pitchFamily="18" charset="-127"/>
+                <a:cs typeface="+mj-cs"/>
+              </a:defRPr>
+            </a:lvl1pPr>
+          </a:lstStyle>
+          <a:p>
+            <a:r>
+              <a:rPr lang="en-US" altLang="ko-KR" dirty="0" smtClean="0"/>
+              <a:t> </a:t>
+            </a:r>
+            <a:r>
+              <a:rPr lang="ko-KR" altLang="en-US" dirty="0" smtClean="0"/>
+              <a:t>게시판 </a:t>
+            </a:r>
+            <a:r>
+              <a:rPr lang="ko-KR" altLang="en-US" dirty="0" err="1" smtClean="0"/>
+              <a:t>페이징</a:t>
+            </a:r>
+            <a:r>
+              <a:rPr lang="ko-KR" altLang="en-US" dirty="0" smtClean="0"/>
+              <a:t> 처리</a:t>
+            </a:r>
+            <a:endParaRPr lang="ko-KR" altLang="en-US" dirty="0"/>
+          </a:p>
+        </p:txBody>
+      </p:sp>
+      <p:sp>
+        <p:nvSpPr>
           <p:cNvPr id="7" name="TextBox 6"/>
           <p:cNvSpPr txBox="1"/>
           <p:nvPr/>
         </p:nvSpPr>
         <p:spPr>
           <a:xfrm>
-            <a:off x="7401272" y="1916832"/>
+            <a:off x="7413308" y="1556792"/>
             <a:ext cx="2124236" cy="400110"/>
           </a:xfrm>
           <a:prstGeom prst="rect">
@@ -11464,7 +11464,7 @@
       </p:sp>
       <p:pic>
         <p:nvPicPr>
-          <p:cNvPr id="3" name="그림 2"/>
+          <p:cNvPr id="2" name="그림 1"/>
           <p:cNvPicPr>
             <a:picLocks noChangeAspect="1"/>
           </p:cNvPicPr>
@@ -11484,8 +11484,8 @@
         </p:blipFill>
         <p:spPr>
           <a:xfrm>
-            <a:off x="990256" y="1611472"/>
-            <a:ext cx="7925487" cy="3635055"/>
+            <a:off x="894998" y="1481921"/>
+            <a:ext cx="8116003" cy="3894157"/>
           </a:xfrm>
           <a:prstGeom prst="rect">
             <a:avLst/>
@@ -11638,7 +11638,7 @@
       </p:sp>
       <p:pic>
         <p:nvPicPr>
-          <p:cNvPr id="2" name="그림 1"/>
+          <p:cNvPr id="4" name="그림 3"/>
           <p:cNvPicPr>
             <a:picLocks noChangeAspect="1"/>
           </p:cNvPicPr>
@@ -11658,8 +11658,8 @@
         </p:blipFill>
         <p:spPr>
           <a:xfrm>
-            <a:off x="488504" y="1196752"/>
-            <a:ext cx="8917834" cy="4680520"/>
+            <a:off x="128464" y="1052736"/>
+            <a:ext cx="9705528" cy="4970229"/>
           </a:xfrm>
           <a:prstGeom prst="rect">
             <a:avLst/>
@@ -11673,6 +11673,40 @@
           </a:ln>
         </p:spPr>
       </p:pic>
+      <p:sp>
+        <p:nvSpPr>
+          <p:cNvPr id="7" name="TextBox 6"/>
+          <p:cNvSpPr txBox="1"/>
+          <p:nvPr/>
+        </p:nvSpPr>
+        <p:spPr>
+          <a:xfrm>
+            <a:off x="7329264" y="1772816"/>
+            <a:ext cx="1872208" cy="369332"/>
+          </a:xfrm>
+          <a:prstGeom prst="rect">
+            <a:avLst/>
+          </a:prstGeom>
+          <a:noFill/>
+        </p:spPr>
+        <p:txBody>
+          <a:bodyPr wrap="square" rtlCol="0">
+            <a:spAutoFit/>
+          </a:bodyPr>
+          <a:lstStyle/>
+          <a:p>
+            <a:r>
+              <a:rPr lang="en-US" altLang="ko-KR" dirty="0" smtClean="0"/>
+              <a:t>BoardDAO</a:t>
+            </a:r>
+            <a:r>
+              <a:rPr lang="en-US" altLang="ko-KR" dirty="0" smtClean="0"/>
+              <a:t>.java</a:t>
+            </a:r>
+            <a:endParaRPr lang="ko-KR" altLang="en-US" dirty="0"/>
+          </a:p>
+        </p:txBody>
+      </p:sp>
     </p:spTree>
     <p:extLst>
       <p:ext uri="{BB962C8B-B14F-4D97-AF65-F5344CB8AC3E}">
@@ -11812,7 +11846,7 @@
       </p:sp>
       <p:pic>
         <p:nvPicPr>
-          <p:cNvPr id="2" name="그림 1"/>
+          <p:cNvPr id="3" name="그림 2"/>
           <p:cNvPicPr>
             <a:picLocks noChangeAspect="1"/>
           </p:cNvPicPr>
@@ -11832,8 +11866,8 @@
         </p:blipFill>
         <p:spPr>
           <a:xfrm>
-            <a:off x="1208584" y="1124744"/>
-            <a:ext cx="6941883" cy="5040560"/>
+            <a:off x="1085515" y="1062785"/>
+            <a:ext cx="7734970" cy="4732430"/>
           </a:xfrm>
           <a:prstGeom prst="rect">
             <a:avLst/>
@@ -12016,7 +12050,7 @@
       </p:sp>
       <p:pic>
         <p:nvPicPr>
-          <p:cNvPr id="2" name="그림 1"/>
+          <p:cNvPr id="3" name="그림 2"/>
           <p:cNvPicPr>
             <a:picLocks noChangeAspect="1"/>
           </p:cNvPicPr>
@@ -12036,8 +12070,8 @@
         </p:blipFill>
         <p:spPr>
           <a:xfrm>
-            <a:off x="670463" y="1556792"/>
-            <a:ext cx="8817104" cy="2720576"/>
+            <a:off x="920552" y="1700808"/>
+            <a:ext cx="7978831" cy="3025402"/>
           </a:xfrm>
           <a:prstGeom prst="rect">
             <a:avLst/>
